--- a/Notes/Presentation-Borui.pptx
+++ b/Notes/Presentation-Borui.pptx
@@ -9,6 +9,9 @@
     <p:sldId id="257" r:id="rId3"/>
     <p:sldId id="258" r:id="rId4"/>
     <p:sldId id="259" r:id="rId5"/>
+    <p:sldId id="260" r:id="rId6"/>
+    <p:sldId id="261" r:id="rId7"/>
+    <p:sldId id="262" r:id="rId8"/>
   </p:sldIdLst>
   <p:sldSz cx="12192000" cy="6858000"/>
   <p:notesSz cx="6858000" cy="9144000"/>
@@ -107,6 +110,11 @@
       </a:defRPr>
     </a:lvl9pPr>
   </p:defaultTextStyle>
+  <p:extLst>
+    <p:ext uri="{EFAFB233-063F-42B5-8137-9DF3F51BA10A}">
+      <p15:sldGuideLst xmlns:p15="http://schemas.microsoft.com/office/powerpoint/2012/main"/>
+    </p:ext>
+  </p:extLst>
 </p:presentation>
 </file>
 
@@ -3781,42 +3789,42 @@
   <p:extLst mod="1">
     <p:ext uri="{27BBF7A9-308A-43DC-89C8-2F10F3537804}">
       <p15:sldGuideLst xmlns:p15="http://schemas.microsoft.com/office/powerpoint/2012/main">
-        <p15:guide id="4294967295" orient="horz" pos="1368">
+        <p15:guide id="1" orient="horz" pos="1368">
           <p15:clr>
             <a:srgbClr val="F26B43"/>
           </p15:clr>
         </p15:guide>
-        <p15:guide id="4294967295" orient="horz" pos="1440">
+        <p15:guide id="2" orient="horz" pos="1440">
           <p15:clr>
             <a:srgbClr val="F26B43"/>
           </p15:clr>
         </p15:guide>
-        <p15:guide id="4294967295" orient="horz" pos="3696">
+        <p15:guide id="3" orient="horz" pos="3696">
           <p15:clr>
             <a:srgbClr val="F26B43"/>
           </p15:clr>
         </p15:guide>
-        <p15:guide id="4294967295" orient="horz" pos="432">
+        <p15:guide id="4" orient="horz" pos="432">
           <p15:clr>
             <a:srgbClr val="F26B43"/>
           </p15:clr>
         </p15:guide>
-        <p15:guide id="4294967295" orient="horz" pos="1512">
+        <p15:guide id="5" orient="horz" pos="1512">
           <p15:clr>
             <a:srgbClr val="F26B43"/>
           </p15:clr>
         </p15:guide>
-        <p15:guide id="4294967295" pos="6912">
+        <p15:guide id="6" pos="6912">
           <p15:clr>
             <a:srgbClr val="F26B43"/>
           </p15:clr>
         </p15:guide>
-        <p15:guide id="4294967295" pos="936">
+        <p15:guide id="7" pos="936">
           <p15:clr>
             <a:srgbClr val="F26B43"/>
           </p15:clr>
         </p15:guide>
-        <p15:guide id="4294967295" pos="864">
+        <p15:guide id="8" pos="864">
           <p15:clr>
             <a:srgbClr val="F26B43"/>
           </p15:clr>
@@ -4383,6 +4391,242 @@
     <p:extLst>
       <p:ext uri="{BB962C8B-B14F-4D97-AF65-F5344CB8AC3E}">
         <p14:creationId xmlns:p14="http://schemas.microsoft.com/office/powerpoint/2010/main" val="2614532464"/>
+      </p:ext>
+    </p:extLst>
+  </p:cSld>
+  <p:clrMapOvr>
+    <a:masterClrMapping/>
+  </p:clrMapOvr>
+</p:sld>
+</file>
+
+<file path=ppt/slides/slide5.xml><?xml version="1.0" encoding="utf-8"?>
+<p:sld xmlns:a="http://schemas.openxmlformats.org/drawingml/2006/main" xmlns:r="http://schemas.openxmlformats.org/officeDocument/2006/relationships" xmlns:p="http://schemas.openxmlformats.org/presentationml/2006/main">
+  <p:cSld>
+    <p:spTree>
+      <p:nvGrpSpPr>
+        <p:cNvPr id="1" name=""/>
+        <p:cNvGrpSpPr/>
+        <p:nvPr/>
+      </p:nvGrpSpPr>
+      <p:grpSpPr>
+        <a:xfrm>
+          <a:off x="0" y="0"/>
+          <a:ext cx="0" cy="0"/>
+          <a:chOff x="0" y="0"/>
+          <a:chExt cx="0" cy="0"/>
+        </a:xfrm>
+      </p:grpSpPr>
+      <p:sp>
+        <p:nvSpPr>
+          <p:cNvPr id="2" name="Titre 1"/>
+          <p:cNvSpPr>
+            <a:spLocks noGrp="1"/>
+          </p:cNvSpPr>
+          <p:nvPr>
+            <p:ph type="title"/>
+          </p:nvPr>
+        </p:nvSpPr>
+        <p:spPr/>
+        <p:txBody>
+          <a:bodyPr/>
+          <a:lstStyle/>
+          <a:p>
+            <a:r>
+              <a:rPr lang="fr-FR" dirty="0"/>
+              <a:t>Chaine d’Energie et d’Information</a:t>
+            </a:r>
+            <a:br>
+              <a:rPr lang="fr-FR" dirty="0"/>
+            </a:br>
+            <a:endParaRPr lang="fr-FR" dirty="0"/>
+          </a:p>
+        </p:txBody>
+      </p:sp>
+      <p:pic>
+        <p:nvPicPr>
+          <p:cNvPr id="4" name="Espace réservé du contenu 3"/>
+          <p:cNvPicPr>
+            <a:picLocks noGrp="1" noChangeAspect="1"/>
+          </p:cNvPicPr>
+          <p:nvPr>
+            <p:ph idx="1"/>
+          </p:nvPr>
+        </p:nvPicPr>
+        <p:blipFill rotWithShape="1">
+          <a:blip r:embed="rId2">
+            <a:extLst>
+              <a:ext uri="{28A0092B-C50C-407E-A947-70E740481C1C}">
+                <a14:useLocalDpi xmlns:a14="http://schemas.microsoft.com/office/drawing/2010/main" val="0"/>
+              </a:ext>
+            </a:extLst>
+          </a:blip>
+          <a:srcRect t="11989"/>
+          <a:stretch/>
+        </p:blipFill>
+        <p:spPr>
+          <a:xfrm>
+            <a:off x="1084217" y="1628502"/>
+            <a:ext cx="10175966" cy="6920545"/>
+          </a:xfrm>
+        </p:spPr>
+      </p:pic>
+    </p:spTree>
+    <p:extLst>
+      <p:ext uri="{BB962C8B-B14F-4D97-AF65-F5344CB8AC3E}">
+        <p14:creationId xmlns:p14="http://schemas.microsoft.com/office/powerpoint/2010/main" val="2002157118"/>
+      </p:ext>
+    </p:extLst>
+  </p:cSld>
+  <p:clrMapOvr>
+    <a:masterClrMapping/>
+  </p:clrMapOvr>
+</p:sld>
+</file>
+
+<file path=ppt/slides/slide6.xml><?xml version="1.0" encoding="utf-8"?>
+<p:sld xmlns:a="http://schemas.openxmlformats.org/drawingml/2006/main" xmlns:r="http://schemas.openxmlformats.org/officeDocument/2006/relationships" xmlns:p="http://schemas.openxmlformats.org/presentationml/2006/main">
+  <p:cSld>
+    <p:spTree>
+      <p:nvGrpSpPr>
+        <p:cNvPr id="1" name=""/>
+        <p:cNvGrpSpPr/>
+        <p:nvPr/>
+      </p:nvGrpSpPr>
+      <p:grpSpPr>
+        <a:xfrm>
+          <a:off x="0" y="0"/>
+          <a:ext cx="0" cy="0"/>
+          <a:chOff x="0" y="0"/>
+          <a:chExt cx="0" cy="0"/>
+        </a:xfrm>
+      </p:grpSpPr>
+      <p:sp>
+        <p:nvSpPr>
+          <p:cNvPr id="2" name="Titre 1"/>
+          <p:cNvSpPr>
+            <a:spLocks noGrp="1"/>
+          </p:cNvSpPr>
+          <p:nvPr>
+            <p:ph type="title"/>
+          </p:nvPr>
+        </p:nvSpPr>
+        <p:spPr>
+          <a:xfrm>
+            <a:off x="1371599" y="372291"/>
+            <a:ext cx="9601200" cy="1485900"/>
+          </a:xfrm>
+        </p:spPr>
+        <p:txBody>
+          <a:bodyPr/>
+          <a:lstStyle/>
+          <a:p>
+            <a:r>
+              <a:rPr lang="fr-FR" dirty="0"/>
+              <a:t>Cahier des Charges</a:t>
+            </a:r>
+            <a:br>
+              <a:rPr lang="fr-FR" dirty="0"/>
+            </a:br>
+            <a:endParaRPr lang="fr-FR" dirty="0"/>
+          </a:p>
+        </p:txBody>
+      </p:sp>
+      <p:pic>
+        <p:nvPicPr>
+          <p:cNvPr id="4" name="Espace réservé du contenu 3"/>
+          <p:cNvPicPr>
+            <a:picLocks noGrp="1" noChangeAspect="1"/>
+          </p:cNvPicPr>
+          <p:nvPr>
+            <p:ph idx="1"/>
+          </p:nvPr>
+        </p:nvPicPr>
+        <p:blipFill>
+          <a:blip r:embed="rId2"/>
+          <a:stretch>
+            <a:fillRect/>
+          </a:stretch>
+        </p:blipFill>
+        <p:spPr>
+          <a:xfrm>
+            <a:off x="1371599" y="1115240"/>
+            <a:ext cx="8294915" cy="5579645"/>
+          </a:xfrm>
+          <a:prstGeom prst="rect">
+            <a:avLst/>
+          </a:prstGeom>
+          <a:ln w="28575">
+            <a:solidFill>
+              <a:srgbClr val="FFFF99"/>
+            </a:solidFill>
+          </a:ln>
+          <a:effectLst>
+            <a:softEdge rad="25400"/>
+          </a:effectLst>
+        </p:spPr>
+      </p:pic>
+    </p:spTree>
+    <p:extLst>
+      <p:ext uri="{BB962C8B-B14F-4D97-AF65-F5344CB8AC3E}">
+        <p14:creationId xmlns:p14="http://schemas.microsoft.com/office/powerpoint/2010/main" val="993311901"/>
+      </p:ext>
+    </p:extLst>
+  </p:cSld>
+  <p:clrMapOvr>
+    <a:masterClrMapping/>
+  </p:clrMapOvr>
+</p:sld>
+</file>
+
+<file path=ppt/slides/slide7.xml><?xml version="1.0" encoding="utf-8"?>
+<p:sld xmlns:a="http://schemas.openxmlformats.org/drawingml/2006/main" xmlns:r="http://schemas.openxmlformats.org/officeDocument/2006/relationships" xmlns:p="http://schemas.openxmlformats.org/presentationml/2006/main">
+  <p:cSld>
+    <p:spTree>
+      <p:nvGrpSpPr>
+        <p:cNvPr id="1" name=""/>
+        <p:cNvGrpSpPr/>
+        <p:nvPr/>
+      </p:nvGrpSpPr>
+      <p:grpSpPr>
+        <a:xfrm>
+          <a:off x="0" y="0"/>
+          <a:ext cx="0" cy="0"/>
+          <a:chOff x="0" y="0"/>
+          <a:chExt cx="0" cy="0"/>
+        </a:xfrm>
+      </p:grpSpPr>
+      <p:sp>
+        <p:nvSpPr>
+          <p:cNvPr id="2" name="Titre 1"/>
+          <p:cNvSpPr>
+            <a:spLocks noGrp="1"/>
+          </p:cNvSpPr>
+          <p:nvPr>
+            <p:ph type="title"/>
+          </p:nvPr>
+        </p:nvSpPr>
+        <p:spPr/>
+        <p:txBody>
+          <a:bodyPr/>
+          <a:lstStyle/>
+          <a:p>
+            <a:r>
+              <a:rPr lang="fr-FR" dirty="0" smtClean="0"/>
+              <a:t>FIN - </a:t>
+            </a:r>
+            <a:r>
+              <a:rPr lang="fr-FR" dirty="0" err="1" smtClean="0"/>
+              <a:t>Temp</a:t>
+            </a:r>
+            <a:endParaRPr lang="fr-FR" dirty="0"/>
+          </a:p>
+        </p:txBody>
+      </p:sp>
+    </p:spTree>
+    <p:extLst>
+      <p:ext uri="{BB962C8B-B14F-4D97-AF65-F5344CB8AC3E}">
+        <p14:creationId xmlns:p14="http://schemas.microsoft.com/office/powerpoint/2010/main" val="1566417886"/>
       </p:ext>
     </p:extLst>
   </p:cSld>

--- a/Notes/Presentation-Borui.pptx
+++ b/Notes/Presentation-Borui.pptx
@@ -287,7 +287,7 @@
           <a:p>
             <a:fld id="{56650B2C-4020-4BB4-9A49-3D085DD79D5D}" type="datetimeFigureOut">
               <a:rPr lang="fr-FR" smtClean="0"/>
-              <a:t>11/02/2025</a:t>
+              <a:t>14/02/2025</a:t>
             </a:fld>
             <a:endParaRPr lang="fr-FR"/>
           </a:p>
@@ -617,7 +617,7 @@
           <a:p>
             <a:fld id="{56650B2C-4020-4BB4-9A49-3D085DD79D5D}" type="datetimeFigureOut">
               <a:rPr lang="fr-FR" smtClean="0"/>
-              <a:t>11/02/2025</a:t>
+              <a:t>14/02/2025</a:t>
             </a:fld>
             <a:endParaRPr lang="fr-FR"/>
           </a:p>
@@ -797,7 +797,7 @@
           <a:p>
             <a:fld id="{56650B2C-4020-4BB4-9A49-3D085DD79D5D}" type="datetimeFigureOut">
               <a:rPr lang="fr-FR" smtClean="0"/>
-              <a:t>11/02/2025</a:t>
+              <a:t>14/02/2025</a:t>
             </a:fld>
             <a:endParaRPr lang="fr-FR"/>
           </a:p>
@@ -967,7 +967,7 @@
           <a:p>
             <a:fld id="{56650B2C-4020-4BB4-9A49-3D085DD79D5D}" type="datetimeFigureOut">
               <a:rPr lang="fr-FR" smtClean="0"/>
-              <a:t>11/02/2025</a:t>
+              <a:t>14/02/2025</a:t>
             </a:fld>
             <a:endParaRPr lang="fr-FR"/>
           </a:p>
@@ -1244,7 +1244,7 @@
           <a:p>
             <a:fld id="{56650B2C-4020-4BB4-9A49-3D085DD79D5D}" type="datetimeFigureOut">
               <a:rPr lang="fr-FR" smtClean="0"/>
-              <a:t>11/02/2025</a:t>
+              <a:t>14/02/2025</a:t>
             </a:fld>
             <a:endParaRPr lang="fr-FR"/>
           </a:p>
@@ -1638,7 +1638,7 @@
           <a:p>
             <a:fld id="{56650B2C-4020-4BB4-9A49-3D085DD79D5D}" type="datetimeFigureOut">
               <a:rPr lang="fr-FR" smtClean="0"/>
-              <a:t>11/02/2025</a:t>
+              <a:t>14/02/2025</a:t>
             </a:fld>
             <a:endParaRPr lang="fr-FR"/>
           </a:p>
@@ -2115,7 +2115,7 @@
           <a:p>
             <a:fld id="{56650B2C-4020-4BB4-9A49-3D085DD79D5D}" type="datetimeFigureOut">
               <a:rPr lang="fr-FR" smtClean="0"/>
-              <a:t>11/02/2025</a:t>
+              <a:t>14/02/2025</a:t>
             </a:fld>
             <a:endParaRPr lang="fr-FR"/>
           </a:p>
@@ -2233,7 +2233,7 @@
           <a:p>
             <a:fld id="{56650B2C-4020-4BB4-9A49-3D085DD79D5D}" type="datetimeFigureOut">
               <a:rPr lang="fr-FR" smtClean="0"/>
-              <a:t>11/02/2025</a:t>
+              <a:t>14/02/2025</a:t>
             </a:fld>
             <a:endParaRPr lang="fr-FR"/>
           </a:p>
@@ -2328,7 +2328,7 @@
           <a:p>
             <a:fld id="{56650B2C-4020-4BB4-9A49-3D085DD79D5D}" type="datetimeFigureOut">
               <a:rPr lang="fr-FR" smtClean="0"/>
-              <a:t>11/02/2025</a:t>
+              <a:t>14/02/2025</a:t>
             </a:fld>
             <a:endParaRPr lang="fr-FR"/>
           </a:p>
@@ -2674,7 +2674,7 @@
           <a:p>
             <a:fld id="{56650B2C-4020-4BB4-9A49-3D085DD79D5D}" type="datetimeFigureOut">
               <a:rPr lang="fr-FR" smtClean="0"/>
-              <a:t>11/02/2025</a:t>
+              <a:t>14/02/2025</a:t>
             </a:fld>
             <a:endParaRPr lang="fr-FR"/>
           </a:p>
@@ -3062,7 +3062,7 @@
           <a:p>
             <a:fld id="{56650B2C-4020-4BB4-9A49-3D085DD79D5D}" type="datetimeFigureOut">
               <a:rPr lang="fr-FR" smtClean="0"/>
-              <a:t>11/02/2025</a:t>
+              <a:t>14/02/2025</a:t>
             </a:fld>
             <a:endParaRPr lang="fr-FR"/>
           </a:p>
@@ -3340,7 +3340,7 @@
           <a:p>
             <a:fld id="{56650B2C-4020-4BB4-9A49-3D085DD79D5D}" type="datetimeFigureOut">
               <a:rPr lang="fr-FR" smtClean="0"/>
-              <a:t>11/02/2025</a:t>
+              <a:t>14/02/2025</a:t>
             </a:fld>
             <a:endParaRPr lang="fr-FR"/>
           </a:p>
@@ -4443,34 +4443,29 @@
           </a:p>
         </p:txBody>
       </p:sp>
-      <p:pic>
-        <p:nvPicPr>
-          <p:cNvPr id="4" name="Espace réservé du contenu 3"/>
-          <p:cNvPicPr>
-            <a:picLocks noGrp="1" noChangeAspect="1"/>
-          </p:cNvPicPr>
+      <p:sp>
+        <p:nvSpPr>
+          <p:cNvPr id="3" name="Espace réservé du contenu 2"/>
+          <p:cNvSpPr>
+            <a:spLocks noGrp="1"/>
+          </p:cNvSpPr>
           <p:nvPr>
             <p:ph idx="1"/>
           </p:nvPr>
-        </p:nvPicPr>
-        <p:blipFill rotWithShape="1">
-          <a:blip r:embed="rId2">
-            <a:extLst>
-              <a:ext uri="{28A0092B-C50C-407E-A947-70E740481C1C}">
-                <a14:useLocalDpi xmlns:a14="http://schemas.microsoft.com/office/drawing/2010/main" val="0"/>
-              </a:ext>
-            </a:extLst>
-          </a:blip>
-          <a:srcRect t="11989"/>
-          <a:stretch/>
-        </p:blipFill>
-        <p:spPr>
-          <a:xfrm>
-            <a:off x="1084217" y="1628502"/>
-            <a:ext cx="10175966" cy="6920545"/>
-          </a:xfrm>
-        </p:spPr>
-      </p:pic>
+        </p:nvSpPr>
+        <p:spPr/>
+        <p:txBody>
+          <a:bodyPr/>
+          <a:lstStyle/>
+          <a:p>
+            <a:r>
+              <a:rPr lang="fr-FR" dirty="0" smtClean="0"/>
+              <a:t>EN ATTENTE D’AMELIORATION DU SCHEMA</a:t>
+            </a:r>
+            <a:endParaRPr lang="fr-FR" dirty="0"/>
+          </a:p>
+        </p:txBody>
+      </p:sp>
     </p:spTree>
     <p:extLst>
       <p:ext uri="{BB962C8B-B14F-4D97-AF65-F5344CB8AC3E}">
@@ -4534,13 +4529,11 @@
       </p:sp>
       <p:pic>
         <p:nvPicPr>
-          <p:cNvPr id="4" name="Espace réservé du contenu 3"/>
+          <p:cNvPr id="5" name="Image 4"/>
           <p:cNvPicPr>
-            <a:picLocks noGrp="1" noChangeAspect="1"/>
+            <a:picLocks noChangeAspect="1"/>
           </p:cNvPicPr>
-          <p:nvPr>
-            <p:ph idx="1"/>
-          </p:nvPr>
+          <p:nvPr/>
         </p:nvPicPr>
         <p:blipFill>
           <a:blip r:embed="rId2"/>
@@ -4550,18 +4543,18 @@
         </p:blipFill>
         <p:spPr>
           <a:xfrm>
-            <a:off x="1371599" y="1115240"/>
-            <a:ext cx="8294915" cy="5579645"/>
+            <a:off x="1371599" y="1115241"/>
+            <a:ext cx="8045235" cy="5430533"/>
           </a:xfrm>
           <a:prstGeom prst="rect">
             <a:avLst/>
           </a:prstGeom>
-          <a:ln w="28575">
-            <a:solidFill>
-              <a:srgbClr val="FFFF99"/>
-            </a:solidFill>
-          </a:ln>
           <a:effectLst>
+            <a:glow rad="12700">
+              <a:srgbClr val="FFFF00">
+                <a:alpha val="20000"/>
+              </a:srgbClr>
+            </a:glow>
             <a:softEdge rad="25400"/>
           </a:effectLst>
         </p:spPr>
@@ -4613,11 +4606,15 @@
           <a:p>
             <a:r>
               <a:rPr lang="fr-FR" dirty="0" smtClean="0"/>
-              <a:t>FIN - </a:t>
-            </a:r>
-            <a:r>
-              <a:rPr lang="fr-FR" dirty="0" err="1" smtClean="0"/>
-              <a:t>Temp</a:t>
+              <a:t>FIN </a:t>
+            </a:r>
+            <a:r>
+              <a:rPr lang="fr-FR" smtClean="0"/>
+              <a:t>- </a:t>
+            </a:r>
+            <a:r>
+              <a:rPr lang="fr-FR" smtClean="0"/>
+              <a:t>Temporaire</a:t>
             </a:r>
             <a:endParaRPr lang="fr-FR" dirty="0"/>
           </a:p>

--- a/Notes/Presentation-Borui.pptx
+++ b/Notes/Presentation-Borui.pptx
@@ -4156,7 +4156,7 @@
             <p:ph idx="1"/>
           </p:nvPr>
         </p:nvPicPr>
-        <p:blipFill>
+        <p:blipFill rotWithShape="1">
           <a:blip r:embed="rId2">
             <a:extLst>
               <a:ext uri="{28A0092B-C50C-407E-A947-70E740481C1C}">
@@ -4164,14 +4164,13 @@
               </a:ext>
             </a:extLst>
           </a:blip>
-          <a:stretch>
-            <a:fillRect/>
-          </a:stretch>
+          <a:srcRect r="9781"/>
+          <a:stretch/>
         </p:blipFill>
         <p:spPr>
           <a:xfrm>
             <a:off x="449772" y="1428750"/>
-            <a:ext cx="6499668" cy="5022472"/>
+            <a:ext cx="5863942" cy="5022472"/>
           </a:xfrm>
         </p:spPr>
       </p:pic>
@@ -4242,7 +4241,7 @@
           </p:cNvPicPr>
           <p:nvPr/>
         </p:nvPicPr>
-        <p:blipFill>
+        <p:blipFill rotWithShape="1">
           <a:blip r:embed="rId3">
             <a:extLst>
               <a:ext uri="{28A0092B-C50C-407E-A947-70E740481C1C}">
@@ -4250,14 +4249,13 @@
               </a:ext>
             </a:extLst>
           </a:blip>
-          <a:stretch>
-            <a:fillRect/>
-          </a:stretch>
+          <a:srcRect r="18490"/>
+          <a:stretch/>
         </p:blipFill>
         <p:spPr>
           <a:xfrm>
-            <a:off x="5018698" y="1428750"/>
-            <a:ext cx="7347473" cy="5677593"/>
+            <a:off x="5018699" y="1428750"/>
+            <a:ext cx="5988936" cy="5677593"/>
           </a:xfrm>
           <a:prstGeom prst="rect">
             <a:avLst/>
@@ -4610,11 +4608,7 @@
             </a:r>
             <a:r>
               <a:rPr lang="fr-FR" smtClean="0"/>
-              <a:t>- </a:t>
-            </a:r>
-            <a:r>
-              <a:rPr lang="fr-FR" smtClean="0"/>
-              <a:t>Temporaire</a:t>
+              <a:t>- Temporaire</a:t>
             </a:r>
             <a:endParaRPr lang="fr-FR" dirty="0"/>
           </a:p>

--- a/Notes/Presentation-Borui.pptx
+++ b/Notes/Presentation-Borui.pptx
@@ -4262,6 +4262,78 @@
           </a:prstGeom>
         </p:spPr>
       </p:pic>
+      <p:pic>
+        <p:nvPicPr>
+          <p:cNvPr id="3" name="Image 2"/>
+          <p:cNvPicPr>
+            <a:picLocks noChangeAspect="1"/>
+          </p:cNvPicPr>
+          <p:nvPr/>
+        </p:nvPicPr>
+        <p:blipFill>
+          <a:blip r:embed="rId4"/>
+          <a:stretch>
+            <a:fillRect/>
+          </a:stretch>
+        </p:blipFill>
+        <p:spPr>
+          <a:xfrm>
+            <a:off x="5352946" y="3124157"/>
+            <a:ext cx="1486107" cy="609685"/>
+          </a:xfrm>
+          <a:prstGeom prst="rect">
+            <a:avLst/>
+          </a:prstGeom>
+        </p:spPr>
+      </p:pic>
+      <p:pic>
+        <p:nvPicPr>
+          <p:cNvPr id="5" name="Image 4"/>
+          <p:cNvPicPr>
+            <a:picLocks noChangeAspect="1"/>
+          </p:cNvPicPr>
+          <p:nvPr/>
+        </p:nvPicPr>
+        <p:blipFill>
+          <a:blip r:embed="rId4"/>
+          <a:stretch>
+            <a:fillRect/>
+          </a:stretch>
+        </p:blipFill>
+        <p:spPr>
+          <a:xfrm>
+            <a:off x="5352945" y="1428750"/>
+            <a:ext cx="1486107" cy="609685"/>
+          </a:xfrm>
+          <a:prstGeom prst="rect">
+            <a:avLst/>
+          </a:prstGeom>
+        </p:spPr>
+      </p:pic>
+      <p:pic>
+        <p:nvPicPr>
+          <p:cNvPr id="7" name="Image 6"/>
+          <p:cNvPicPr>
+            <a:picLocks noChangeAspect="1"/>
+          </p:cNvPicPr>
+          <p:nvPr/>
+        </p:nvPicPr>
+        <p:blipFill>
+          <a:blip r:embed="rId4"/>
+          <a:stretch>
+            <a:fillRect/>
+          </a:stretch>
+        </p:blipFill>
+        <p:spPr>
+          <a:xfrm>
+            <a:off x="10705893" y="1471760"/>
+            <a:ext cx="1486107" cy="609685"/>
+          </a:xfrm>
+          <a:prstGeom prst="rect">
+            <a:avLst/>
+          </a:prstGeom>
+        </p:spPr>
+      </p:pic>
     </p:spTree>
     <p:extLst>
       <p:ext uri="{BB962C8B-B14F-4D97-AF65-F5344CB8AC3E}">
@@ -4379,6 +4451,78 @@
           <a:xfrm>
             <a:off x="1481845" y="986565"/>
             <a:ext cx="7784280" cy="6015126"/>
+          </a:xfrm>
+          <a:prstGeom prst="rect">
+            <a:avLst/>
+          </a:prstGeom>
+        </p:spPr>
+      </p:pic>
+      <p:pic>
+        <p:nvPicPr>
+          <p:cNvPr id="3" name="Image 2"/>
+          <p:cNvPicPr>
+            <a:picLocks noChangeAspect="1"/>
+          </p:cNvPicPr>
+          <p:nvPr/>
+        </p:nvPicPr>
+        <p:blipFill>
+          <a:blip r:embed="rId4"/>
+          <a:stretch>
+            <a:fillRect/>
+          </a:stretch>
+        </p:blipFill>
+        <p:spPr>
+          <a:xfrm>
+            <a:off x="7460420" y="986565"/>
+            <a:ext cx="1486107" cy="609685"/>
+          </a:xfrm>
+          <a:prstGeom prst="rect">
+            <a:avLst/>
+          </a:prstGeom>
+        </p:spPr>
+      </p:pic>
+      <p:pic>
+        <p:nvPicPr>
+          <p:cNvPr id="6" name="Image 5"/>
+          <p:cNvPicPr>
+            <a:picLocks noChangeAspect="1"/>
+          </p:cNvPicPr>
+          <p:nvPr/>
+        </p:nvPicPr>
+        <p:blipFill>
+          <a:blip r:embed="rId4"/>
+          <a:stretch>
+            <a:fillRect/>
+          </a:stretch>
+        </p:blipFill>
+        <p:spPr>
+          <a:xfrm>
+            <a:off x="8633315" y="986565"/>
+            <a:ext cx="1486107" cy="609685"/>
+          </a:xfrm>
+          <a:prstGeom prst="rect">
+            <a:avLst/>
+          </a:prstGeom>
+        </p:spPr>
+      </p:pic>
+      <p:pic>
+        <p:nvPicPr>
+          <p:cNvPr id="7" name="Image 6"/>
+          <p:cNvPicPr>
+            <a:picLocks noChangeAspect="1"/>
+          </p:cNvPicPr>
+          <p:nvPr/>
+        </p:nvPicPr>
+        <p:blipFill>
+          <a:blip r:embed="rId4"/>
+          <a:stretch>
+            <a:fillRect/>
+          </a:stretch>
+        </p:blipFill>
+        <p:spPr>
+          <a:xfrm>
+            <a:off x="7620219" y="1274290"/>
+            <a:ext cx="1486107" cy="609685"/>
           </a:xfrm>
           <a:prstGeom prst="rect">
             <a:avLst/>
@@ -4441,29 +4585,35 @@
           </a:p>
         </p:txBody>
       </p:sp>
-      <p:sp>
-        <p:nvSpPr>
-          <p:cNvPr id="3" name="Espace réservé du contenu 2"/>
-          <p:cNvSpPr>
-            <a:spLocks noGrp="1"/>
-          </p:cNvSpPr>
-          <p:nvPr>
-            <p:ph idx="1"/>
-          </p:nvPr>
-        </p:nvSpPr>
-        <p:spPr/>
-        <p:txBody>
-          <a:bodyPr/>
-          <a:lstStyle/>
-          <a:p>
-            <a:r>
-              <a:rPr lang="fr-FR" dirty="0" smtClean="0"/>
-              <a:t>EN ATTENTE D’AMELIORATION DU SCHEMA</a:t>
-            </a:r>
-            <a:endParaRPr lang="fr-FR" dirty="0"/>
-          </a:p>
-        </p:txBody>
-      </p:sp>
+      <p:pic>
+        <p:nvPicPr>
+          <p:cNvPr id="4" name="Image 3"/>
+          <p:cNvPicPr>
+            <a:picLocks noChangeAspect="1"/>
+          </p:cNvPicPr>
+          <p:nvPr/>
+        </p:nvPicPr>
+        <p:blipFill rotWithShape="1">
+          <a:blip r:embed="rId2">
+            <a:extLst>
+              <a:ext uri="{28A0092B-C50C-407E-A947-70E740481C1C}">
+                <a14:useLocalDpi xmlns:a14="http://schemas.microsoft.com/office/drawing/2010/main" val="0"/>
+              </a:ext>
+            </a:extLst>
+          </a:blip>
+          <a:srcRect l="196" t="14127" r="-196" b="32381"/>
+          <a:stretch/>
+        </p:blipFill>
+        <p:spPr>
+          <a:xfrm>
+            <a:off x="0" y="1428750"/>
+            <a:ext cx="11434862" cy="4726574"/>
+          </a:xfrm>
+          <a:prstGeom prst="rect">
+            <a:avLst/>
+          </a:prstGeom>
+        </p:spPr>
+      </p:pic>
     </p:spTree>
     <p:extLst>
       <p:ext uri="{BB962C8B-B14F-4D97-AF65-F5344CB8AC3E}">

--- a/Notes/Presentation-Borui.pptx
+++ b/Notes/Presentation-Borui.pptx
@@ -11,7 +11,8 @@
     <p:sldId id="259" r:id="rId5"/>
     <p:sldId id="260" r:id="rId6"/>
     <p:sldId id="261" r:id="rId7"/>
-    <p:sldId id="262" r:id="rId8"/>
+    <p:sldId id="263" r:id="rId8"/>
+    <p:sldId id="262" r:id="rId9"/>
   </p:sldIdLst>
   <p:sldSz cx="12192000" cy="6858000"/>
   <p:notesSz cx="6858000" cy="9144000"/>
@@ -287,7 +288,7 @@
           <a:p>
             <a:fld id="{56650B2C-4020-4BB4-9A49-3D085DD79D5D}" type="datetimeFigureOut">
               <a:rPr lang="fr-FR" smtClean="0"/>
-              <a:t>14/02/2025</a:t>
+              <a:t>14/03/2025</a:t>
             </a:fld>
             <a:endParaRPr lang="fr-FR"/>
           </a:p>
@@ -617,7 +618,7 @@
           <a:p>
             <a:fld id="{56650B2C-4020-4BB4-9A49-3D085DD79D5D}" type="datetimeFigureOut">
               <a:rPr lang="fr-FR" smtClean="0"/>
-              <a:t>14/02/2025</a:t>
+              <a:t>14/03/2025</a:t>
             </a:fld>
             <a:endParaRPr lang="fr-FR"/>
           </a:p>
@@ -797,7 +798,7 @@
           <a:p>
             <a:fld id="{56650B2C-4020-4BB4-9A49-3D085DD79D5D}" type="datetimeFigureOut">
               <a:rPr lang="fr-FR" smtClean="0"/>
-              <a:t>14/02/2025</a:t>
+              <a:t>14/03/2025</a:t>
             </a:fld>
             <a:endParaRPr lang="fr-FR"/>
           </a:p>
@@ -967,7 +968,7 @@
           <a:p>
             <a:fld id="{56650B2C-4020-4BB4-9A49-3D085DD79D5D}" type="datetimeFigureOut">
               <a:rPr lang="fr-FR" smtClean="0"/>
-              <a:t>14/02/2025</a:t>
+              <a:t>14/03/2025</a:t>
             </a:fld>
             <a:endParaRPr lang="fr-FR"/>
           </a:p>
@@ -1244,7 +1245,7 @@
           <a:p>
             <a:fld id="{56650B2C-4020-4BB4-9A49-3D085DD79D5D}" type="datetimeFigureOut">
               <a:rPr lang="fr-FR" smtClean="0"/>
-              <a:t>14/02/2025</a:t>
+              <a:t>14/03/2025</a:t>
             </a:fld>
             <a:endParaRPr lang="fr-FR"/>
           </a:p>
@@ -1638,7 +1639,7 @@
           <a:p>
             <a:fld id="{56650B2C-4020-4BB4-9A49-3D085DD79D5D}" type="datetimeFigureOut">
               <a:rPr lang="fr-FR" smtClean="0"/>
-              <a:t>14/02/2025</a:t>
+              <a:t>14/03/2025</a:t>
             </a:fld>
             <a:endParaRPr lang="fr-FR"/>
           </a:p>
@@ -2115,7 +2116,7 @@
           <a:p>
             <a:fld id="{56650B2C-4020-4BB4-9A49-3D085DD79D5D}" type="datetimeFigureOut">
               <a:rPr lang="fr-FR" smtClean="0"/>
-              <a:t>14/02/2025</a:t>
+              <a:t>14/03/2025</a:t>
             </a:fld>
             <a:endParaRPr lang="fr-FR"/>
           </a:p>
@@ -2233,7 +2234,7 @@
           <a:p>
             <a:fld id="{56650B2C-4020-4BB4-9A49-3D085DD79D5D}" type="datetimeFigureOut">
               <a:rPr lang="fr-FR" smtClean="0"/>
-              <a:t>14/02/2025</a:t>
+              <a:t>14/03/2025</a:t>
             </a:fld>
             <a:endParaRPr lang="fr-FR"/>
           </a:p>
@@ -2328,7 +2329,7 @@
           <a:p>
             <a:fld id="{56650B2C-4020-4BB4-9A49-3D085DD79D5D}" type="datetimeFigureOut">
               <a:rPr lang="fr-FR" smtClean="0"/>
-              <a:t>14/02/2025</a:t>
+              <a:t>14/03/2025</a:t>
             </a:fld>
             <a:endParaRPr lang="fr-FR"/>
           </a:p>
@@ -2674,7 +2675,7 @@
           <a:p>
             <a:fld id="{56650B2C-4020-4BB4-9A49-3D085DD79D5D}" type="datetimeFigureOut">
               <a:rPr lang="fr-FR" smtClean="0"/>
-              <a:t>14/02/2025</a:t>
+              <a:t>14/03/2025</a:t>
             </a:fld>
             <a:endParaRPr lang="fr-FR"/>
           </a:p>
@@ -3062,7 +3063,7 @@
           <a:p>
             <a:fld id="{56650B2C-4020-4BB4-9A49-3D085DD79D5D}" type="datetimeFigureOut">
               <a:rPr lang="fr-FR" smtClean="0"/>
-              <a:t>14/02/2025</a:t>
+              <a:t>14/03/2025</a:t>
             </a:fld>
             <a:endParaRPr lang="fr-FR"/>
           </a:p>
@@ -3340,7 +3341,7 @@
           <a:p>
             <a:fld id="{56650B2C-4020-4BB4-9A49-3D085DD79D5D}" type="datetimeFigureOut">
               <a:rPr lang="fr-FR" smtClean="0"/>
-              <a:t>14/02/2025</a:t>
+              <a:t>14/03/2025</a:t>
             </a:fld>
             <a:endParaRPr lang="fr-FR"/>
           </a:p>
@@ -4026,6 +4027,20 @@
             <a:endParaRPr lang="fr-FR" dirty="0"/>
           </a:p>
           <a:p>
+            <a:r>
+              <a:rPr lang="fr-FR" i="1" dirty="0"/>
+              <a:t>L’</a:t>
+            </a:r>
+            <a:r>
+              <a:rPr lang="fr-FR" i="1" dirty="0" err="1"/>
+              <a:t>Algorigramme</a:t>
+            </a:r>
+            <a:r>
+              <a:rPr lang="fr-FR" i="1" dirty="0"/>
+              <a:t> des Systèmes</a:t>
+            </a:r>
+          </a:p>
+          <a:p>
             <a:endParaRPr lang="fr-FR" dirty="0"/>
           </a:p>
           <a:p>
@@ -4050,29 +4065,6 @@
             <a:r>
               <a:rPr lang="fr-FR" i="1" dirty="0" smtClean="0"/>
               <a:t>Matérielle</a:t>
-            </a:r>
-            <a:endParaRPr lang="fr-FR" i="1" dirty="0"/>
-          </a:p>
-          <a:p>
-            <a:r>
-              <a:rPr lang="fr-FR" i="1" dirty="0" smtClean="0"/>
-              <a:t>L’</a:t>
-            </a:r>
-            <a:r>
-              <a:rPr lang="fr-FR" i="1" dirty="0" err="1" smtClean="0"/>
-              <a:t>Algorigramme</a:t>
-            </a:r>
-            <a:r>
-              <a:rPr lang="fr-FR" i="1" dirty="0" smtClean="0"/>
-              <a:t> </a:t>
-            </a:r>
-            <a:r>
-              <a:rPr lang="fr-FR" i="1" dirty="0"/>
-              <a:t>des </a:t>
-            </a:r>
-            <a:r>
-              <a:rPr lang="fr-FR" i="1" dirty="0" smtClean="0"/>
-              <a:t>Systèmes</a:t>
             </a:r>
             <a:endParaRPr lang="fr-FR" i="1" dirty="0"/>
           </a:p>
@@ -4721,6 +4713,113 @@
 </file>
 
 <file path=ppt/slides/slide7.xml><?xml version="1.0" encoding="utf-8"?>
+<p:sld xmlns:a="http://schemas.openxmlformats.org/drawingml/2006/main" xmlns:r="http://schemas.openxmlformats.org/officeDocument/2006/relationships" xmlns:p="http://schemas.openxmlformats.org/presentationml/2006/main">
+  <p:cSld>
+    <p:spTree>
+      <p:nvGrpSpPr>
+        <p:cNvPr id="1" name=""/>
+        <p:cNvGrpSpPr/>
+        <p:nvPr/>
+      </p:nvGrpSpPr>
+      <p:grpSpPr>
+        <a:xfrm>
+          <a:off x="0" y="0"/>
+          <a:ext cx="0" cy="0"/>
+          <a:chOff x="0" y="0"/>
+          <a:chExt cx="0" cy="0"/>
+        </a:xfrm>
+      </p:grpSpPr>
+      <p:sp>
+        <p:nvSpPr>
+          <p:cNvPr id="2" name="Titre 1"/>
+          <p:cNvSpPr>
+            <a:spLocks noGrp="1"/>
+          </p:cNvSpPr>
+          <p:nvPr>
+            <p:ph type="title"/>
+          </p:nvPr>
+        </p:nvSpPr>
+        <p:spPr>
+          <a:xfrm>
+            <a:off x="1371599" y="372291"/>
+            <a:ext cx="9601200" cy="672738"/>
+          </a:xfrm>
+        </p:spPr>
+        <p:txBody>
+          <a:bodyPr>
+            <a:normAutofit fontScale="90000"/>
+          </a:bodyPr>
+          <a:lstStyle/>
+          <a:p>
+            <a:r>
+              <a:rPr lang="fr-FR" i="1" dirty="0"/>
+              <a:t>L’</a:t>
+            </a:r>
+            <a:r>
+              <a:rPr lang="fr-FR" i="1" dirty="0" err="1"/>
+              <a:t>Algorigramme</a:t>
+            </a:r>
+            <a:r>
+              <a:rPr lang="fr-FR" i="1" dirty="0"/>
+              <a:t> des Systèmes</a:t>
+            </a:r>
+            <a:br>
+              <a:rPr lang="fr-FR" i="1" dirty="0"/>
+            </a:br>
+            <a:r>
+              <a:rPr lang="fr-FR" dirty="0"/>
+              <a:t/>
+            </a:r>
+            <a:br>
+              <a:rPr lang="fr-FR" dirty="0"/>
+            </a:br>
+            <a:endParaRPr lang="fr-FR" dirty="0"/>
+          </a:p>
+        </p:txBody>
+      </p:sp>
+      <p:pic>
+        <p:nvPicPr>
+          <p:cNvPr id="7" name="Image 6"/>
+          <p:cNvPicPr>
+            <a:picLocks noChangeAspect="1"/>
+          </p:cNvPicPr>
+          <p:nvPr/>
+        </p:nvPicPr>
+        <p:blipFill rotWithShape="1">
+          <a:blip r:embed="rId2">
+            <a:extLst>
+              <a:ext uri="{28A0092B-C50C-407E-A947-70E740481C1C}">
+                <a14:useLocalDpi xmlns:a14="http://schemas.microsoft.com/office/drawing/2010/main" val="0"/>
+              </a:ext>
+            </a:extLst>
+          </a:blip>
+          <a:srcRect l="24453" r="24061"/>
+          <a:stretch/>
+        </p:blipFill>
+        <p:spPr>
+          <a:xfrm>
+            <a:off x="1562099" y="708660"/>
+            <a:ext cx="4492272" cy="6172588"/>
+          </a:xfrm>
+          <a:prstGeom prst="rect">
+            <a:avLst/>
+          </a:prstGeom>
+        </p:spPr>
+      </p:pic>
+    </p:spTree>
+    <p:extLst>
+      <p:ext uri="{BB962C8B-B14F-4D97-AF65-F5344CB8AC3E}">
+        <p14:creationId xmlns:p14="http://schemas.microsoft.com/office/powerpoint/2010/main" val="1304986771"/>
+      </p:ext>
+    </p:extLst>
+  </p:cSld>
+  <p:clrMapOvr>
+    <a:masterClrMapping/>
+  </p:clrMapOvr>
+</p:sld>
+</file>
+
+<file path=ppt/slides/slide8.xml><?xml version="1.0" encoding="utf-8"?>
 <p:sld xmlns:a="http://schemas.openxmlformats.org/drawingml/2006/main" xmlns:r="http://schemas.openxmlformats.org/officeDocument/2006/relationships" xmlns:p="http://schemas.openxmlformats.org/presentationml/2006/main">
   <p:cSld>
     <p:spTree>

--- a/Notes/Presentation-Borui.pptx
+++ b/Notes/Presentation-Borui.pptx
@@ -8,11 +8,12 @@
     <p:sldId id="256" r:id="rId2"/>
     <p:sldId id="257" r:id="rId3"/>
     <p:sldId id="258" r:id="rId4"/>
-    <p:sldId id="259" r:id="rId5"/>
-    <p:sldId id="260" r:id="rId6"/>
-    <p:sldId id="261" r:id="rId7"/>
-    <p:sldId id="263" r:id="rId8"/>
-    <p:sldId id="262" r:id="rId9"/>
+    <p:sldId id="264" r:id="rId5"/>
+    <p:sldId id="259" r:id="rId6"/>
+    <p:sldId id="260" r:id="rId7"/>
+    <p:sldId id="261" r:id="rId8"/>
+    <p:sldId id="263" r:id="rId9"/>
+    <p:sldId id="262" r:id="rId10"/>
   </p:sldIdLst>
   <p:sldSz cx="12192000" cy="6858000"/>
   <p:notesSz cx="6858000" cy="9144000"/>
@@ -288,7 +289,7 @@
           <a:p>
             <a:fld id="{56650B2C-4020-4BB4-9A49-3D085DD79D5D}" type="datetimeFigureOut">
               <a:rPr lang="fr-FR" smtClean="0"/>
-              <a:t>14/03/2025</a:t>
+              <a:t>28/03/2025</a:t>
             </a:fld>
             <a:endParaRPr lang="fr-FR"/>
           </a:p>
@@ -618,7 +619,7 @@
           <a:p>
             <a:fld id="{56650B2C-4020-4BB4-9A49-3D085DD79D5D}" type="datetimeFigureOut">
               <a:rPr lang="fr-FR" smtClean="0"/>
-              <a:t>14/03/2025</a:t>
+              <a:t>28/03/2025</a:t>
             </a:fld>
             <a:endParaRPr lang="fr-FR"/>
           </a:p>
@@ -798,7 +799,7 @@
           <a:p>
             <a:fld id="{56650B2C-4020-4BB4-9A49-3D085DD79D5D}" type="datetimeFigureOut">
               <a:rPr lang="fr-FR" smtClean="0"/>
-              <a:t>14/03/2025</a:t>
+              <a:t>28/03/2025</a:t>
             </a:fld>
             <a:endParaRPr lang="fr-FR"/>
           </a:p>
@@ -968,7 +969,7 @@
           <a:p>
             <a:fld id="{56650B2C-4020-4BB4-9A49-3D085DD79D5D}" type="datetimeFigureOut">
               <a:rPr lang="fr-FR" smtClean="0"/>
-              <a:t>14/03/2025</a:t>
+              <a:t>28/03/2025</a:t>
             </a:fld>
             <a:endParaRPr lang="fr-FR"/>
           </a:p>
@@ -1245,7 +1246,7 @@
           <a:p>
             <a:fld id="{56650B2C-4020-4BB4-9A49-3D085DD79D5D}" type="datetimeFigureOut">
               <a:rPr lang="fr-FR" smtClean="0"/>
-              <a:t>14/03/2025</a:t>
+              <a:t>28/03/2025</a:t>
             </a:fld>
             <a:endParaRPr lang="fr-FR"/>
           </a:p>
@@ -1639,7 +1640,7 @@
           <a:p>
             <a:fld id="{56650B2C-4020-4BB4-9A49-3D085DD79D5D}" type="datetimeFigureOut">
               <a:rPr lang="fr-FR" smtClean="0"/>
-              <a:t>14/03/2025</a:t>
+              <a:t>28/03/2025</a:t>
             </a:fld>
             <a:endParaRPr lang="fr-FR"/>
           </a:p>
@@ -2116,7 +2117,7 @@
           <a:p>
             <a:fld id="{56650B2C-4020-4BB4-9A49-3D085DD79D5D}" type="datetimeFigureOut">
               <a:rPr lang="fr-FR" smtClean="0"/>
-              <a:t>14/03/2025</a:t>
+              <a:t>28/03/2025</a:t>
             </a:fld>
             <a:endParaRPr lang="fr-FR"/>
           </a:p>
@@ -2234,7 +2235,7 @@
           <a:p>
             <a:fld id="{56650B2C-4020-4BB4-9A49-3D085DD79D5D}" type="datetimeFigureOut">
               <a:rPr lang="fr-FR" smtClean="0"/>
-              <a:t>14/03/2025</a:t>
+              <a:t>28/03/2025</a:t>
             </a:fld>
             <a:endParaRPr lang="fr-FR"/>
           </a:p>
@@ -2329,7 +2330,7 @@
           <a:p>
             <a:fld id="{56650B2C-4020-4BB4-9A49-3D085DD79D5D}" type="datetimeFigureOut">
               <a:rPr lang="fr-FR" smtClean="0"/>
-              <a:t>14/03/2025</a:t>
+              <a:t>28/03/2025</a:t>
             </a:fld>
             <a:endParaRPr lang="fr-FR"/>
           </a:p>
@@ -2675,7 +2676,7 @@
           <a:p>
             <a:fld id="{56650B2C-4020-4BB4-9A49-3D085DD79D5D}" type="datetimeFigureOut">
               <a:rPr lang="fr-FR" smtClean="0"/>
-              <a:t>14/03/2025</a:t>
+              <a:t>28/03/2025</a:t>
             </a:fld>
             <a:endParaRPr lang="fr-FR"/>
           </a:p>
@@ -3063,7 +3064,7 @@
           <a:p>
             <a:fld id="{56650B2C-4020-4BB4-9A49-3D085DD79D5D}" type="datetimeFigureOut">
               <a:rPr lang="fr-FR" smtClean="0"/>
-              <a:t>14/03/2025</a:t>
+              <a:t>28/03/2025</a:t>
             </a:fld>
             <a:endParaRPr lang="fr-FR"/>
           </a:p>
@@ -3341,7 +3342,7 @@
           <a:p>
             <a:fld id="{56650B2C-4020-4BB4-9A49-3D085DD79D5D}" type="datetimeFigureOut">
               <a:rPr lang="fr-FR" smtClean="0"/>
-              <a:t>14/03/2025</a:t>
+              <a:t>28/03/2025</a:t>
             </a:fld>
             <a:endParaRPr lang="fr-FR"/>
           </a:p>
@@ -4372,83 +4373,59 @@
           <a:lstStyle/>
           <a:p>
             <a:r>
+              <a:rPr lang="fr-FR" dirty="0" smtClean="0"/>
+              <a:t>Les </a:t>
+            </a:r>
+            <a:r>
               <a:rPr lang="fr-FR" dirty="0"/>
-              <a:t>Triptyque du </a:t>
-            </a:r>
-            <a:r>
-              <a:rPr lang="fr-FR" dirty="0" err="1"/>
-              <a:t>Dév</a:t>
-            </a:r>
-            <a:r>
-              <a:rPr lang="fr-FR" dirty="0"/>
-              <a:t>-durable</a:t>
-            </a:r>
-            <a:br>
-              <a:rPr lang="fr-FR" dirty="0"/>
-            </a:br>
+              <a:t>D</a:t>
+            </a:r>
+            <a:r>
+              <a:rPr lang="fr-FR" dirty="0" smtClean="0"/>
+              <a:t>ifférentes Diagrammes du </a:t>
+            </a:r>
+            <a:r>
+              <a:rPr lang="fr-FR" dirty="0" err="1" smtClean="0"/>
+              <a:t>SysML</a:t>
+            </a:r>
             <a:endParaRPr lang="fr-FR" dirty="0"/>
           </a:p>
         </p:txBody>
       </p:sp>
-      <p:pic>
-        <p:nvPicPr>
-          <p:cNvPr id="5" name="Espace réservé du contenu 4"/>
-          <p:cNvPicPr>
-            <a:picLocks noGrp="1" noChangeAspect="1"/>
-          </p:cNvPicPr>
-          <p:nvPr>
-            <p:ph idx="1"/>
-          </p:nvPr>
-        </p:nvPicPr>
-        <p:blipFill>
-          <a:blip r:embed="rId2" cstate="print">
-            <a:extLst>
-              <a:ext uri="{28A0092B-C50C-407E-A947-70E740481C1C}">
-                <a14:useLocalDpi xmlns:a14="http://schemas.microsoft.com/office/drawing/2010/main" val="0"/>
-              </a:ext>
-            </a:extLst>
-          </a:blip>
-          <a:stretch>
-            <a:fillRect/>
-          </a:stretch>
-        </p:blipFill>
-        <p:spPr>
-          <a:xfrm>
-            <a:off x="8097033" y="2603093"/>
-            <a:ext cx="2558673" cy="2438736"/>
-          </a:xfrm>
-        </p:spPr>
-      </p:pic>
-      <p:pic>
-        <p:nvPicPr>
-          <p:cNvPr id="4" name="Image 3"/>
-          <p:cNvPicPr>
-            <a:picLocks noChangeAspect="1"/>
-          </p:cNvPicPr>
+      <p:sp>
+        <p:nvSpPr>
+          <p:cNvPr id="6" name="ZoneTexte 5"/>
+          <p:cNvSpPr txBox="1"/>
           <p:nvPr/>
-        </p:nvPicPr>
-        <p:blipFill>
-          <a:blip r:embed="rId3">
-            <a:extLst>
-              <a:ext uri="{28A0092B-C50C-407E-A947-70E740481C1C}">
-                <a14:useLocalDpi xmlns:a14="http://schemas.microsoft.com/office/drawing/2010/main" val="0"/>
-              </a:ext>
-            </a:extLst>
-          </a:blip>
-          <a:stretch>
-            <a:fillRect/>
-          </a:stretch>
-        </p:blipFill>
-        <p:spPr>
-          <a:xfrm>
-            <a:off x="1481845" y="986565"/>
-            <a:ext cx="7784280" cy="6015126"/>
+        </p:nvSpPr>
+        <p:spPr>
+          <a:xfrm>
+            <a:off x="1767840" y="1532709"/>
+            <a:ext cx="2995749" cy="369332"/>
           </a:xfrm>
           <a:prstGeom prst="rect">
             <a:avLst/>
           </a:prstGeom>
-        </p:spPr>
-      </p:pic>
+          <a:noFill/>
+        </p:spPr>
+        <p:txBody>
+          <a:bodyPr wrap="square" rtlCol="0">
+            <a:spAutoFit/>
+          </a:bodyPr>
+          <a:lstStyle/>
+          <a:p>
+            <a:r>
+              <a:rPr lang="fr-FR" dirty="0" smtClean="0"/>
+              <a:t>Diagramme </a:t>
+            </a:r>
+            <a:r>
+              <a:rPr lang="fr-FR" dirty="0" smtClean="0"/>
+              <a:t>de séquence</a:t>
+            </a:r>
+            <a:endParaRPr lang="fr-FR" dirty="0"/>
+          </a:p>
+        </p:txBody>
+      </p:sp>
       <p:pic>
         <p:nvPicPr>
           <p:cNvPr id="3" name="Image 2"/>
@@ -4458,14 +4435,14 @@
           <p:nvPr/>
         </p:nvPicPr>
         <p:blipFill>
-          <a:blip r:embed="rId4"/>
+          <a:blip r:embed="rId2"/>
           <a:stretch>
             <a:fillRect/>
           </a:stretch>
         </p:blipFill>
         <p:spPr>
           <a:xfrm>
-            <a:off x="7460420" y="986565"/>
+            <a:off x="5352946" y="3124157"/>
             <a:ext cx="1486107" cy="609685"/>
           </a:xfrm>
           <a:prstGeom prst="rect">
@@ -4475,21 +4452,21 @@
       </p:pic>
       <p:pic>
         <p:nvPicPr>
-          <p:cNvPr id="6" name="Image 5"/>
+          <p:cNvPr id="5" name="Image 4"/>
           <p:cNvPicPr>
             <a:picLocks noChangeAspect="1"/>
           </p:cNvPicPr>
           <p:nvPr/>
         </p:nvPicPr>
         <p:blipFill>
-          <a:blip r:embed="rId4"/>
+          <a:blip r:embed="rId2"/>
           <a:stretch>
             <a:fillRect/>
           </a:stretch>
         </p:blipFill>
         <p:spPr>
           <a:xfrm>
-            <a:off x="8633315" y="986565"/>
+            <a:off x="5352945" y="1428750"/>
             <a:ext cx="1486107" cy="609685"/>
           </a:xfrm>
           <a:prstGeom prst="rect">
@@ -4506,25 +4483,53 @@
           <p:nvPr/>
         </p:nvPicPr>
         <p:blipFill>
-          <a:blip r:embed="rId4"/>
+          <a:blip r:embed="rId2"/>
           <a:stretch>
             <a:fillRect/>
           </a:stretch>
         </p:blipFill>
         <p:spPr>
           <a:xfrm>
-            <a:off x="7620219" y="1274290"/>
+            <a:off x="10705893" y="1471760"/>
             <a:ext cx="1486107" cy="609685"/>
           </a:xfrm>
           <a:prstGeom prst="rect">
             <a:avLst/>
           </a:prstGeom>
+        </p:spPr>
+      </p:pic>
+      <p:pic>
+        <p:nvPicPr>
+          <p:cNvPr id="9" name="Espace réservé du contenu 8"/>
+          <p:cNvPicPr>
+            <a:picLocks noGrp="1" noChangeAspect="1"/>
+          </p:cNvPicPr>
+          <p:nvPr>
+            <p:ph idx="1"/>
+          </p:nvPr>
+        </p:nvPicPr>
+        <p:blipFill rotWithShape="1">
+          <a:blip r:embed="rId3">
+            <a:extLst>
+              <a:ext uri="{28A0092B-C50C-407E-A947-70E740481C1C}">
+                <a14:useLocalDpi xmlns:a14="http://schemas.microsoft.com/office/drawing/2010/main" val="0"/>
+              </a:ext>
+            </a:extLst>
+          </a:blip>
+          <a:srcRect r="41921" b="20334"/>
+          <a:stretch/>
+        </p:blipFill>
+        <p:spPr>
+          <a:xfrm>
+            <a:off x="4763589" y="1271995"/>
+            <a:ext cx="5038785" cy="5340731"/>
+          </a:xfrm>
         </p:spPr>
       </p:pic>
     </p:spTree>
     <p:extLst>
       <p:ext uri="{BB962C8B-B14F-4D97-AF65-F5344CB8AC3E}">
-        <p14:creationId xmlns:p14="http://schemas.microsoft.com/office/powerpoint/2010/main" val="2614532464"/>
+        <p14:creationId xmlns:p14="http://schemas.microsoft.com/office/powerpoint/2010/main" val="3072028174"/>
       </p:ext>
     </p:extLst>
   </p:cSld>
@@ -4568,7 +4573,15 @@
           <a:p>
             <a:r>
               <a:rPr lang="fr-FR" dirty="0"/>
-              <a:t>Chaine d’Energie et d’Information</a:t>
+              <a:t>Triptyque du </a:t>
+            </a:r>
+            <a:r>
+              <a:rPr lang="fr-FR" dirty="0" err="1"/>
+              <a:t>Dév</a:t>
+            </a:r>
+            <a:r>
+              <a:rPr lang="fr-FR" dirty="0"/>
+              <a:t>-durable</a:t>
             </a:r>
             <a:br>
               <a:rPr lang="fr-FR" dirty="0"/>
@@ -4577,6 +4590,35 @@
           </a:p>
         </p:txBody>
       </p:sp>
+      <p:pic>
+        <p:nvPicPr>
+          <p:cNvPr id="5" name="Espace réservé du contenu 4"/>
+          <p:cNvPicPr>
+            <a:picLocks noGrp="1" noChangeAspect="1"/>
+          </p:cNvPicPr>
+          <p:nvPr>
+            <p:ph idx="1"/>
+          </p:nvPr>
+        </p:nvPicPr>
+        <p:blipFill>
+          <a:blip r:embed="rId2" cstate="print">
+            <a:extLst>
+              <a:ext uri="{28A0092B-C50C-407E-A947-70E740481C1C}">
+                <a14:useLocalDpi xmlns:a14="http://schemas.microsoft.com/office/drawing/2010/main" val="0"/>
+              </a:ext>
+            </a:extLst>
+          </a:blip>
+          <a:stretch>
+            <a:fillRect/>
+          </a:stretch>
+        </p:blipFill>
+        <p:spPr>
+          <a:xfrm>
+            <a:off x="8097033" y="2603093"/>
+            <a:ext cx="2558673" cy="2438736"/>
+          </a:xfrm>
+        </p:spPr>
+      </p:pic>
       <p:pic>
         <p:nvPicPr>
           <p:cNvPr id="4" name="Image 3"/>
@@ -4585,21 +4627,94 @@
           </p:cNvPicPr>
           <p:nvPr/>
         </p:nvPicPr>
-        <p:blipFill rotWithShape="1">
-          <a:blip r:embed="rId2">
+        <p:blipFill>
+          <a:blip r:embed="rId3">
             <a:extLst>
               <a:ext uri="{28A0092B-C50C-407E-A947-70E740481C1C}">
                 <a14:useLocalDpi xmlns:a14="http://schemas.microsoft.com/office/drawing/2010/main" val="0"/>
               </a:ext>
             </a:extLst>
           </a:blip>
-          <a:srcRect l="196" t="14127" r="-196" b="32381"/>
-          <a:stretch/>
+          <a:stretch>
+            <a:fillRect/>
+          </a:stretch>
         </p:blipFill>
         <p:spPr>
           <a:xfrm>
-            <a:off x="0" y="1428750"/>
-            <a:ext cx="11434862" cy="4726574"/>
+            <a:off x="1481845" y="986565"/>
+            <a:ext cx="7784280" cy="6015126"/>
+          </a:xfrm>
+          <a:prstGeom prst="rect">
+            <a:avLst/>
+          </a:prstGeom>
+        </p:spPr>
+      </p:pic>
+      <p:pic>
+        <p:nvPicPr>
+          <p:cNvPr id="3" name="Image 2"/>
+          <p:cNvPicPr>
+            <a:picLocks noChangeAspect="1"/>
+          </p:cNvPicPr>
+          <p:nvPr/>
+        </p:nvPicPr>
+        <p:blipFill>
+          <a:blip r:embed="rId4"/>
+          <a:stretch>
+            <a:fillRect/>
+          </a:stretch>
+        </p:blipFill>
+        <p:spPr>
+          <a:xfrm>
+            <a:off x="7460420" y="986565"/>
+            <a:ext cx="1486107" cy="609685"/>
+          </a:xfrm>
+          <a:prstGeom prst="rect">
+            <a:avLst/>
+          </a:prstGeom>
+        </p:spPr>
+      </p:pic>
+      <p:pic>
+        <p:nvPicPr>
+          <p:cNvPr id="6" name="Image 5"/>
+          <p:cNvPicPr>
+            <a:picLocks noChangeAspect="1"/>
+          </p:cNvPicPr>
+          <p:nvPr/>
+        </p:nvPicPr>
+        <p:blipFill>
+          <a:blip r:embed="rId4"/>
+          <a:stretch>
+            <a:fillRect/>
+          </a:stretch>
+        </p:blipFill>
+        <p:spPr>
+          <a:xfrm>
+            <a:off x="8633315" y="986565"/>
+            <a:ext cx="1486107" cy="609685"/>
+          </a:xfrm>
+          <a:prstGeom prst="rect">
+            <a:avLst/>
+          </a:prstGeom>
+        </p:spPr>
+      </p:pic>
+      <p:pic>
+        <p:nvPicPr>
+          <p:cNvPr id="7" name="Image 6"/>
+          <p:cNvPicPr>
+            <a:picLocks noChangeAspect="1"/>
+          </p:cNvPicPr>
+          <p:nvPr/>
+        </p:nvPicPr>
+        <p:blipFill>
+          <a:blip r:embed="rId4"/>
+          <a:stretch>
+            <a:fillRect/>
+          </a:stretch>
+        </p:blipFill>
+        <p:spPr>
+          <a:xfrm>
+            <a:off x="7620219" y="1274290"/>
+            <a:ext cx="1486107" cy="609685"/>
           </a:xfrm>
           <a:prstGeom prst="rect">
             <a:avLst/>
@@ -4609,7 +4724,7 @@
     </p:spTree>
     <p:extLst>
       <p:ext uri="{BB962C8B-B14F-4D97-AF65-F5344CB8AC3E}">
-        <p14:creationId xmlns:p14="http://schemas.microsoft.com/office/powerpoint/2010/main" val="2002157118"/>
+        <p14:creationId xmlns:p14="http://schemas.microsoft.com/office/powerpoint/2010/main" val="2614532464"/>
       </p:ext>
     </p:extLst>
   </p:cSld>
@@ -4646,19 +4761,14 @@
             <p:ph type="title"/>
           </p:nvPr>
         </p:nvSpPr>
-        <p:spPr>
-          <a:xfrm>
-            <a:off x="1371599" y="372291"/>
-            <a:ext cx="9601200" cy="1485900"/>
-          </a:xfrm>
-        </p:spPr>
+        <p:spPr/>
         <p:txBody>
           <a:bodyPr/>
           <a:lstStyle/>
           <a:p>
             <a:r>
               <a:rPr lang="fr-FR" dirty="0"/>
-              <a:t>Cahier des Charges</a:t>
+              <a:t>Chaine d’Energie et d’Information</a:t>
             </a:r>
             <a:br>
               <a:rPr lang="fr-FR" dirty="0"/>
@@ -4669,40 +4779,37 @@
       </p:sp>
       <p:pic>
         <p:nvPicPr>
-          <p:cNvPr id="5" name="Image 4"/>
+          <p:cNvPr id="4" name="Image 3"/>
           <p:cNvPicPr>
             <a:picLocks noChangeAspect="1"/>
           </p:cNvPicPr>
           <p:nvPr/>
         </p:nvPicPr>
-        <p:blipFill>
-          <a:blip r:embed="rId2"/>
-          <a:stretch>
-            <a:fillRect/>
-          </a:stretch>
+        <p:blipFill rotWithShape="1">
+          <a:blip r:embed="rId2">
+            <a:extLst>
+              <a:ext uri="{28A0092B-C50C-407E-A947-70E740481C1C}">
+                <a14:useLocalDpi xmlns:a14="http://schemas.microsoft.com/office/drawing/2010/main" val="0"/>
+              </a:ext>
+            </a:extLst>
+          </a:blip>
+          <a:srcRect l="196" t="14127" r="-196" b="32381"/>
+          <a:stretch/>
         </p:blipFill>
         <p:spPr>
           <a:xfrm>
-            <a:off x="1371599" y="1115241"/>
-            <a:ext cx="8045235" cy="5430533"/>
+            <a:off x="0" y="1428750"/>
+            <a:ext cx="11434862" cy="4726574"/>
           </a:xfrm>
           <a:prstGeom prst="rect">
             <a:avLst/>
           </a:prstGeom>
-          <a:effectLst>
-            <a:glow rad="12700">
-              <a:srgbClr val="FFFF00">
-                <a:alpha val="20000"/>
-              </a:srgbClr>
-            </a:glow>
-            <a:softEdge rad="25400"/>
-          </a:effectLst>
         </p:spPr>
       </p:pic>
     </p:spTree>
     <p:extLst>
       <p:ext uri="{BB962C8B-B14F-4D97-AF65-F5344CB8AC3E}">
-        <p14:creationId xmlns:p14="http://schemas.microsoft.com/office/powerpoint/2010/main" val="993311901"/>
+        <p14:creationId xmlns:p14="http://schemas.microsoft.com/office/powerpoint/2010/main" val="2002157118"/>
       </p:ext>
     </p:extLst>
   </p:cSld>
@@ -4742,6 +4849,99 @@
         <p:spPr>
           <a:xfrm>
             <a:off x="1371599" y="372291"/>
+            <a:ext cx="9601200" cy="1485900"/>
+          </a:xfrm>
+        </p:spPr>
+        <p:txBody>
+          <a:bodyPr/>
+          <a:lstStyle/>
+          <a:p>
+            <a:r>
+              <a:rPr lang="fr-FR" dirty="0"/>
+              <a:t>Cahier des Charges</a:t>
+            </a:r>
+            <a:br>
+              <a:rPr lang="fr-FR" dirty="0"/>
+            </a:br>
+            <a:endParaRPr lang="fr-FR" dirty="0"/>
+          </a:p>
+        </p:txBody>
+      </p:sp>
+      <p:pic>
+        <p:nvPicPr>
+          <p:cNvPr id="5" name="Image 4"/>
+          <p:cNvPicPr>
+            <a:picLocks noChangeAspect="1"/>
+          </p:cNvPicPr>
+          <p:nvPr/>
+        </p:nvPicPr>
+        <p:blipFill>
+          <a:blip r:embed="rId2"/>
+          <a:stretch>
+            <a:fillRect/>
+          </a:stretch>
+        </p:blipFill>
+        <p:spPr>
+          <a:xfrm>
+            <a:off x="1371599" y="1115241"/>
+            <a:ext cx="8045235" cy="5430533"/>
+          </a:xfrm>
+          <a:prstGeom prst="rect">
+            <a:avLst/>
+          </a:prstGeom>
+          <a:effectLst>
+            <a:glow rad="12700">
+              <a:srgbClr val="FFFF00">
+                <a:alpha val="20000"/>
+              </a:srgbClr>
+            </a:glow>
+            <a:softEdge rad="25400"/>
+          </a:effectLst>
+        </p:spPr>
+      </p:pic>
+    </p:spTree>
+    <p:extLst>
+      <p:ext uri="{BB962C8B-B14F-4D97-AF65-F5344CB8AC3E}">
+        <p14:creationId xmlns:p14="http://schemas.microsoft.com/office/powerpoint/2010/main" val="993311901"/>
+      </p:ext>
+    </p:extLst>
+  </p:cSld>
+  <p:clrMapOvr>
+    <a:masterClrMapping/>
+  </p:clrMapOvr>
+</p:sld>
+</file>
+
+<file path=ppt/slides/slide8.xml><?xml version="1.0" encoding="utf-8"?>
+<p:sld xmlns:a="http://schemas.openxmlformats.org/drawingml/2006/main" xmlns:r="http://schemas.openxmlformats.org/officeDocument/2006/relationships" xmlns:p="http://schemas.openxmlformats.org/presentationml/2006/main">
+  <p:cSld>
+    <p:spTree>
+      <p:nvGrpSpPr>
+        <p:cNvPr id="1" name=""/>
+        <p:cNvGrpSpPr/>
+        <p:nvPr/>
+      </p:nvGrpSpPr>
+      <p:grpSpPr>
+        <a:xfrm>
+          <a:off x="0" y="0"/>
+          <a:ext cx="0" cy="0"/>
+          <a:chOff x="0" y="0"/>
+          <a:chExt cx="0" cy="0"/>
+        </a:xfrm>
+      </p:grpSpPr>
+      <p:sp>
+        <p:nvSpPr>
+          <p:cNvPr id="2" name="Titre 1"/>
+          <p:cNvSpPr>
+            <a:spLocks noGrp="1"/>
+          </p:cNvSpPr>
+          <p:nvPr>
+            <p:ph type="title"/>
+          </p:nvPr>
+        </p:nvSpPr>
+        <p:spPr>
+          <a:xfrm>
+            <a:off x="1371599" y="372291"/>
             <a:ext cx="9601200" cy="672738"/>
           </a:xfrm>
         </p:spPr>
@@ -4819,7 +5019,7 @@
 </p:sld>
 </file>
 
-<file path=ppt/slides/slide8.xml><?xml version="1.0" encoding="utf-8"?>
+<file path=ppt/slides/slide9.xml><?xml version="1.0" encoding="utf-8"?>
 <p:sld xmlns:a="http://schemas.openxmlformats.org/drawingml/2006/main" xmlns:r="http://schemas.openxmlformats.org/officeDocument/2006/relationships" xmlns:p="http://schemas.openxmlformats.org/presentationml/2006/main">
   <p:cSld>
     <p:spTree>

--- a/Notes/Presentation-Borui.pptx
+++ b/Notes/Presentation-Borui.pptx
@@ -4400,7 +4400,7 @@
         </p:nvSpPr>
         <p:spPr>
           <a:xfrm>
-            <a:off x="1767840" y="1532709"/>
+            <a:off x="1767840" y="1591936"/>
             <a:ext cx="2995749" cy="369332"/>
           </a:xfrm>
           <a:prstGeom prst="rect">
@@ -4416,11 +4416,11 @@
           <a:p>
             <a:r>
               <a:rPr lang="fr-FR" dirty="0" smtClean="0"/>
-              <a:t>Diagramme </a:t>
+              <a:t>Diagramme de </a:t>
             </a:r>
             <a:r>
               <a:rPr lang="fr-FR" dirty="0" smtClean="0"/>
-              <a:t>de séquence</a:t>
+              <a:t>séquence &gt;&gt;</a:t>
             </a:r>
             <a:endParaRPr lang="fr-FR" dirty="0"/>
           </a:p>

--- a/Notes/Presentation-Borui.pptx
+++ b/Notes/Presentation-Borui.pptx
@@ -12,8 +12,9 @@
     <p:sldId id="259" r:id="rId6"/>
     <p:sldId id="260" r:id="rId7"/>
     <p:sldId id="261" r:id="rId8"/>
-    <p:sldId id="263" r:id="rId9"/>
-    <p:sldId id="262" r:id="rId10"/>
+    <p:sldId id="265" r:id="rId9"/>
+    <p:sldId id="263" r:id="rId10"/>
+    <p:sldId id="262" r:id="rId11"/>
   </p:sldIdLst>
   <p:sldSz cx="12192000" cy="6858000"/>
   <p:notesSz cx="6858000" cy="9144000"/>
@@ -3917,6 +3918,63 @@
 </p:sld>
 </file>
 
+<file path=ppt/slides/slide10.xml><?xml version="1.0" encoding="utf-8"?>
+<p:sld xmlns:a="http://schemas.openxmlformats.org/drawingml/2006/main" xmlns:r="http://schemas.openxmlformats.org/officeDocument/2006/relationships" xmlns:p="http://schemas.openxmlformats.org/presentationml/2006/main">
+  <p:cSld>
+    <p:spTree>
+      <p:nvGrpSpPr>
+        <p:cNvPr id="1" name=""/>
+        <p:cNvGrpSpPr/>
+        <p:nvPr/>
+      </p:nvGrpSpPr>
+      <p:grpSpPr>
+        <a:xfrm>
+          <a:off x="0" y="0"/>
+          <a:ext cx="0" cy="0"/>
+          <a:chOff x="0" y="0"/>
+          <a:chExt cx="0" cy="0"/>
+        </a:xfrm>
+      </p:grpSpPr>
+      <p:sp>
+        <p:nvSpPr>
+          <p:cNvPr id="2" name="Titre 1"/>
+          <p:cNvSpPr>
+            <a:spLocks noGrp="1"/>
+          </p:cNvSpPr>
+          <p:nvPr>
+            <p:ph type="title"/>
+          </p:nvPr>
+        </p:nvSpPr>
+        <p:spPr/>
+        <p:txBody>
+          <a:bodyPr/>
+          <a:lstStyle/>
+          <a:p>
+            <a:r>
+              <a:rPr lang="fr-FR" dirty="0" smtClean="0"/>
+              <a:t>FIN </a:t>
+            </a:r>
+            <a:r>
+              <a:rPr lang="fr-FR" smtClean="0"/>
+              <a:t>- Temporaire</a:t>
+            </a:r>
+            <a:endParaRPr lang="fr-FR" dirty="0"/>
+          </a:p>
+        </p:txBody>
+      </p:sp>
+    </p:spTree>
+    <p:extLst>
+      <p:ext uri="{BB962C8B-B14F-4D97-AF65-F5344CB8AC3E}">
+        <p14:creationId xmlns:p14="http://schemas.microsoft.com/office/powerpoint/2010/main" val="1566417886"/>
+      </p:ext>
+    </p:extLst>
+  </p:cSld>
+  <p:clrMapOvr>
+    <a:masterClrMapping/>
+  </p:clrMapOvr>
+</p:sld>
+</file>
+
 <file path=ppt/slides/slide2.xml><?xml version="1.0" encoding="utf-8"?>
 <p:sld xmlns:a="http://schemas.openxmlformats.org/drawingml/2006/main" xmlns:r="http://schemas.openxmlformats.org/officeDocument/2006/relationships" xmlns:p="http://schemas.openxmlformats.org/presentationml/2006/main">
   <p:cSld>
@@ -4023,7 +4081,21 @@
           <a:p>
             <a:r>
               <a:rPr lang="fr-FR" dirty="0" smtClean="0"/>
-              <a:t>Cahier des Charges</a:t>
+              <a:t>Cahier des </a:t>
+            </a:r>
+            <a:r>
+              <a:rPr lang="fr-FR" dirty="0" smtClean="0"/>
+              <a:t>Charges</a:t>
+            </a:r>
+          </a:p>
+          <a:p>
+            <a:r>
+              <a:rPr lang="fr-FR" dirty="0"/>
+              <a:t>Choix, Solution, logicielle et </a:t>
+            </a:r>
+            <a:r>
+              <a:rPr lang="fr-FR" dirty="0" smtClean="0"/>
+              <a:t>matérielle</a:t>
             </a:r>
             <a:endParaRPr lang="fr-FR" dirty="0"/>
           </a:p>
@@ -4038,39 +4110,22 @@
             </a:r>
             <a:r>
               <a:rPr lang="fr-FR" i="1" dirty="0"/>
-              <a:t> des Systèmes</a:t>
-            </a:r>
-          </a:p>
-          <a:p>
-            <a:endParaRPr lang="fr-FR" dirty="0"/>
-          </a:p>
-          <a:p>
-            <a:r>
-              <a:rPr lang="fr-FR" i="1" dirty="0"/>
-              <a:t>Future</a:t>
-            </a:r>
-          </a:p>
-          <a:p>
-            <a:r>
-              <a:rPr lang="fr-FR" i="1" dirty="0"/>
-              <a:t>Solution </a:t>
+              <a:t> des </a:t>
             </a:r>
             <a:r>
               <a:rPr lang="fr-FR" i="1" dirty="0" smtClean="0"/>
-              <a:t>Logicielle </a:t>
-            </a:r>
-            <a:r>
-              <a:rPr lang="fr-FR" i="1" dirty="0"/>
-              <a:t>ou </a:t>
-            </a:r>
+              <a:t>Systèmes</a:t>
+            </a:r>
+          </a:p>
+          <a:p>
             <a:r>
               <a:rPr lang="fr-FR" i="1" dirty="0" smtClean="0"/>
-              <a:t>Matérielle</a:t>
+              <a:t>Fin Temporaire</a:t>
             </a:r>
             <a:endParaRPr lang="fr-FR" i="1" dirty="0"/>
           </a:p>
           <a:p>
-            <a:endParaRPr lang="fr-FR" dirty="0"/>
+            <a:endParaRPr lang="fr-FR" dirty="0" smtClean="0"/>
           </a:p>
         </p:txBody>
       </p:sp>
@@ -4104,50 +4159,13 @@
           <a:chExt cx="0" cy="0"/>
         </a:xfrm>
       </p:grpSpPr>
-      <p:sp>
-        <p:nvSpPr>
-          <p:cNvPr id="2" name="Titre 1"/>
-          <p:cNvSpPr>
-            <a:spLocks noGrp="1"/>
-          </p:cNvSpPr>
-          <p:nvPr>
-            <p:ph type="title"/>
-          </p:nvPr>
-        </p:nvSpPr>
-        <p:spPr/>
-        <p:txBody>
-          <a:bodyPr/>
-          <a:lstStyle/>
-          <a:p>
-            <a:r>
-              <a:rPr lang="fr-FR" dirty="0" smtClean="0"/>
-              <a:t>Les </a:t>
-            </a:r>
-            <a:r>
-              <a:rPr lang="fr-FR" dirty="0"/>
-              <a:t>D</a:t>
-            </a:r>
-            <a:r>
-              <a:rPr lang="fr-FR" dirty="0" smtClean="0"/>
-              <a:t>ifférentes Diagrammes du </a:t>
-            </a:r>
-            <a:r>
-              <a:rPr lang="fr-FR" dirty="0" err="1" smtClean="0"/>
-              <a:t>SysML</a:t>
-            </a:r>
-            <a:endParaRPr lang="fr-FR" dirty="0"/>
-          </a:p>
-        </p:txBody>
-      </p:sp>
       <p:pic>
         <p:nvPicPr>
-          <p:cNvPr id="4" name="Espace réservé du contenu 3"/>
+          <p:cNvPr id="11" name="Image 10"/>
           <p:cNvPicPr>
-            <a:picLocks noGrp="1" noChangeAspect="1"/>
+            <a:picLocks noChangeAspect="1"/>
           </p:cNvPicPr>
-          <p:nvPr>
-            <p:ph idx="1"/>
-          </p:nvPr>
+          <p:nvPr/>
         </p:nvPicPr>
         <p:blipFill rotWithShape="1">
           <a:blip r:embed="rId2">
@@ -4157,82 +4175,63 @@
               </a:ext>
             </a:extLst>
           </a:blip>
-          <a:srcRect r="9781"/>
+          <a:srcRect r="18490"/>
           <a:stretch/>
         </p:blipFill>
         <p:spPr>
           <a:xfrm>
-            <a:off x="449772" y="1428750"/>
-            <a:ext cx="5863942" cy="5022472"/>
-          </a:xfrm>
-        </p:spPr>
-      </p:pic>
-      <p:sp>
-        <p:nvSpPr>
-          <p:cNvPr id="6" name="ZoneTexte 5"/>
-          <p:cNvSpPr txBox="1"/>
-          <p:nvPr/>
-        </p:nvSpPr>
-        <p:spPr>
-          <a:xfrm>
-            <a:off x="1767840" y="1532709"/>
-            <a:ext cx="2995749" cy="369332"/>
+            <a:off x="5018699" y="1428750"/>
+            <a:ext cx="5988936" cy="5677593"/>
           </a:xfrm>
           <a:prstGeom prst="rect">
             <a:avLst/>
           </a:prstGeom>
-          <a:noFill/>
-        </p:spPr>
-        <p:txBody>
-          <a:bodyPr wrap="square" rtlCol="0">
-            <a:spAutoFit/>
-          </a:bodyPr>
+        </p:spPr>
+      </p:pic>
+      <p:sp>
+        <p:nvSpPr>
+          <p:cNvPr id="2" name="Titre 1"/>
+          <p:cNvSpPr>
+            <a:spLocks noGrp="1"/>
+          </p:cNvSpPr>
+          <p:nvPr>
+            <p:ph type="title"/>
+          </p:nvPr>
+        </p:nvSpPr>
+        <p:spPr/>
+        <p:txBody>
+          <a:bodyPr/>
           <a:lstStyle/>
           <a:p>
             <a:r>
               <a:rPr lang="fr-FR" dirty="0" smtClean="0"/>
-              <a:t>Diagramme Cas d’Utilisation</a:t>
+              <a:t>Les </a:t>
+            </a:r>
+            <a:r>
+              <a:rPr lang="fr-FR" dirty="0"/>
+              <a:t>D</a:t>
+            </a:r>
+            <a:r>
+              <a:rPr lang="fr-FR" dirty="0" smtClean="0"/>
+              <a:t>ifférentes Diagrammes du </a:t>
+            </a:r>
+            <a:r>
+              <a:rPr lang="fr-FR" dirty="0" err="1" smtClean="0"/>
+              <a:t>SysML</a:t>
             </a:r>
             <a:endParaRPr lang="fr-FR" dirty="0"/>
-          </a:p>
-        </p:txBody>
-      </p:sp>
-      <p:sp>
-        <p:nvSpPr>
-          <p:cNvPr id="10" name="ZoneTexte 9"/>
-          <p:cNvSpPr txBox="1"/>
-          <p:nvPr/>
-        </p:nvSpPr>
-        <p:spPr>
-          <a:xfrm>
-            <a:off x="7950926" y="1532709"/>
-            <a:ext cx="3100251" cy="369332"/>
-          </a:xfrm>
-          <a:prstGeom prst="rect">
-            <a:avLst/>
-          </a:prstGeom>
-          <a:noFill/>
-        </p:spPr>
-        <p:txBody>
-          <a:bodyPr wrap="square" rtlCol="0">
-            <a:spAutoFit/>
-          </a:bodyPr>
-          <a:lstStyle/>
-          <a:p>
-            <a:r>
-              <a:rPr lang="fr-FR" dirty="0" smtClean="0"/>
-              <a:t>Diagramme Blocs</a:t>
-            </a:r>
           </a:p>
         </p:txBody>
       </p:sp>
       <p:pic>
         <p:nvPicPr>
-          <p:cNvPr id="11" name="Image 10"/>
+          <p:cNvPr id="4" name="Espace réservé du contenu 3"/>
           <p:cNvPicPr>
-            <a:picLocks noChangeAspect="1"/>
+            <a:picLocks noGrp="1" noChangeAspect="1"/>
           </p:cNvPicPr>
-          <p:nvPr/>
+          <p:nvPr>
+            <p:ph idx="1"/>
+          </p:nvPr>
         </p:nvPicPr>
         <p:blipFill rotWithShape="1">
           <a:blip r:embed="rId3">
@@ -4242,19 +4241,80 @@
               </a:ext>
             </a:extLst>
           </a:blip>
-          <a:srcRect r="18490"/>
+          <a:srcRect r="9781"/>
           <a:stretch/>
         </p:blipFill>
         <p:spPr>
           <a:xfrm>
-            <a:off x="5018699" y="1428750"/>
-            <a:ext cx="5988936" cy="5677593"/>
+            <a:off x="449772" y="1428750"/>
+            <a:ext cx="5863942" cy="5022472"/>
+          </a:xfrm>
+        </p:spPr>
+      </p:pic>
+      <p:sp>
+        <p:nvSpPr>
+          <p:cNvPr id="6" name="ZoneTexte 5"/>
+          <p:cNvSpPr txBox="1"/>
+          <p:nvPr/>
+        </p:nvSpPr>
+        <p:spPr>
+          <a:xfrm>
+            <a:off x="1767840" y="1532709"/>
+            <a:ext cx="2995749" cy="369332"/>
           </a:xfrm>
           <a:prstGeom prst="rect">
             <a:avLst/>
           </a:prstGeom>
-        </p:spPr>
-      </p:pic>
+          <a:noFill/>
+        </p:spPr>
+        <p:txBody>
+          <a:bodyPr wrap="square" rtlCol="0">
+            <a:spAutoFit/>
+          </a:bodyPr>
+          <a:lstStyle/>
+          <a:p>
+            <a:r>
+              <a:rPr lang="fr-FR" dirty="0" smtClean="0"/>
+              <a:t>Diagramme Cas d’Utilisation</a:t>
+            </a:r>
+            <a:endParaRPr lang="fr-FR" dirty="0"/>
+          </a:p>
+        </p:txBody>
+      </p:sp>
+      <p:sp>
+        <p:nvSpPr>
+          <p:cNvPr id="10" name="ZoneTexte 9"/>
+          <p:cNvSpPr txBox="1"/>
+          <p:nvPr/>
+        </p:nvSpPr>
+        <p:spPr>
+          <a:xfrm>
+            <a:off x="7950926" y="1532709"/>
+            <a:ext cx="3100251" cy="369332"/>
+          </a:xfrm>
+          <a:prstGeom prst="rect">
+            <a:avLst/>
+          </a:prstGeom>
+          <a:noFill/>
+        </p:spPr>
+        <p:txBody>
+          <a:bodyPr wrap="square" rtlCol="0">
+            <a:spAutoFit/>
+          </a:bodyPr>
+          <a:lstStyle/>
+          <a:p>
+            <a:r>
+              <a:rPr lang="fr-FR" dirty="0" smtClean="0"/>
+              <a:t>Diagramme </a:t>
+            </a:r>
+            <a:r>
+              <a:rPr lang="fr-FR" dirty="0" smtClean="0"/>
+              <a:t>bloc</a:t>
+            </a:r>
+            <a:endParaRPr lang="fr-FR" dirty="0" smtClean="0"/>
+          </a:p>
+        </p:txBody>
+      </p:sp>
       <p:pic>
         <p:nvPicPr>
           <p:cNvPr id="3" name="Image 2"/>
@@ -4416,11 +4476,7 @@
           <a:p>
             <a:r>
               <a:rPr lang="fr-FR" dirty="0" smtClean="0"/>
-              <a:t>Diagramme de </a:t>
-            </a:r>
-            <a:r>
-              <a:rPr lang="fr-FR" dirty="0" smtClean="0"/>
-              <a:t>séquence &gt;&gt;</a:t>
+              <a:t>Diagramme de séquence &gt;&gt;</a:t>
             </a:r>
             <a:endParaRPr lang="fr-FR" dirty="0"/>
           </a:p>
@@ -4524,6 +4580,30 @@
             <a:off x="4763589" y="1271995"/>
             <a:ext cx="5038785" cy="5340731"/>
           </a:xfrm>
+        </p:spPr>
+      </p:pic>
+      <p:pic>
+        <p:nvPicPr>
+          <p:cNvPr id="8" name="Image 7"/>
+          <p:cNvPicPr>
+            <a:picLocks noChangeAspect="1"/>
+          </p:cNvPicPr>
+          <p:nvPr/>
+        </p:nvPicPr>
+        <p:blipFill>
+          <a:blip r:embed="rId4"/>
+          <a:stretch>
+            <a:fillRect/>
+          </a:stretch>
+        </p:blipFill>
+        <p:spPr>
+          <a:xfrm>
+            <a:off x="6884194" y="5561065"/>
+            <a:ext cx="871668" cy="543001"/>
+          </a:xfrm>
+          <a:prstGeom prst="rect">
+            <a:avLst/>
+          </a:prstGeom>
         </p:spPr>
       </p:pic>
     </p:spTree>
@@ -4939,77 +5019,130 @@
             <p:ph type="title"/>
           </p:nvPr>
         </p:nvSpPr>
-        <p:spPr>
-          <a:xfrm>
-            <a:off x="1371599" y="372291"/>
-            <a:ext cx="9601200" cy="672738"/>
-          </a:xfrm>
-        </p:spPr>
-        <p:txBody>
-          <a:bodyPr>
-            <a:normAutofit fontScale="90000"/>
-          </a:bodyPr>
+        <p:spPr/>
+        <p:txBody>
+          <a:bodyPr/>
           <a:lstStyle/>
           <a:p>
             <a:r>
-              <a:rPr lang="fr-FR" i="1" dirty="0"/>
-              <a:t>L’</a:t>
-            </a:r>
-            <a:r>
-              <a:rPr lang="fr-FR" i="1" dirty="0" err="1"/>
-              <a:t>Algorigramme</a:t>
-            </a:r>
-            <a:r>
-              <a:rPr lang="fr-FR" i="1" dirty="0"/>
-              <a:t> des Systèmes</a:t>
-            </a:r>
-            <a:br>
-              <a:rPr lang="fr-FR" i="1" dirty="0"/>
-            </a:br>
+              <a:rPr lang="fr-FR" dirty="0" smtClean="0"/>
+              <a:t>Choix, Solution, logicielle et matérielle</a:t>
+            </a:r>
+            <a:endParaRPr lang="fr-FR" dirty="0"/>
+          </a:p>
+        </p:txBody>
+      </p:sp>
+      <p:sp>
+        <p:nvSpPr>
+          <p:cNvPr id="3" name="Espace réservé du contenu 2"/>
+          <p:cNvSpPr>
+            <a:spLocks noGrp="1"/>
+          </p:cNvSpPr>
+          <p:nvPr>
+            <p:ph idx="1"/>
+          </p:nvPr>
+        </p:nvSpPr>
+        <p:spPr>
+          <a:xfrm>
+            <a:off x="1301931" y="1798320"/>
+            <a:ext cx="9601200" cy="3581400"/>
+          </a:xfrm>
+        </p:spPr>
+        <p:txBody>
+          <a:bodyPr/>
+          <a:lstStyle/>
+          <a:p>
+            <a:r>
+              <a:rPr lang="fr-FR" dirty="0" smtClean="0"/>
+              <a:t>Logicielle : application </a:t>
+            </a:r>
+            <a:r>
+              <a:rPr lang="fr-FR" dirty="0" err="1" smtClean="0"/>
+              <a:t>Arduino</a:t>
+            </a:r>
+            <a:r>
+              <a:rPr lang="fr-FR" dirty="0" smtClean="0"/>
+              <a:t> (code)</a:t>
+            </a:r>
+          </a:p>
+          <a:p>
+            <a:r>
+              <a:rPr lang="fr-FR" dirty="0" smtClean="0"/>
+              <a:t>Matérielles : </a:t>
+            </a:r>
+          </a:p>
+          <a:p>
+            <a:pPr marL="530352" lvl="1" indent="0">
+              <a:buNone/>
+            </a:pPr>
             <a:r>
               <a:rPr lang="fr-FR" dirty="0"/>
-              <a:t/>
-            </a:r>
-            <a:br>
-              <a:rPr lang="fr-FR" dirty="0"/>
-            </a:br>
-            <a:endParaRPr lang="fr-FR" dirty="0"/>
-          </a:p>
-        </p:txBody>
-      </p:sp>
-      <p:pic>
-        <p:nvPicPr>
-          <p:cNvPr id="7" name="Image 6"/>
-          <p:cNvPicPr>
-            <a:picLocks noChangeAspect="1"/>
-          </p:cNvPicPr>
-          <p:nvPr/>
-        </p:nvPicPr>
-        <p:blipFill rotWithShape="1">
-          <a:blip r:embed="rId2">
-            <a:extLst>
-              <a:ext uri="{28A0092B-C50C-407E-A947-70E740481C1C}">
-                <a14:useLocalDpi xmlns:a14="http://schemas.microsoft.com/office/drawing/2010/main" val="0"/>
-              </a:ext>
-            </a:extLst>
-          </a:blip>
-          <a:srcRect l="24453" r="24061"/>
-          <a:stretch/>
-        </p:blipFill>
-        <p:spPr>
-          <a:xfrm>
-            <a:off x="1562099" y="708660"/>
-            <a:ext cx="4492272" cy="6172588"/>
-          </a:xfrm>
-          <a:prstGeom prst="rect">
-            <a:avLst/>
-          </a:prstGeom>
-        </p:spPr>
-      </p:pic>
+              <a:t>	</a:t>
+            </a:r>
+            <a:r>
+              <a:rPr lang="fr-FR" sz="1400" dirty="0" smtClean="0"/>
+              <a:t>-Carte </a:t>
+            </a:r>
+            <a:r>
+              <a:rPr lang="fr-FR" sz="1400" dirty="0" err="1" smtClean="0"/>
+              <a:t>Arduino</a:t>
+            </a:r>
+            <a:r>
+              <a:rPr lang="fr-FR" sz="1400" dirty="0" smtClean="0"/>
+              <a:t> </a:t>
+            </a:r>
+            <a:r>
+              <a:rPr lang="fr-FR" sz="1400" dirty="0" err="1" smtClean="0"/>
+              <a:t>Uno</a:t>
+            </a:r>
+            <a:endParaRPr lang="fr-FR" sz="1400" dirty="0" smtClean="0"/>
+          </a:p>
+          <a:p>
+            <a:pPr marL="0" indent="0">
+              <a:buNone/>
+            </a:pPr>
+            <a:r>
+              <a:rPr lang="fr-FR" sz="1400" dirty="0"/>
+              <a:t>	</a:t>
+            </a:r>
+            <a:r>
+              <a:rPr lang="fr-FR" sz="1400" dirty="0" smtClean="0"/>
+              <a:t>-écran LCD</a:t>
+            </a:r>
+          </a:p>
+          <a:p>
+            <a:pPr marL="0" indent="0">
+              <a:buNone/>
+            </a:pPr>
+            <a:r>
+              <a:rPr lang="fr-FR" sz="1400" dirty="0"/>
+              <a:t>	</a:t>
+            </a:r>
+            <a:r>
+              <a:rPr lang="fr-FR" sz="1400" dirty="0" smtClean="0"/>
+              <a:t>-Pavé tactile </a:t>
+            </a:r>
+          </a:p>
+          <a:p>
+            <a:pPr marL="0" indent="0">
+              <a:buNone/>
+            </a:pPr>
+            <a:r>
+              <a:rPr lang="fr-FR" sz="1400" dirty="0"/>
+              <a:t>	</a:t>
+            </a:r>
+            <a:r>
+              <a:rPr lang="fr-FR" sz="1400" dirty="0" smtClean="0"/>
+              <a:t>-</a:t>
+            </a:r>
+            <a:endParaRPr lang="fr-FR" sz="1400" dirty="0"/>
+          </a:p>
+        </p:txBody>
+      </p:sp>
     </p:spTree>
     <p:extLst>
       <p:ext uri="{BB962C8B-B14F-4D97-AF65-F5344CB8AC3E}">
-        <p14:creationId xmlns:p14="http://schemas.microsoft.com/office/powerpoint/2010/main" val="1304986771"/>
+        <p14:creationId xmlns:p14="http://schemas.microsoft.com/office/powerpoint/2010/main" val="33956213"/>
       </p:ext>
     </p:extLst>
   </p:cSld>
@@ -5046,27 +5179,77 @@
             <p:ph type="title"/>
           </p:nvPr>
         </p:nvSpPr>
-        <p:spPr/>
-        <p:txBody>
-          <a:bodyPr/>
+        <p:spPr>
+          <a:xfrm>
+            <a:off x="1371599" y="372291"/>
+            <a:ext cx="9601200" cy="672738"/>
+          </a:xfrm>
+        </p:spPr>
+        <p:txBody>
+          <a:bodyPr>
+            <a:normAutofit fontScale="90000"/>
+          </a:bodyPr>
           <a:lstStyle/>
           <a:p>
             <a:r>
-              <a:rPr lang="fr-FR" dirty="0" smtClean="0"/>
-              <a:t>FIN </a:t>
-            </a:r>
-            <a:r>
-              <a:rPr lang="fr-FR" smtClean="0"/>
-              <a:t>- Temporaire</a:t>
-            </a:r>
+              <a:rPr lang="fr-FR" i="1" dirty="0"/>
+              <a:t>L’</a:t>
+            </a:r>
+            <a:r>
+              <a:rPr lang="fr-FR" i="1" dirty="0" err="1"/>
+              <a:t>Algorigramme</a:t>
+            </a:r>
+            <a:r>
+              <a:rPr lang="fr-FR" i="1" dirty="0"/>
+              <a:t> des Systèmes</a:t>
+            </a:r>
+            <a:br>
+              <a:rPr lang="fr-FR" i="1" dirty="0"/>
+            </a:br>
+            <a:r>
+              <a:rPr lang="fr-FR" dirty="0"/>
+              <a:t/>
+            </a:r>
+            <a:br>
+              <a:rPr lang="fr-FR" dirty="0"/>
+            </a:br>
             <a:endParaRPr lang="fr-FR" dirty="0"/>
           </a:p>
         </p:txBody>
       </p:sp>
+      <p:pic>
+        <p:nvPicPr>
+          <p:cNvPr id="7" name="Image 6"/>
+          <p:cNvPicPr>
+            <a:picLocks noChangeAspect="1"/>
+          </p:cNvPicPr>
+          <p:nvPr/>
+        </p:nvPicPr>
+        <p:blipFill rotWithShape="1">
+          <a:blip r:embed="rId2">
+            <a:extLst>
+              <a:ext uri="{28A0092B-C50C-407E-A947-70E740481C1C}">
+                <a14:useLocalDpi xmlns:a14="http://schemas.microsoft.com/office/drawing/2010/main" val="0"/>
+              </a:ext>
+            </a:extLst>
+          </a:blip>
+          <a:srcRect l="24453" r="24061"/>
+          <a:stretch/>
+        </p:blipFill>
+        <p:spPr>
+          <a:xfrm>
+            <a:off x="1562099" y="708660"/>
+            <a:ext cx="4492272" cy="6172588"/>
+          </a:xfrm>
+          <a:prstGeom prst="rect">
+            <a:avLst/>
+          </a:prstGeom>
+        </p:spPr>
+      </p:pic>
     </p:spTree>
     <p:extLst>
       <p:ext uri="{BB962C8B-B14F-4D97-AF65-F5344CB8AC3E}">
-        <p14:creationId xmlns:p14="http://schemas.microsoft.com/office/powerpoint/2010/main" val="1566417886"/>
+        <p14:creationId xmlns:p14="http://schemas.microsoft.com/office/powerpoint/2010/main" val="1304986771"/>
       </p:ext>
     </p:extLst>
   </p:cSld>

--- a/Notes/Presentation-Borui.pptx
+++ b/Notes/Presentation-Borui.pptx
@@ -290,7 +290,7 @@
           <a:p>
             <a:fld id="{56650B2C-4020-4BB4-9A49-3D085DD79D5D}" type="datetimeFigureOut">
               <a:rPr lang="fr-FR" smtClean="0"/>
-              <a:t>28/03/2025</a:t>
+              <a:t>04/04/2025</a:t>
             </a:fld>
             <a:endParaRPr lang="fr-FR"/>
           </a:p>
@@ -620,7 +620,7 @@
           <a:p>
             <a:fld id="{56650B2C-4020-4BB4-9A49-3D085DD79D5D}" type="datetimeFigureOut">
               <a:rPr lang="fr-FR" smtClean="0"/>
-              <a:t>28/03/2025</a:t>
+              <a:t>04/04/2025</a:t>
             </a:fld>
             <a:endParaRPr lang="fr-FR"/>
           </a:p>
@@ -800,7 +800,7 @@
           <a:p>
             <a:fld id="{56650B2C-4020-4BB4-9A49-3D085DD79D5D}" type="datetimeFigureOut">
               <a:rPr lang="fr-FR" smtClean="0"/>
-              <a:t>28/03/2025</a:t>
+              <a:t>04/04/2025</a:t>
             </a:fld>
             <a:endParaRPr lang="fr-FR"/>
           </a:p>
@@ -970,7 +970,7 @@
           <a:p>
             <a:fld id="{56650B2C-4020-4BB4-9A49-3D085DD79D5D}" type="datetimeFigureOut">
               <a:rPr lang="fr-FR" smtClean="0"/>
-              <a:t>28/03/2025</a:t>
+              <a:t>04/04/2025</a:t>
             </a:fld>
             <a:endParaRPr lang="fr-FR"/>
           </a:p>
@@ -1247,7 +1247,7 @@
           <a:p>
             <a:fld id="{56650B2C-4020-4BB4-9A49-3D085DD79D5D}" type="datetimeFigureOut">
               <a:rPr lang="fr-FR" smtClean="0"/>
-              <a:t>28/03/2025</a:t>
+              <a:t>04/04/2025</a:t>
             </a:fld>
             <a:endParaRPr lang="fr-FR"/>
           </a:p>
@@ -1641,7 +1641,7 @@
           <a:p>
             <a:fld id="{56650B2C-4020-4BB4-9A49-3D085DD79D5D}" type="datetimeFigureOut">
               <a:rPr lang="fr-FR" smtClean="0"/>
-              <a:t>28/03/2025</a:t>
+              <a:t>04/04/2025</a:t>
             </a:fld>
             <a:endParaRPr lang="fr-FR"/>
           </a:p>
@@ -2118,7 +2118,7 @@
           <a:p>
             <a:fld id="{56650B2C-4020-4BB4-9A49-3D085DD79D5D}" type="datetimeFigureOut">
               <a:rPr lang="fr-FR" smtClean="0"/>
-              <a:t>28/03/2025</a:t>
+              <a:t>04/04/2025</a:t>
             </a:fld>
             <a:endParaRPr lang="fr-FR"/>
           </a:p>
@@ -2236,7 +2236,7 @@
           <a:p>
             <a:fld id="{56650B2C-4020-4BB4-9A49-3D085DD79D5D}" type="datetimeFigureOut">
               <a:rPr lang="fr-FR" smtClean="0"/>
-              <a:t>28/03/2025</a:t>
+              <a:t>04/04/2025</a:t>
             </a:fld>
             <a:endParaRPr lang="fr-FR"/>
           </a:p>
@@ -2331,7 +2331,7 @@
           <a:p>
             <a:fld id="{56650B2C-4020-4BB4-9A49-3D085DD79D5D}" type="datetimeFigureOut">
               <a:rPr lang="fr-FR" smtClean="0"/>
-              <a:t>28/03/2025</a:t>
+              <a:t>04/04/2025</a:t>
             </a:fld>
             <a:endParaRPr lang="fr-FR"/>
           </a:p>
@@ -2677,7 +2677,7 @@
           <a:p>
             <a:fld id="{56650B2C-4020-4BB4-9A49-3D085DD79D5D}" type="datetimeFigureOut">
               <a:rPr lang="fr-FR" smtClean="0"/>
-              <a:t>28/03/2025</a:t>
+              <a:t>04/04/2025</a:t>
             </a:fld>
             <a:endParaRPr lang="fr-FR"/>
           </a:p>
@@ -3065,7 +3065,7 @@
           <a:p>
             <a:fld id="{56650B2C-4020-4BB4-9A49-3D085DD79D5D}" type="datetimeFigureOut">
               <a:rPr lang="fr-FR" smtClean="0"/>
-              <a:t>28/03/2025</a:t>
+              <a:t>04/04/2025</a:t>
             </a:fld>
             <a:endParaRPr lang="fr-FR"/>
           </a:p>
@@ -3343,7 +3343,7 @@
           <a:p>
             <a:fld id="{56650B2C-4020-4BB4-9A49-3D085DD79D5D}" type="datetimeFigureOut">
               <a:rPr lang="fr-FR" smtClean="0"/>
-              <a:t>28/03/2025</a:t>
+              <a:t>04/04/2025</a:t>
             </a:fld>
             <a:endParaRPr lang="fr-FR"/>
           </a:p>
@@ -4081,11 +4081,7 @@
           <a:p>
             <a:r>
               <a:rPr lang="fr-FR" dirty="0" smtClean="0"/>
-              <a:t>Cahier des </a:t>
-            </a:r>
-            <a:r>
-              <a:rPr lang="fr-FR" dirty="0" smtClean="0"/>
-              <a:t>Charges</a:t>
+              <a:t>Cahier des Charges</a:t>
             </a:r>
           </a:p>
           <a:p>
@@ -4305,13 +4301,8 @@
           <a:p>
             <a:r>
               <a:rPr lang="fr-FR" dirty="0" smtClean="0"/>
-              <a:t>Diagramme </a:t>
-            </a:r>
-            <a:r>
-              <a:rPr lang="fr-FR" dirty="0" smtClean="0"/>
-              <a:t>bloc</a:t>
-            </a:r>
-            <a:endParaRPr lang="fr-FR" dirty="0" smtClean="0"/>
+              <a:t>Diagramme bloc</a:t>
+            </a:r>
           </a:p>
         </p:txBody>
       </p:sp>
@@ -5084,16 +5075,8 @@
               <a:t>-Carte </a:t>
             </a:r>
             <a:r>
-              <a:rPr lang="fr-FR" sz="1400" dirty="0" err="1" smtClean="0"/>
-              <a:t>Arduino</a:t>
-            </a:r>
-            <a:r>
               <a:rPr lang="fr-FR" sz="1400" dirty="0" smtClean="0"/>
-              <a:t> </a:t>
-            </a:r>
-            <a:r>
-              <a:rPr lang="fr-FR" sz="1400" dirty="0" err="1" smtClean="0"/>
-              <a:t>Uno</a:t>
+              <a:t>Micro-bits</a:t>
             </a:r>
             <a:endParaRPr lang="fr-FR" sz="1400" dirty="0" smtClean="0"/>
           </a:p>
@@ -5107,8 +5090,13 @@
             </a:r>
             <a:r>
               <a:rPr lang="fr-FR" sz="1400" dirty="0" smtClean="0"/>
-              <a:t>-écran LCD</a:t>
-            </a:r>
+              <a:t>-</a:t>
+            </a:r>
+            <a:r>
+              <a:rPr lang="fr-FR" sz="1400" dirty="0" smtClean="0"/>
+              <a:t>écran</a:t>
+            </a:r>
+            <a:endParaRPr lang="fr-FR" sz="1400" dirty="0" smtClean="0"/>
           </a:p>
           <a:p>
             <a:pPr marL="0" indent="0">
@@ -5119,9 +5107,10 @@
               <a:t>	</a:t>
             </a:r>
             <a:r>
-              <a:rPr lang="fr-FR" sz="1400" dirty="0" smtClean="0"/>
-              <a:t>-Pavé tactile </a:t>
-            </a:r>
+              <a:rPr lang="fr-FR" sz="1400" dirty="0"/>
+              <a:t>-Capteur de force Grove FSR402</a:t>
+            </a:r>
+            <a:endParaRPr lang="fr-FR" sz="1400" dirty="0" smtClean="0"/>
           </a:p>
           <a:p>
             <a:pPr marL="0" indent="0">

--- a/Notes/Presentation-Borui.pptx
+++ b/Notes/Presentation-Borui.pptx
@@ -4647,12 +4647,12 @@
               <a:t>Triptyque du </a:t>
             </a:r>
             <a:r>
-              <a:rPr lang="fr-FR" dirty="0" err="1"/>
-              <a:t>Dév</a:t>
+              <a:rPr lang="fr-FR" dirty="0" smtClean="0"/>
+              <a:t>Développement-durable</a:t>
             </a:r>
             <a:r>
               <a:rPr lang="fr-FR" dirty="0"/>
-              <a:t>-durable</a:t>
+              <a:t/>
             </a:r>
             <a:br>
               <a:rPr lang="fr-FR" dirty="0"/>
@@ -4685,7 +4685,7 @@
         </p:blipFill>
         <p:spPr>
           <a:xfrm>
-            <a:off x="8097033" y="2603093"/>
+            <a:off x="9173591" y="2809875"/>
             <a:ext cx="2558673" cy="2438736"/>
           </a:xfrm>
         </p:spPr>
@@ -4698,7 +4698,7 @@
           </p:cNvPicPr>
           <p:nvPr/>
         </p:nvPicPr>
-        <p:blipFill>
+        <p:blipFill rotWithShape="1">
           <a:blip r:embed="rId3">
             <a:extLst>
               <a:ext uri="{28A0092B-C50C-407E-A947-70E740481C1C}">
@@ -4706,14 +4706,13 @@
               </a:ext>
             </a:extLst>
           </a:blip>
-          <a:stretch>
-            <a:fillRect/>
-          </a:stretch>
+          <a:srcRect t="5609"/>
+          <a:stretch/>
         </p:blipFill>
         <p:spPr>
           <a:xfrm>
-            <a:off x="1481845" y="986565"/>
-            <a:ext cx="7784280" cy="6015126"/>
+            <a:off x="1481845" y="1323975"/>
+            <a:ext cx="7784280" cy="5677716"/>
           </a:xfrm>
           <a:prstGeom prst="rect">
             <a:avLst/>
@@ -4736,7 +4735,7 @@
         </p:blipFill>
         <p:spPr>
           <a:xfrm>
-            <a:off x="7460420" y="986565"/>
+            <a:off x="7414231" y="1273196"/>
             <a:ext cx="1486107" cy="609685"/>
           </a:xfrm>
           <a:prstGeom prst="rect">
@@ -4760,7 +4759,7 @@
         </p:blipFill>
         <p:spPr>
           <a:xfrm>
-            <a:off x="8633315" y="986565"/>
+            <a:off x="8705965" y="1273195"/>
             <a:ext cx="1486107" cy="609685"/>
           </a:xfrm>
           <a:prstGeom prst="rect">
@@ -4784,7 +4783,7 @@
         </p:blipFill>
         <p:spPr>
           <a:xfrm>
-            <a:off x="7620219" y="1274290"/>
+            <a:off x="7652258" y="1558902"/>
             <a:ext cx="1486107" cy="609685"/>
           </a:xfrm>
           <a:prstGeom prst="rect">
@@ -4792,6 +4791,36 @@
           </a:prstGeom>
         </p:spPr>
       </p:pic>
+      <p:sp>
+        <p:nvSpPr>
+          <p:cNvPr id="8" name="ZoneTexte 7"/>
+          <p:cNvSpPr txBox="1"/>
+          <p:nvPr/>
+        </p:nvSpPr>
+        <p:spPr>
+          <a:xfrm>
+            <a:off x="9266125" y="2409884"/>
+            <a:ext cx="2087675" cy="369332"/>
+          </a:xfrm>
+          <a:prstGeom prst="rect">
+            <a:avLst/>
+          </a:prstGeom>
+          <a:noFill/>
+        </p:spPr>
+        <p:txBody>
+          <a:bodyPr wrap="square" rtlCol="0">
+            <a:spAutoFit/>
+          </a:bodyPr>
+          <a:lstStyle/>
+          <a:p>
+            <a:r>
+              <a:rPr lang="fr-FR" dirty="0" smtClean="0"/>
+              <a:t>Exemple :</a:t>
+            </a:r>
+            <a:endParaRPr lang="fr-FR" dirty="0"/>
+          </a:p>
+        </p:txBody>
+      </p:sp>
     </p:spTree>
     <p:extLst>
       <p:ext uri="{BB962C8B-B14F-4D97-AF65-F5344CB8AC3E}">
@@ -4960,6 +4989,11 @@
           <a:prstGeom prst="rect">
             <a:avLst/>
           </a:prstGeom>
+          <a:ln w="76200">
+            <a:solidFill>
+              <a:srgbClr val="0070C0"/>
+            </a:solidFill>
+          </a:ln>
           <a:effectLst>
             <a:glow rad="12700">
               <a:srgbClr val="FFFF00">
@@ -5045,15 +5079,23 @@
           <a:p>
             <a:r>
               <a:rPr lang="fr-FR" dirty="0" smtClean="0"/>
-              <a:t>Logicielle : application </a:t>
+              <a:t>Logicielle </a:t>
+            </a:r>
+            <a:r>
+              <a:rPr lang="fr-FR" dirty="0" smtClean="0"/>
+              <a:t>: </a:t>
             </a:r>
             <a:r>
               <a:rPr lang="fr-FR" dirty="0" err="1" smtClean="0"/>
-              <a:t>Arduino</a:t>
+              <a:t>arduino</a:t>
             </a:r>
             <a:r>
               <a:rPr lang="fr-FR" dirty="0" smtClean="0"/>
-              <a:t> (code)</a:t>
+              <a:t> (code</a:t>
+            </a:r>
+            <a:r>
+              <a:rPr lang="fr-FR" dirty="0" smtClean="0"/>
+              <a:t>)</a:t>
             </a:r>
           </a:p>
           <a:p>
@@ -5075,8 +5117,22 @@
               <a:t>-Carte </a:t>
             </a:r>
             <a:r>
-              <a:rPr lang="fr-FR" sz="1400" dirty="0" smtClean="0"/>
-              <a:t>Micro-bits</a:t>
+              <a:rPr lang="fr-FR" sz="1400" dirty="0" err="1" smtClean="0"/>
+              <a:t>Arduino</a:t>
+            </a:r>
+            <a:endParaRPr lang="fr-FR" sz="1400" dirty="0" smtClean="0"/>
+          </a:p>
+          <a:p>
+            <a:pPr marL="530352" lvl="1" indent="0">
+              <a:buNone/>
+            </a:pPr>
+            <a:r>
+              <a:rPr lang="fr-FR" sz="1400" dirty="0"/>
+              <a:t>	-Grove Base </a:t>
+            </a:r>
+            <a:r>
+              <a:rPr lang="fr-FR" sz="1400" dirty="0" err="1"/>
+              <a:t>Shield</a:t>
             </a:r>
             <a:endParaRPr lang="fr-FR" sz="1400" dirty="0" smtClean="0"/>
           </a:p>
@@ -5090,44 +5146,235 @@
             </a:r>
             <a:r>
               <a:rPr lang="fr-FR" sz="1400" dirty="0" smtClean="0"/>
-              <a:t>-</a:t>
+              <a:t>-écran</a:t>
+            </a:r>
+          </a:p>
+          <a:p>
+            <a:pPr marL="0" indent="0">
+              <a:buNone/>
+            </a:pPr>
+            <a:r>
+              <a:rPr lang="fr-FR" sz="1400" dirty="0"/>
+              <a:t>	-Capteur de force Grove </a:t>
             </a:r>
             <a:r>
               <a:rPr lang="fr-FR" sz="1400" dirty="0" smtClean="0"/>
-              <a:t>écran</a:t>
+              <a:t>FSR402</a:t>
             </a:r>
             <a:endParaRPr lang="fr-FR" sz="1400" dirty="0" smtClean="0"/>
           </a:p>
-          <a:p>
-            <a:pPr marL="0" indent="0">
-              <a:buNone/>
-            </a:pPr>
-            <a:r>
-              <a:rPr lang="fr-FR" sz="1400" dirty="0"/>
-              <a:t>	</a:t>
-            </a:r>
-            <a:r>
-              <a:rPr lang="fr-FR" sz="1400" dirty="0"/>
-              <a:t>-Capteur de force Grove FSR402</a:t>
-            </a:r>
-            <a:endParaRPr lang="fr-FR" sz="1400" dirty="0" smtClean="0"/>
-          </a:p>
-          <a:p>
-            <a:pPr marL="0" indent="0">
-              <a:buNone/>
-            </a:pPr>
-            <a:r>
-              <a:rPr lang="fr-FR" sz="1400" dirty="0"/>
-              <a:t>	</a:t>
-            </a:r>
-            <a:r>
-              <a:rPr lang="fr-FR" sz="1400" dirty="0" smtClean="0"/>
-              <a:t>-</a:t>
-            </a:r>
-            <a:endParaRPr lang="fr-FR" sz="1400" dirty="0"/>
-          </a:p>
-        </p:txBody>
-      </p:sp>
+        </p:txBody>
+      </p:sp>
+      <p:pic>
+        <p:nvPicPr>
+          <p:cNvPr id="4" name="Image 3"/>
+          <p:cNvPicPr>
+            <a:picLocks noChangeAspect="1"/>
+          </p:cNvPicPr>
+          <p:nvPr/>
+        </p:nvPicPr>
+        <p:blipFill>
+          <a:blip r:embed="rId2" cstate="print">
+            <a:extLst>
+              <a:ext uri="{28A0092B-C50C-407E-A947-70E740481C1C}">
+                <a14:useLocalDpi xmlns:a14="http://schemas.microsoft.com/office/drawing/2010/main" val="0"/>
+              </a:ext>
+            </a:extLst>
+          </a:blip>
+          <a:stretch>
+            <a:fillRect/>
+          </a:stretch>
+        </p:blipFill>
+        <p:spPr>
+          <a:xfrm>
+            <a:off x="4637859" y="1798320"/>
+            <a:ext cx="406581" cy="406581"/>
+          </a:xfrm>
+          <a:prstGeom prst="rect">
+            <a:avLst/>
+          </a:prstGeom>
+        </p:spPr>
+      </p:pic>
+      <p:pic>
+        <p:nvPicPr>
+          <p:cNvPr id="1026" name="Picture 2" descr="https://media-cdn.seeedstudio.com/media/catalog/product/cache/bb49d3ec4ee05b6f018e93f896b8a25d/h/t/httpsstatics3.seeedstudio.comseeedfile2017-11bazaar622825_img_4759a.jpg"/>
+          <p:cNvPicPr>
+            <a:picLocks noChangeAspect="1" noChangeArrowheads="1"/>
+          </p:cNvPicPr>
+          <p:nvPr/>
+        </p:nvPicPr>
+        <p:blipFill rotWithShape="1">
+          <a:blip r:embed="rId3" cstate="print">
+            <a:extLst>
+              <a:ext uri="{28A0092B-C50C-407E-A947-70E740481C1C}">
+                <a14:useLocalDpi xmlns:a14="http://schemas.microsoft.com/office/drawing/2010/main" val="0"/>
+              </a:ext>
+            </a:extLst>
+          </a:blip>
+          <a:srcRect l="4446" t="4446" r="4446" b="4446"/>
+          <a:stretch/>
+        </p:blipFill>
+        <p:spPr bwMode="auto">
+          <a:xfrm>
+            <a:off x="6537373" y="1742395"/>
+            <a:ext cx="2197324" cy="1647994"/>
+          </a:xfrm>
+          <a:prstGeom prst="rect">
+            <a:avLst/>
+          </a:prstGeom>
+          <a:noFill/>
+          <a:ln w="38100">
+            <a:solidFill>
+              <a:srgbClr val="0070C0"/>
+            </a:solidFill>
+          </a:ln>
+          <a:extLst>
+            <a:ext uri="{909E8E84-426E-40DD-AFC4-6F175D3DCCD1}">
+              <a14:hiddenFill xmlns:a14="http://schemas.microsoft.com/office/drawing/2010/main">
+                <a:solidFill>
+                  <a:srgbClr val="FFFFFF"/>
+                </a:solidFill>
+              </a14:hiddenFill>
+            </a:ext>
+          </a:extLst>
+        </p:spPr>
+      </p:pic>
+      <p:pic>
+        <p:nvPicPr>
+          <p:cNvPr id="1028" name="Picture 4" descr="https://media-cdn.seeedstudio.com/media/catalog/product/cache/bb49d3ec4ee05b6f018e93f896b8a25d/h/t/httpsstatics3.seeedstudio.comseeedimg2016-09ojyc6a5jtrgslqwc5j7gw9ti.jpg"/>
+          <p:cNvPicPr>
+            <a:picLocks noChangeAspect="1" noChangeArrowheads="1"/>
+          </p:cNvPicPr>
+          <p:nvPr/>
+        </p:nvPicPr>
+        <p:blipFill rotWithShape="1">
+          <a:blip r:embed="rId4" cstate="print">
+            <a:extLst>
+              <a:ext uri="{28A0092B-C50C-407E-A947-70E740481C1C}">
+                <a14:useLocalDpi xmlns:a14="http://schemas.microsoft.com/office/drawing/2010/main" val="0"/>
+              </a:ext>
+            </a:extLst>
+          </a:blip>
+          <a:srcRect l="10283" t="6571" r="10283" b="6571"/>
+          <a:stretch/>
+        </p:blipFill>
+        <p:spPr bwMode="auto">
+          <a:xfrm>
+            <a:off x="8999038" y="1628503"/>
+            <a:ext cx="2287270" cy="1875778"/>
+          </a:xfrm>
+          <a:prstGeom prst="rect">
+            <a:avLst/>
+          </a:prstGeom>
+          <a:noFill/>
+          <a:ln w="38100">
+            <a:solidFill>
+              <a:srgbClr val="0070C0"/>
+            </a:solidFill>
+          </a:ln>
+          <a:extLst>
+            <a:ext uri="{909E8E84-426E-40DD-AFC4-6F175D3DCCD1}">
+              <a14:hiddenFill xmlns:a14="http://schemas.microsoft.com/office/drawing/2010/main">
+                <a:solidFill>
+                  <a:srgbClr val="FFFFFF"/>
+                </a:solidFill>
+              </a14:hiddenFill>
+            </a:ext>
+          </a:extLst>
+        </p:spPr>
+      </p:pic>
+      <p:pic>
+        <p:nvPicPr>
+          <p:cNvPr id="1030" name="Picture 6" descr="pir"/>
+          <p:cNvPicPr>
+            <a:picLocks noChangeAspect="1" noChangeArrowheads="1"/>
+          </p:cNvPicPr>
+          <p:nvPr/>
+        </p:nvPicPr>
+        <p:blipFill>
+          <a:blip r:embed="rId5" cstate="print">
+            <a:extLst>
+              <a:ext uri="{28A0092B-C50C-407E-A947-70E740481C1C}">
+                <a14:useLocalDpi xmlns:a14="http://schemas.microsoft.com/office/drawing/2010/main" val="0"/>
+              </a:ext>
+            </a:extLst>
+          </a:blip>
+          <a:srcRect/>
+          <a:stretch>
+            <a:fillRect/>
+          </a:stretch>
+        </p:blipFill>
+        <p:spPr bwMode="auto">
+          <a:xfrm>
+            <a:off x="6537374" y="3636755"/>
+            <a:ext cx="2197324" cy="1647994"/>
+          </a:xfrm>
+          <a:prstGeom prst="rect">
+            <a:avLst/>
+          </a:prstGeom>
+          <a:noFill/>
+          <a:ln w="38100">
+            <a:solidFill>
+              <a:srgbClr val="0070C0"/>
+            </a:solidFill>
+          </a:ln>
+          <a:extLst>
+            <a:ext uri="{909E8E84-426E-40DD-AFC4-6F175D3DCCD1}">
+              <a14:hiddenFill xmlns:a14="http://schemas.microsoft.com/office/drawing/2010/main">
+                <a:solidFill>
+                  <a:srgbClr val="FFFFFF"/>
+                </a:solidFill>
+              </a14:hiddenFill>
+            </a:ext>
+          </a:extLst>
+        </p:spPr>
+      </p:pic>
+      <p:pic>
+        <p:nvPicPr>
+          <p:cNvPr id="1032" name="Picture 8" descr="https://media-cdn.seeedstudio.com/media/catalog/product/cache/bb49d3ec4ee05b6f018e93f896b8a25d/h/t/httpsstatics3.seeedstudio.comseeedfile2018-08bazaar896643_3.jpg"/>
+          <p:cNvPicPr>
+            <a:picLocks noChangeAspect="1" noChangeArrowheads="1"/>
+          </p:cNvPicPr>
+          <p:nvPr/>
+        </p:nvPicPr>
+        <p:blipFill>
+          <a:blip r:embed="rId6" cstate="print">
+            <a:extLst>
+              <a:ext uri="{28A0092B-C50C-407E-A947-70E740481C1C}">
+                <a14:useLocalDpi xmlns:a14="http://schemas.microsoft.com/office/drawing/2010/main" val="0"/>
+              </a:ext>
+            </a:extLst>
+          </a:blip>
+          <a:srcRect/>
+          <a:stretch>
+            <a:fillRect/>
+          </a:stretch>
+        </p:blipFill>
+        <p:spPr bwMode="auto">
+          <a:xfrm>
+            <a:off x="8999038" y="3674098"/>
+            <a:ext cx="2287270" cy="1715453"/>
+          </a:xfrm>
+          <a:prstGeom prst="rect">
+            <a:avLst/>
+          </a:prstGeom>
+          <a:noFill/>
+          <a:ln w="38100">
+            <a:solidFill>
+              <a:srgbClr val="0070C0"/>
+            </a:solidFill>
+          </a:ln>
+          <a:extLst>
+            <a:ext uri="{909E8E84-426E-40DD-AFC4-6F175D3DCCD1}">
+              <a14:hiddenFill xmlns:a14="http://schemas.microsoft.com/office/drawing/2010/main">
+                <a:solidFill>
+                  <a:srgbClr val="FFFFFF"/>
+                </a:solidFill>
+              </a14:hiddenFill>
+            </a:ext>
+          </a:extLst>
+        </p:spPr>
+      </p:pic>
     </p:spTree>
     <p:extLst>
       <p:ext uri="{BB962C8B-B14F-4D97-AF65-F5344CB8AC3E}">
@@ -5208,7 +5455,7 @@
       </p:sp>
       <p:pic>
         <p:nvPicPr>
-          <p:cNvPr id="7" name="Image 6"/>
+          <p:cNvPr id="4" name="Image 3"/>
           <p:cNvPicPr>
             <a:picLocks noChangeAspect="1"/>
           </p:cNvPicPr>
@@ -5222,13 +5469,13 @@
               </a:ext>
             </a:extLst>
           </a:blip>
-          <a:srcRect l="24453" r="24061"/>
+          <a:srcRect l="21402" t="5754" r="24625" b="3932"/>
           <a:stretch/>
         </p:blipFill>
         <p:spPr>
           <a:xfrm>
-            <a:off x="1562099" y="708660"/>
-            <a:ext cx="4492272" cy="6172588"/>
+            <a:off x="1952624" y="952499"/>
+            <a:ext cx="4924425" cy="5829301"/>
           </a:xfrm>
           <a:prstGeom prst="rect">
             <a:avLst/>

--- a/Notes/Presentation-Borui.pptx
+++ b/Notes/Presentation-Borui.pptx
@@ -13,8 +13,9 @@
     <p:sldId id="260" r:id="rId7"/>
     <p:sldId id="261" r:id="rId8"/>
     <p:sldId id="265" r:id="rId9"/>
-    <p:sldId id="263" r:id="rId10"/>
-    <p:sldId id="262" r:id="rId11"/>
+    <p:sldId id="266" r:id="rId10"/>
+    <p:sldId id="263" r:id="rId11"/>
+    <p:sldId id="262" r:id="rId12"/>
   </p:sldIdLst>
   <p:sldSz cx="12192000" cy="6858000"/>
   <p:notesSz cx="6858000" cy="9144000"/>
@@ -290,7 +291,7 @@
           <a:p>
             <a:fld id="{56650B2C-4020-4BB4-9A49-3D085DD79D5D}" type="datetimeFigureOut">
               <a:rPr lang="fr-FR" smtClean="0"/>
-              <a:t>04/04/2025</a:t>
+              <a:t>08/04/2025</a:t>
             </a:fld>
             <a:endParaRPr lang="fr-FR"/>
           </a:p>
@@ -620,7 +621,7 @@
           <a:p>
             <a:fld id="{56650B2C-4020-4BB4-9A49-3D085DD79D5D}" type="datetimeFigureOut">
               <a:rPr lang="fr-FR" smtClean="0"/>
-              <a:t>04/04/2025</a:t>
+              <a:t>08/04/2025</a:t>
             </a:fld>
             <a:endParaRPr lang="fr-FR"/>
           </a:p>
@@ -800,7 +801,7 @@
           <a:p>
             <a:fld id="{56650B2C-4020-4BB4-9A49-3D085DD79D5D}" type="datetimeFigureOut">
               <a:rPr lang="fr-FR" smtClean="0"/>
-              <a:t>04/04/2025</a:t>
+              <a:t>08/04/2025</a:t>
             </a:fld>
             <a:endParaRPr lang="fr-FR"/>
           </a:p>
@@ -970,7 +971,7 @@
           <a:p>
             <a:fld id="{56650B2C-4020-4BB4-9A49-3D085DD79D5D}" type="datetimeFigureOut">
               <a:rPr lang="fr-FR" smtClean="0"/>
-              <a:t>04/04/2025</a:t>
+              <a:t>08/04/2025</a:t>
             </a:fld>
             <a:endParaRPr lang="fr-FR"/>
           </a:p>
@@ -1247,7 +1248,7 @@
           <a:p>
             <a:fld id="{56650B2C-4020-4BB4-9A49-3D085DD79D5D}" type="datetimeFigureOut">
               <a:rPr lang="fr-FR" smtClean="0"/>
-              <a:t>04/04/2025</a:t>
+              <a:t>08/04/2025</a:t>
             </a:fld>
             <a:endParaRPr lang="fr-FR"/>
           </a:p>
@@ -1641,7 +1642,7 @@
           <a:p>
             <a:fld id="{56650B2C-4020-4BB4-9A49-3D085DD79D5D}" type="datetimeFigureOut">
               <a:rPr lang="fr-FR" smtClean="0"/>
-              <a:t>04/04/2025</a:t>
+              <a:t>08/04/2025</a:t>
             </a:fld>
             <a:endParaRPr lang="fr-FR"/>
           </a:p>
@@ -2118,7 +2119,7 @@
           <a:p>
             <a:fld id="{56650B2C-4020-4BB4-9A49-3D085DD79D5D}" type="datetimeFigureOut">
               <a:rPr lang="fr-FR" smtClean="0"/>
-              <a:t>04/04/2025</a:t>
+              <a:t>08/04/2025</a:t>
             </a:fld>
             <a:endParaRPr lang="fr-FR"/>
           </a:p>
@@ -2236,7 +2237,7 @@
           <a:p>
             <a:fld id="{56650B2C-4020-4BB4-9A49-3D085DD79D5D}" type="datetimeFigureOut">
               <a:rPr lang="fr-FR" smtClean="0"/>
-              <a:t>04/04/2025</a:t>
+              <a:t>08/04/2025</a:t>
             </a:fld>
             <a:endParaRPr lang="fr-FR"/>
           </a:p>
@@ -2331,7 +2332,7 @@
           <a:p>
             <a:fld id="{56650B2C-4020-4BB4-9A49-3D085DD79D5D}" type="datetimeFigureOut">
               <a:rPr lang="fr-FR" smtClean="0"/>
-              <a:t>04/04/2025</a:t>
+              <a:t>08/04/2025</a:t>
             </a:fld>
             <a:endParaRPr lang="fr-FR"/>
           </a:p>
@@ -2677,7 +2678,7 @@
           <a:p>
             <a:fld id="{56650B2C-4020-4BB4-9A49-3D085DD79D5D}" type="datetimeFigureOut">
               <a:rPr lang="fr-FR" smtClean="0"/>
-              <a:t>04/04/2025</a:t>
+              <a:t>08/04/2025</a:t>
             </a:fld>
             <a:endParaRPr lang="fr-FR"/>
           </a:p>
@@ -3065,7 +3066,7 @@
           <a:p>
             <a:fld id="{56650B2C-4020-4BB4-9A49-3D085DD79D5D}" type="datetimeFigureOut">
               <a:rPr lang="fr-FR" smtClean="0"/>
-              <a:t>04/04/2025</a:t>
+              <a:t>08/04/2025</a:t>
             </a:fld>
             <a:endParaRPr lang="fr-FR"/>
           </a:p>
@@ -3343,7 +3344,7 @@
           <a:p>
             <a:fld id="{56650B2C-4020-4BB4-9A49-3D085DD79D5D}" type="datetimeFigureOut">
               <a:rPr lang="fr-FR" smtClean="0"/>
-              <a:t>04/04/2025</a:t>
+              <a:t>08/04/2025</a:t>
             </a:fld>
             <a:endParaRPr lang="fr-FR"/>
           </a:p>
@@ -3915,6 +3916,25 @@
   <p:clrMapOvr>
     <a:masterClrMapping/>
   </p:clrMapOvr>
+  <mc:AlternateContent xmlns:mc="http://schemas.openxmlformats.org/markup-compatibility/2006">
+    <mc:Choice xmlns:p14="http://schemas.microsoft.com/office/powerpoint/2010/main" Requires="p14">
+      <p:transition spd="med" p14:dur="700">
+        <p:fade/>
+      </p:transition>
+    </mc:Choice>
+    <mc:Fallback>
+      <p:transition spd="med">
+        <p:fade/>
+      </p:transition>
+    </mc:Fallback>
+  </mc:AlternateContent>
+  <p:timing>
+    <p:tnLst>
+      <p:par>
+        <p:cTn id="1" dur="indefinite" restart="never" nodeType="tmRoot"/>
+      </p:par>
+    </p:tnLst>
+  </p:timing>
 </p:sld>
 </file>
 
@@ -3945,6 +3965,123 @@
             <p:ph type="title"/>
           </p:nvPr>
         </p:nvSpPr>
+        <p:spPr>
+          <a:xfrm>
+            <a:off x="1371599" y="372291"/>
+            <a:ext cx="9601200" cy="672738"/>
+          </a:xfrm>
+        </p:spPr>
+        <p:txBody>
+          <a:bodyPr>
+            <a:normAutofit fontScale="90000"/>
+          </a:bodyPr>
+          <a:lstStyle/>
+          <a:p>
+            <a:r>
+              <a:rPr lang="fr-FR" i="1" dirty="0"/>
+              <a:t>L’</a:t>
+            </a:r>
+            <a:r>
+              <a:rPr lang="fr-FR" i="1" dirty="0" err="1"/>
+              <a:t>Algorigramme</a:t>
+            </a:r>
+            <a:r>
+              <a:rPr lang="fr-FR" i="1" dirty="0"/>
+              <a:t> des Systèmes</a:t>
+            </a:r>
+            <a:br>
+              <a:rPr lang="fr-FR" i="1" dirty="0"/>
+            </a:br>
+            <a:r>
+              <a:rPr lang="fr-FR" dirty="0"/>
+              <a:t/>
+            </a:r>
+            <a:br>
+              <a:rPr lang="fr-FR" dirty="0"/>
+            </a:br>
+            <a:endParaRPr lang="fr-FR" dirty="0"/>
+          </a:p>
+        </p:txBody>
+      </p:sp>
+      <p:pic>
+        <p:nvPicPr>
+          <p:cNvPr id="5" name="Image 4"/>
+          <p:cNvPicPr>
+            <a:picLocks noChangeAspect="1"/>
+          </p:cNvPicPr>
+          <p:nvPr/>
+        </p:nvPicPr>
+        <p:blipFill rotWithShape="1">
+          <a:blip r:embed="rId2">
+            <a:extLst>
+              <a:ext uri="{28A0092B-C50C-407E-A947-70E740481C1C}">
+                <a14:useLocalDpi xmlns:a14="http://schemas.microsoft.com/office/drawing/2010/main" val="0"/>
+              </a:ext>
+            </a:extLst>
+          </a:blip>
+          <a:srcRect t="11806" b="9583"/>
+          <a:stretch/>
+        </p:blipFill>
+        <p:spPr>
+          <a:xfrm>
+            <a:off x="753661" y="1045029"/>
+            <a:ext cx="9694077" cy="5391151"/>
+          </a:xfrm>
+          <a:prstGeom prst="rect">
+            <a:avLst/>
+          </a:prstGeom>
+        </p:spPr>
+      </p:pic>
+    </p:spTree>
+    <p:extLst>
+      <p:ext uri="{BB962C8B-B14F-4D97-AF65-F5344CB8AC3E}">
+        <p14:creationId xmlns:p14="http://schemas.microsoft.com/office/powerpoint/2010/main" val="1304986771"/>
+      </p:ext>
+    </p:extLst>
+  </p:cSld>
+  <p:clrMapOvr>
+    <a:masterClrMapping/>
+  </p:clrMapOvr>
+  <p:transition spd="slow">
+    <p:push dir="u"/>
+  </p:transition>
+  <p:timing>
+    <p:tnLst>
+      <p:par>
+        <p:cTn id="1" dur="indefinite" restart="never" nodeType="tmRoot"/>
+      </p:par>
+    </p:tnLst>
+  </p:timing>
+</p:sld>
+</file>
+
+<file path=ppt/slides/slide11.xml><?xml version="1.0" encoding="utf-8"?>
+<p:sld xmlns:a="http://schemas.openxmlformats.org/drawingml/2006/main" xmlns:r="http://schemas.openxmlformats.org/officeDocument/2006/relationships" xmlns:p="http://schemas.openxmlformats.org/presentationml/2006/main">
+  <p:cSld>
+    <p:spTree>
+      <p:nvGrpSpPr>
+        <p:cNvPr id="1" name=""/>
+        <p:cNvGrpSpPr/>
+        <p:nvPr/>
+      </p:nvGrpSpPr>
+      <p:grpSpPr>
+        <a:xfrm>
+          <a:off x="0" y="0"/>
+          <a:ext cx="0" cy="0"/>
+          <a:chOff x="0" y="0"/>
+          <a:chExt cx="0" cy="0"/>
+        </a:xfrm>
+      </p:grpSpPr>
+      <p:sp>
+        <p:nvSpPr>
+          <p:cNvPr id="2" name="Titre 1"/>
+          <p:cNvSpPr>
+            <a:spLocks noGrp="1"/>
+          </p:cNvSpPr>
+          <p:nvPr>
+            <p:ph type="title"/>
+          </p:nvPr>
+        </p:nvSpPr>
         <p:spPr/>
         <p:txBody>
           <a:bodyPr/>
@@ -3972,6 +4109,16 @@
   <p:clrMapOvr>
     <a:masterClrMapping/>
   </p:clrMapOvr>
+  <p:transition spd="slow">
+    <p:push dir="u"/>
+  </p:transition>
+  <p:timing>
+    <p:tnLst>
+      <p:par>
+        <p:cTn id="1" dur="indefinite" restart="never" nodeType="tmRoot"/>
+      </p:par>
+    </p:tnLst>
+  </p:timing>
 </p:sld>
 </file>
 
@@ -4087,11 +4234,29 @@
           <a:p>
             <a:r>
               <a:rPr lang="fr-FR" dirty="0"/>
-              <a:t>Choix, Solution, logicielle et </a:t>
+              <a:t>Choix, Solution, </a:t>
             </a:r>
             <a:r>
               <a:rPr lang="fr-FR" dirty="0" smtClean="0"/>
-              <a:t>matérielle</a:t>
+              <a:t>Logicielle </a:t>
+            </a:r>
+            <a:r>
+              <a:rPr lang="fr-FR" dirty="0"/>
+              <a:t>et </a:t>
+            </a:r>
+            <a:r>
+              <a:rPr lang="fr-FR" dirty="0"/>
+              <a:t>M</a:t>
+            </a:r>
+            <a:r>
+              <a:rPr lang="fr-FR" dirty="0" smtClean="0"/>
+              <a:t>atérielle</a:t>
+            </a:r>
+          </a:p>
+          <a:p>
+            <a:r>
+              <a:rPr lang="fr-FR" dirty="0" smtClean="0"/>
+              <a:t>Validation des Choix</a:t>
             </a:r>
             <a:endParaRPr lang="fr-FR" dirty="0"/>
           </a:p>
@@ -4112,6 +4277,7 @@
               <a:rPr lang="fr-FR" i="1" dirty="0" smtClean="0"/>
               <a:t>Systèmes</a:t>
             </a:r>
+            <a:endParaRPr lang="fr-FR" i="1" dirty="0" smtClean="0"/>
           </a:p>
           <a:p>
             <a:r>
@@ -4135,6 +4301,25 @@
   <p:clrMapOvr>
     <a:masterClrMapping/>
   </p:clrMapOvr>
+  <mc:AlternateContent xmlns:mc="http://schemas.openxmlformats.org/markup-compatibility/2006">
+    <mc:Choice xmlns:p14="http://schemas.microsoft.com/office/powerpoint/2010/main" Requires="p14">
+      <p:transition spd="slow">
+        <p14:reveal/>
+      </p:transition>
+    </mc:Choice>
+    <mc:Fallback>
+      <p:transition spd="slow">
+        <p:fade/>
+      </p:transition>
+    </mc:Fallback>
+  </mc:AlternateContent>
+  <p:timing>
+    <p:tnLst>
+      <p:par>
+        <p:cTn id="1" dur="indefinite" restart="never" nodeType="tmRoot"/>
+      </p:par>
+    </p:tnLst>
+  </p:timing>
 </p:sld>
 </file>
 
@@ -4388,6 +4573,16 @@
   <p:clrMapOvr>
     <a:masterClrMapping/>
   </p:clrMapOvr>
+  <p:transition spd="slow">
+    <p:push dir="u"/>
+  </p:transition>
+  <p:timing>
+    <p:tnLst>
+      <p:par>
+        <p:cTn id="1" dur="indefinite" restart="never" nodeType="tmRoot"/>
+      </p:par>
+    </p:tnLst>
+  </p:timing>
 </p:sld>
 </file>
 
@@ -4607,6 +4802,16 @@
   <p:clrMapOvr>
     <a:masterClrMapping/>
   </p:clrMapOvr>
+  <p:transition spd="slow">
+    <p:push dir="u"/>
+  </p:transition>
+  <p:timing>
+    <p:tnLst>
+      <p:par>
+        <p:cTn id="1" dur="indefinite" restart="never" nodeType="tmRoot"/>
+      </p:par>
+    </p:tnLst>
+  </p:timing>
 </p:sld>
 </file>
 
@@ -4831,6 +5036,16 @@
   <p:clrMapOvr>
     <a:masterClrMapping/>
   </p:clrMapOvr>
+  <p:transition spd="slow">
+    <p:push dir="u"/>
+  </p:transition>
+  <p:timing>
+    <p:tnLst>
+      <p:par>
+        <p:cTn id="1" dur="indefinite" restart="never" nodeType="tmRoot"/>
+      </p:par>
+    </p:tnLst>
+  </p:timing>
 </p:sld>
 </file>
 
@@ -4916,6 +5131,16 @@
   <p:clrMapOvr>
     <a:masterClrMapping/>
   </p:clrMapOvr>
+  <p:transition spd="slow">
+    <p:push dir="u"/>
+  </p:transition>
+  <p:timing>
+    <p:tnLst>
+      <p:par>
+        <p:cTn id="1" dur="indefinite" restart="never" nodeType="tmRoot"/>
+      </p:par>
+    </p:tnLst>
+  </p:timing>
 </p:sld>
 </file>
 
@@ -4969,7 +5194,7 @@
       </p:sp>
       <p:pic>
         <p:nvPicPr>
-          <p:cNvPr id="5" name="Image 4"/>
+          <p:cNvPr id="3" name="Image 2"/>
           <p:cNvPicPr>
             <a:picLocks noChangeAspect="1"/>
           </p:cNvPicPr>
@@ -4984,23 +5209,25 @@
         <p:spPr>
           <a:xfrm>
             <a:off x="1371599" y="1115241"/>
-            <a:ext cx="8045235" cy="5430533"/>
+            <a:ext cx="8353426" cy="5373325"/>
           </a:xfrm>
           <a:prstGeom prst="rect">
             <a:avLst/>
           </a:prstGeom>
-          <a:ln w="76200">
+          <a:noFill/>
+          <a:ln w="38100">
             <a:solidFill>
               <a:srgbClr val="0070C0"/>
             </a:solidFill>
+            <a:prstDash val="solid"/>
           </a:ln>
           <a:effectLst>
-            <a:glow rad="12700">
-              <a:srgbClr val="FFFF00">
-                <a:alpha val="20000"/>
-              </a:srgbClr>
+            <a:glow rad="63500">
+              <a:schemeClr val="accent1">
+                <a:satMod val="175000"/>
+                <a:alpha val="40000"/>
+              </a:schemeClr>
             </a:glow>
-            <a:softEdge rad="25400"/>
           </a:effectLst>
         </p:spPr>
       </p:pic>
@@ -5014,6 +5241,16 @@
   <p:clrMapOvr>
     <a:masterClrMapping/>
   </p:clrMapOvr>
+  <p:transition spd="slow">
+    <p:push dir="u"/>
+  </p:transition>
+  <p:timing>
+    <p:tnLst>
+      <p:par>
+        <p:cTn id="1" dur="indefinite" restart="never" nodeType="tmRoot"/>
+      </p:par>
+    </p:tnLst>
+  </p:timing>
 </p:sld>
 </file>
 
@@ -5079,11 +5316,7 @@
           <a:p>
             <a:r>
               <a:rPr lang="fr-FR" dirty="0" smtClean="0"/>
-              <a:t>Logicielle </a:t>
-            </a:r>
-            <a:r>
-              <a:rPr lang="fr-FR" dirty="0" smtClean="0"/>
-              <a:t>: </a:t>
+              <a:t>Logicielle : </a:t>
             </a:r>
             <a:r>
               <a:rPr lang="fr-FR" dirty="0" err="1" smtClean="0"/>
@@ -5091,11 +5324,7 @@
             </a:r>
             <a:r>
               <a:rPr lang="fr-FR" dirty="0" smtClean="0"/>
-              <a:t> (code</a:t>
-            </a:r>
-            <a:r>
-              <a:rPr lang="fr-FR" dirty="0" smtClean="0"/>
-              <a:t>)</a:t>
+              <a:t> (code)</a:t>
             </a:r>
           </a:p>
           <a:p>
@@ -5131,13 +5360,13 @@
               <a:t>	-Grove Base </a:t>
             </a:r>
             <a:r>
-              <a:rPr lang="fr-FR" sz="1400" dirty="0" err="1"/>
+              <a:rPr lang="fr-FR" sz="1400" dirty="0" err="1" smtClean="0"/>
               <a:t>Shield</a:t>
             </a:r>
             <a:endParaRPr lang="fr-FR" sz="1400" dirty="0" smtClean="0"/>
           </a:p>
           <a:p>
-            <a:pPr marL="0" indent="0">
+            <a:pPr marL="530352" lvl="1" indent="0">
               <a:buNone/>
             </a:pPr>
             <a:r>
@@ -5146,8 +5375,23 @@
             </a:r>
             <a:r>
               <a:rPr lang="fr-FR" sz="1400" dirty="0" smtClean="0"/>
-              <a:t>-écran</a:t>
-            </a:r>
+              <a:t>-Câble Grove</a:t>
+            </a:r>
+            <a:endParaRPr lang="fr-FR" sz="1400" dirty="0" smtClean="0"/>
+          </a:p>
+          <a:p>
+            <a:pPr marL="0" indent="0">
+              <a:buNone/>
+            </a:pPr>
+            <a:r>
+              <a:rPr lang="fr-FR" sz="1400" dirty="0"/>
+              <a:t>	</a:t>
+            </a:r>
+            <a:r>
+              <a:rPr lang="fr-FR" sz="1400" dirty="0" smtClean="0"/>
+              <a:t>-Ecran</a:t>
+            </a:r>
+            <a:endParaRPr lang="fr-FR" sz="1400" dirty="0" smtClean="0"/>
           </a:p>
           <a:p>
             <a:pPr marL="0" indent="0">
@@ -5159,7 +5403,7 @@
             </a:r>
             <a:r>
               <a:rPr lang="fr-FR" sz="1400" dirty="0" smtClean="0"/>
-              <a:t>FSR402</a:t>
+              <a:t>FSR402 </a:t>
             </a:r>
             <a:endParaRPr lang="fr-FR" sz="1400" dirty="0" smtClean="0"/>
           </a:p>
@@ -5228,6 +5472,14 @@
               <a:srgbClr val="0070C0"/>
             </a:solidFill>
           </a:ln>
+          <a:effectLst>
+            <a:glow rad="63500">
+              <a:schemeClr val="accent1">
+                <a:satMod val="175000"/>
+                <a:alpha val="40000"/>
+              </a:schemeClr>
+            </a:glow>
+          </a:effectLst>
           <a:extLst>
             <a:ext uri="{909E8E84-426E-40DD-AFC4-6F175D3DCCD1}">
               <a14:hiddenFill xmlns:a14="http://schemas.microsoft.com/office/drawing/2010/main">
@@ -5272,6 +5524,14 @@
               <a:srgbClr val="0070C0"/>
             </a:solidFill>
           </a:ln>
+          <a:effectLst>
+            <a:glow rad="63500">
+              <a:schemeClr val="accent1">
+                <a:satMod val="175000"/>
+                <a:alpha val="40000"/>
+              </a:schemeClr>
+            </a:glow>
+          </a:effectLst>
           <a:extLst>
             <a:ext uri="{909E8E84-426E-40DD-AFC4-6F175D3DCCD1}">
               <a14:hiddenFill xmlns:a14="http://schemas.microsoft.com/office/drawing/2010/main">
@@ -5318,6 +5578,14 @@
               <a:srgbClr val="0070C0"/>
             </a:solidFill>
           </a:ln>
+          <a:effectLst>
+            <a:glow rad="63500">
+              <a:schemeClr val="accent1">
+                <a:satMod val="175000"/>
+                <a:alpha val="40000"/>
+              </a:schemeClr>
+            </a:glow>
+          </a:effectLst>
           <a:extLst>
             <a:ext uri="{909E8E84-426E-40DD-AFC4-6F175D3DCCD1}">
               <a14:hiddenFill xmlns:a14="http://schemas.microsoft.com/office/drawing/2010/main">
@@ -5364,6 +5632,14 @@
               <a:srgbClr val="0070C0"/>
             </a:solidFill>
           </a:ln>
+          <a:effectLst>
+            <a:glow rad="63500">
+              <a:schemeClr val="accent1">
+                <a:satMod val="175000"/>
+                <a:alpha val="40000"/>
+              </a:schemeClr>
+            </a:glow>
+          </a:effectLst>
           <a:extLst>
             <a:ext uri="{909E8E84-426E-40DD-AFC4-6F175D3DCCD1}">
               <a14:hiddenFill xmlns:a14="http://schemas.microsoft.com/office/drawing/2010/main">
@@ -5385,6 +5661,16 @@
   <p:clrMapOvr>
     <a:masterClrMapping/>
   </p:clrMapOvr>
+  <p:transition spd="slow">
+    <p:push dir="u"/>
+  </p:transition>
+  <p:timing>
+    <p:tnLst>
+      <p:par>
+        <p:cTn id="1" dur="indefinite" restart="never" nodeType="tmRoot"/>
+      </p:par>
+    </p:tnLst>
+  </p:timing>
 </p:sld>
 </file>
 
@@ -5417,8 +5703,8 @@
         </p:nvSpPr>
         <p:spPr>
           <a:xfrm>
-            <a:off x="1371599" y="372291"/>
-            <a:ext cx="9601200" cy="672738"/>
+            <a:off x="1295400" y="373692"/>
+            <a:ext cx="9601200" cy="733425"/>
           </a:xfrm>
         </p:spPr>
         <p:txBody>
@@ -5428,27 +5714,71 @@
           <a:lstStyle/>
           <a:p>
             <a:r>
-              <a:rPr lang="fr-FR" i="1" dirty="0"/>
-              <a:t>L’</a:t>
-            </a:r>
-            <a:r>
-              <a:rPr lang="fr-FR" i="1" dirty="0" err="1"/>
-              <a:t>Algorigramme</a:t>
-            </a:r>
-            <a:r>
-              <a:rPr lang="fr-FR" i="1" dirty="0"/>
-              <a:t> des Systèmes</a:t>
-            </a:r>
-            <a:br>
-              <a:rPr lang="fr-FR" i="1" dirty="0"/>
-            </a:br>
-            <a:r>
               <a:rPr lang="fr-FR" dirty="0"/>
-              <a:t/>
+              <a:t>Validation des Choix</a:t>
             </a:r>
             <a:br>
               <a:rPr lang="fr-FR" dirty="0"/>
             </a:br>
+            <a:endParaRPr lang="fr-FR" dirty="0"/>
+          </a:p>
+        </p:txBody>
+      </p:sp>
+      <p:sp>
+        <p:nvSpPr>
+          <p:cNvPr id="3" name="Espace réservé du contenu 2"/>
+          <p:cNvSpPr>
+            <a:spLocks noGrp="1"/>
+          </p:cNvSpPr>
+          <p:nvPr>
+            <p:ph idx="1"/>
+          </p:nvPr>
+        </p:nvSpPr>
+        <p:spPr>
+          <a:xfrm>
+            <a:off x="742547" y="1133146"/>
+            <a:ext cx="11553826" cy="923925"/>
+          </a:xfrm>
+        </p:spPr>
+        <p:txBody>
+          <a:bodyPr>
+            <a:normAutofit/>
+          </a:bodyPr>
+          <a:lstStyle/>
+          <a:p>
+            <a:r>
+              <a:rPr lang="fr-FR" dirty="0" smtClean="0"/>
+              <a:t>Compactibilité (donnés fiable de wiki.seeedstudio.com)</a:t>
+            </a:r>
+          </a:p>
+          <a:p>
+            <a:pPr marL="0" indent="0">
+              <a:buNone/>
+            </a:pPr>
+            <a:r>
+              <a:rPr lang="fr-FR" dirty="0" smtClean="0"/>
+              <a:t>Carte </a:t>
+            </a:r>
+            <a:r>
+              <a:rPr lang="fr-FR" dirty="0" err="1" smtClean="0"/>
+              <a:t>Arduino</a:t>
+            </a:r>
+            <a:r>
+              <a:rPr lang="fr-FR" dirty="0" smtClean="0"/>
+              <a:t> 			Grove Base </a:t>
+            </a:r>
+            <a:r>
+              <a:rPr lang="fr-FR" dirty="0" err="1" smtClean="0"/>
+              <a:t>Shield</a:t>
+            </a:r>
+            <a:r>
+              <a:rPr lang="fr-FR" dirty="0" smtClean="0"/>
+              <a:t>	Ecran LCD RGB	         Round Force </a:t>
+            </a:r>
+            <a:r>
+              <a:rPr lang="fr-FR" dirty="0" err="1" smtClean="0"/>
+              <a:t>Sensor</a:t>
+            </a:r>
             <a:endParaRPr lang="fr-FR" dirty="0"/>
           </a:p>
         </p:txBody>
@@ -5461,37 +5791,208 @@
           </p:cNvPicPr>
           <p:nvPr/>
         </p:nvPicPr>
-        <p:blipFill rotWithShape="1">
-          <a:blip r:embed="rId2">
-            <a:extLst>
-              <a:ext uri="{28A0092B-C50C-407E-A947-70E740481C1C}">
-                <a14:useLocalDpi xmlns:a14="http://schemas.microsoft.com/office/drawing/2010/main" val="0"/>
-              </a:ext>
-            </a:extLst>
-          </a:blip>
-          <a:srcRect l="21402" t="5754" r="24625" b="3932"/>
-          <a:stretch/>
+        <p:blipFill>
+          <a:blip r:embed="rId2"/>
+          <a:stretch>
+            <a:fillRect/>
+          </a:stretch>
         </p:blipFill>
         <p:spPr>
           <a:xfrm>
-            <a:off x="1952624" y="952499"/>
-            <a:ext cx="4924425" cy="5829301"/>
+            <a:off x="4566591" y="2781341"/>
+            <a:ext cx="1952869" cy="3004002"/>
           </a:xfrm>
           <a:prstGeom prst="rect">
             <a:avLst/>
           </a:prstGeom>
+          <a:ln w="28575">
+            <a:solidFill>
+              <a:srgbClr val="0070C0"/>
+            </a:solidFill>
+          </a:ln>
+          <a:effectLst>
+            <a:glow rad="63500">
+              <a:schemeClr val="accent1">
+                <a:satMod val="175000"/>
+                <a:alpha val="40000"/>
+              </a:schemeClr>
+            </a:glow>
+          </a:effectLst>
+        </p:spPr>
+      </p:pic>
+      <p:sp>
+        <p:nvSpPr>
+          <p:cNvPr id="5" name="ZoneTexte 4"/>
+          <p:cNvSpPr txBox="1"/>
+          <p:nvPr/>
+        </p:nvSpPr>
+        <p:spPr>
+          <a:xfrm>
+            <a:off x="4304775" y="2043603"/>
+            <a:ext cx="2476500" cy="523220"/>
+          </a:xfrm>
+          <a:prstGeom prst="rect">
+            <a:avLst/>
+          </a:prstGeom>
+          <a:noFill/>
+        </p:spPr>
+        <p:txBody>
+          <a:bodyPr wrap="square" rtlCol="0">
+            <a:spAutoFit/>
+          </a:bodyPr>
+          <a:lstStyle/>
+          <a:p>
+            <a:r>
+              <a:rPr lang="fr-FR" sz="1400" dirty="0" smtClean="0"/>
+              <a:t>Tester et est compatibles avec tout les Carte </a:t>
+            </a:r>
+            <a:r>
+              <a:rPr lang="fr-FR" sz="1400" dirty="0" err="1" smtClean="0"/>
+              <a:t>Arduino</a:t>
+            </a:r>
+            <a:r>
+              <a:rPr lang="fr-FR" sz="1400" dirty="0" smtClean="0"/>
+              <a:t> </a:t>
+            </a:r>
+            <a:r>
+              <a:rPr lang="fr-FR" sz="1400" dirty="0" err="1" smtClean="0"/>
+              <a:t>Uno</a:t>
+            </a:r>
+            <a:endParaRPr lang="fr-FR" sz="1400" dirty="0"/>
+          </a:p>
+        </p:txBody>
+      </p:sp>
+      <p:pic>
+        <p:nvPicPr>
+          <p:cNvPr id="6" name="Image 5"/>
+          <p:cNvPicPr>
+            <a:picLocks noChangeAspect="1"/>
+          </p:cNvPicPr>
+          <p:nvPr/>
+        </p:nvPicPr>
+        <p:blipFill>
+          <a:blip r:embed="rId3"/>
+          <a:stretch>
+            <a:fillRect/>
+          </a:stretch>
+        </p:blipFill>
+        <p:spPr>
+          <a:xfrm>
+            <a:off x="767320" y="2206925"/>
+            <a:ext cx="3409777" cy="3933060"/>
+          </a:xfrm>
+          <a:prstGeom prst="rect">
+            <a:avLst/>
+          </a:prstGeom>
+          <a:ln w="19050">
+            <a:solidFill>
+              <a:srgbClr val="0070C0"/>
+            </a:solidFill>
+          </a:ln>
+          <a:effectLst>
+            <a:glow rad="63500">
+              <a:schemeClr val="accent1">
+                <a:satMod val="175000"/>
+                <a:alpha val="40000"/>
+              </a:schemeClr>
+            </a:glow>
+          </a:effectLst>
+        </p:spPr>
+      </p:pic>
+      <p:pic>
+        <p:nvPicPr>
+          <p:cNvPr id="7" name="Image 6"/>
+          <p:cNvPicPr>
+            <a:picLocks noChangeAspect="1"/>
+          </p:cNvPicPr>
+          <p:nvPr/>
+        </p:nvPicPr>
+        <p:blipFill>
+          <a:blip r:embed="rId4"/>
+          <a:stretch>
+            <a:fillRect/>
+          </a:stretch>
+        </p:blipFill>
+        <p:spPr>
+          <a:xfrm>
+            <a:off x="7112856" y="2206925"/>
+            <a:ext cx="1940305" cy="3223775"/>
+          </a:xfrm>
+          <a:prstGeom prst="rect">
+            <a:avLst/>
+          </a:prstGeom>
+          <a:ln w="28575">
+            <a:solidFill>
+              <a:srgbClr val="0070C0"/>
+            </a:solidFill>
+          </a:ln>
+          <a:effectLst>
+            <a:glow rad="63500">
+              <a:schemeClr val="accent1">
+                <a:satMod val="175000"/>
+                <a:alpha val="40000"/>
+              </a:schemeClr>
+            </a:glow>
+          </a:effectLst>
+        </p:spPr>
+      </p:pic>
+      <p:pic>
+        <p:nvPicPr>
+          <p:cNvPr id="8" name="Image 7"/>
+          <p:cNvPicPr>
+            <a:picLocks noChangeAspect="1"/>
+          </p:cNvPicPr>
+          <p:nvPr/>
+        </p:nvPicPr>
+        <p:blipFill>
+          <a:blip r:embed="rId5"/>
+          <a:stretch>
+            <a:fillRect/>
+          </a:stretch>
+        </p:blipFill>
+        <p:spPr>
+          <a:xfrm>
+            <a:off x="9286401" y="2206925"/>
+            <a:ext cx="2781774" cy="4215932"/>
+          </a:xfrm>
+          <a:prstGeom prst="rect">
+            <a:avLst/>
+          </a:prstGeom>
+          <a:ln w="28575">
+            <a:solidFill>
+              <a:srgbClr val="0070C0"/>
+            </a:solidFill>
+          </a:ln>
+          <a:effectLst>
+            <a:glow rad="63500">
+              <a:schemeClr val="accent1">
+                <a:satMod val="175000"/>
+                <a:alpha val="40000"/>
+              </a:schemeClr>
+            </a:glow>
+          </a:effectLst>
         </p:spPr>
       </p:pic>
     </p:spTree>
     <p:extLst>
       <p:ext uri="{BB962C8B-B14F-4D97-AF65-F5344CB8AC3E}">
-        <p14:creationId xmlns:p14="http://schemas.microsoft.com/office/powerpoint/2010/main" val="1304986771"/>
+        <p14:creationId xmlns:p14="http://schemas.microsoft.com/office/powerpoint/2010/main" val="731175831"/>
       </p:ext>
     </p:extLst>
   </p:cSld>
   <p:clrMapOvr>
     <a:masterClrMapping/>
   </p:clrMapOvr>
+  <p:transition spd="slow">
+    <p:push dir="u"/>
+  </p:transition>
+  <p:timing>
+    <p:tnLst>
+      <p:par>
+        <p:cTn id="1" dur="indefinite" restart="never" nodeType="tmRoot"/>
+      </p:par>
+    </p:tnLst>
+  </p:timing>
 </p:sld>
 </file>
 

--- a/Notes/Presentation-Borui.pptx
+++ b/Notes/Presentation-Borui.pptx
@@ -13,9 +13,10 @@
     <p:sldId id="260" r:id="rId7"/>
     <p:sldId id="261" r:id="rId8"/>
     <p:sldId id="265" r:id="rId9"/>
-    <p:sldId id="266" r:id="rId10"/>
-    <p:sldId id="263" r:id="rId11"/>
-    <p:sldId id="262" r:id="rId12"/>
+    <p:sldId id="267" r:id="rId10"/>
+    <p:sldId id="266" r:id="rId11"/>
+    <p:sldId id="263" r:id="rId12"/>
+    <p:sldId id="262" r:id="rId13"/>
   </p:sldIdLst>
   <p:sldSz cx="12192000" cy="6858000"/>
   <p:notesSz cx="6858000" cy="9144000"/>
@@ -3916,13 +3917,13 @@
   <p:clrMapOvr>
     <a:masterClrMapping/>
   </p:clrMapOvr>
-  <mc:AlternateContent xmlns:mc="http://schemas.openxmlformats.org/markup-compatibility/2006">
-    <mc:Choice xmlns:p14="http://schemas.microsoft.com/office/powerpoint/2010/main" Requires="p14">
+  <mc:AlternateContent xmlns:mc="http://schemas.openxmlformats.org/markup-compatibility/2006" xmlns:p14="http://schemas.microsoft.com/office/powerpoint/2010/main">
+    <mc:Choice Requires="p14">
       <p:transition spd="med" p14:dur="700">
         <p:fade/>
       </p:transition>
     </mc:Choice>
-    <mc:Fallback>
+    <mc:Fallback xmlns="">
       <p:transition spd="med">
         <p:fade/>
       </p:transition>
@@ -3967,6 +3968,328 @@
         </p:nvSpPr>
         <p:spPr>
           <a:xfrm>
+            <a:off x="1295400" y="373692"/>
+            <a:ext cx="9601200" cy="733425"/>
+          </a:xfrm>
+        </p:spPr>
+        <p:txBody>
+          <a:bodyPr>
+            <a:normAutofit fontScale="90000"/>
+          </a:bodyPr>
+          <a:lstStyle/>
+          <a:p>
+            <a:r>
+              <a:rPr lang="fr-FR" dirty="0"/>
+              <a:t>Validation des Choix</a:t>
+            </a:r>
+            <a:br>
+              <a:rPr lang="fr-FR" dirty="0"/>
+            </a:br>
+            <a:endParaRPr lang="fr-FR" dirty="0"/>
+          </a:p>
+        </p:txBody>
+      </p:sp>
+      <p:sp>
+        <p:nvSpPr>
+          <p:cNvPr id="3" name="Espace réservé du contenu 2"/>
+          <p:cNvSpPr>
+            <a:spLocks noGrp="1"/>
+          </p:cNvSpPr>
+          <p:nvPr>
+            <p:ph idx="1"/>
+          </p:nvPr>
+        </p:nvSpPr>
+        <p:spPr>
+          <a:xfrm>
+            <a:off x="742547" y="1133146"/>
+            <a:ext cx="11553826" cy="923925"/>
+          </a:xfrm>
+        </p:spPr>
+        <p:txBody>
+          <a:bodyPr>
+            <a:normAutofit/>
+          </a:bodyPr>
+          <a:lstStyle/>
+          <a:p>
+            <a:r>
+              <a:rPr lang="fr-FR" dirty="0" smtClean="0"/>
+              <a:t>Compactibilité (donnés fiable de wiki.seeedstudio.com)</a:t>
+            </a:r>
+          </a:p>
+          <a:p>
+            <a:pPr marL="0" indent="0">
+              <a:buNone/>
+            </a:pPr>
+            <a:r>
+              <a:rPr lang="fr-FR" dirty="0" smtClean="0"/>
+              <a:t>Carte </a:t>
+            </a:r>
+            <a:r>
+              <a:rPr lang="fr-FR" dirty="0" err="1" smtClean="0"/>
+              <a:t>Arduino</a:t>
+            </a:r>
+            <a:r>
+              <a:rPr lang="fr-FR" dirty="0" smtClean="0"/>
+              <a:t> 			Grove Base </a:t>
+            </a:r>
+            <a:r>
+              <a:rPr lang="fr-FR" dirty="0" err="1" smtClean="0"/>
+              <a:t>Shield</a:t>
+            </a:r>
+            <a:r>
+              <a:rPr lang="fr-FR" dirty="0" smtClean="0"/>
+              <a:t>	Ecran LCD RGB	         Round Force </a:t>
+            </a:r>
+            <a:r>
+              <a:rPr lang="fr-FR" dirty="0" err="1" smtClean="0"/>
+              <a:t>Sensor</a:t>
+            </a:r>
+            <a:endParaRPr lang="fr-FR" dirty="0"/>
+          </a:p>
+        </p:txBody>
+      </p:sp>
+      <p:pic>
+        <p:nvPicPr>
+          <p:cNvPr id="4" name="Image 3"/>
+          <p:cNvPicPr>
+            <a:picLocks noChangeAspect="1"/>
+          </p:cNvPicPr>
+          <p:nvPr/>
+        </p:nvPicPr>
+        <p:blipFill>
+          <a:blip r:embed="rId2"/>
+          <a:stretch>
+            <a:fillRect/>
+          </a:stretch>
+        </p:blipFill>
+        <p:spPr>
+          <a:xfrm>
+            <a:off x="4566591" y="2781341"/>
+            <a:ext cx="1952869" cy="3004002"/>
+          </a:xfrm>
+          <a:prstGeom prst="rect">
+            <a:avLst/>
+          </a:prstGeom>
+          <a:ln w="28575">
+            <a:solidFill>
+              <a:srgbClr val="0070C0"/>
+            </a:solidFill>
+          </a:ln>
+          <a:effectLst>
+            <a:glow rad="63500">
+              <a:schemeClr val="accent1">
+                <a:satMod val="175000"/>
+                <a:alpha val="40000"/>
+              </a:schemeClr>
+            </a:glow>
+          </a:effectLst>
+        </p:spPr>
+      </p:pic>
+      <p:sp>
+        <p:nvSpPr>
+          <p:cNvPr id="5" name="ZoneTexte 4"/>
+          <p:cNvSpPr txBox="1"/>
+          <p:nvPr/>
+        </p:nvSpPr>
+        <p:spPr>
+          <a:xfrm>
+            <a:off x="4304775" y="2043603"/>
+            <a:ext cx="2476500" cy="523220"/>
+          </a:xfrm>
+          <a:prstGeom prst="rect">
+            <a:avLst/>
+          </a:prstGeom>
+          <a:noFill/>
+        </p:spPr>
+        <p:txBody>
+          <a:bodyPr wrap="square" rtlCol="0">
+            <a:spAutoFit/>
+          </a:bodyPr>
+          <a:lstStyle/>
+          <a:p>
+            <a:r>
+              <a:rPr lang="fr-FR" sz="1400" dirty="0" smtClean="0"/>
+              <a:t>Tester et est compatibles avec tout les Carte </a:t>
+            </a:r>
+            <a:r>
+              <a:rPr lang="fr-FR" sz="1400" dirty="0" err="1" smtClean="0"/>
+              <a:t>Arduino</a:t>
+            </a:r>
+            <a:r>
+              <a:rPr lang="fr-FR" sz="1400" dirty="0" smtClean="0"/>
+              <a:t> </a:t>
+            </a:r>
+            <a:r>
+              <a:rPr lang="fr-FR" sz="1400" dirty="0" err="1" smtClean="0"/>
+              <a:t>Uno</a:t>
+            </a:r>
+            <a:endParaRPr lang="fr-FR" sz="1400" dirty="0"/>
+          </a:p>
+        </p:txBody>
+      </p:sp>
+      <p:pic>
+        <p:nvPicPr>
+          <p:cNvPr id="6" name="Image 5"/>
+          <p:cNvPicPr>
+            <a:picLocks noChangeAspect="1"/>
+          </p:cNvPicPr>
+          <p:nvPr/>
+        </p:nvPicPr>
+        <p:blipFill>
+          <a:blip r:embed="rId3"/>
+          <a:stretch>
+            <a:fillRect/>
+          </a:stretch>
+        </p:blipFill>
+        <p:spPr>
+          <a:xfrm>
+            <a:off x="767320" y="2206925"/>
+            <a:ext cx="3409777" cy="3933060"/>
+          </a:xfrm>
+          <a:prstGeom prst="rect">
+            <a:avLst/>
+          </a:prstGeom>
+          <a:ln w="19050">
+            <a:solidFill>
+              <a:srgbClr val="0070C0"/>
+            </a:solidFill>
+          </a:ln>
+          <a:effectLst>
+            <a:glow rad="63500">
+              <a:schemeClr val="accent1">
+                <a:satMod val="175000"/>
+                <a:alpha val="40000"/>
+              </a:schemeClr>
+            </a:glow>
+          </a:effectLst>
+        </p:spPr>
+      </p:pic>
+      <p:pic>
+        <p:nvPicPr>
+          <p:cNvPr id="7" name="Image 6"/>
+          <p:cNvPicPr>
+            <a:picLocks noChangeAspect="1"/>
+          </p:cNvPicPr>
+          <p:nvPr/>
+        </p:nvPicPr>
+        <p:blipFill>
+          <a:blip r:embed="rId4"/>
+          <a:stretch>
+            <a:fillRect/>
+          </a:stretch>
+        </p:blipFill>
+        <p:spPr>
+          <a:xfrm>
+            <a:off x="7112856" y="2206925"/>
+            <a:ext cx="1940305" cy="3223775"/>
+          </a:xfrm>
+          <a:prstGeom prst="rect">
+            <a:avLst/>
+          </a:prstGeom>
+          <a:ln w="28575">
+            <a:solidFill>
+              <a:srgbClr val="0070C0"/>
+            </a:solidFill>
+          </a:ln>
+          <a:effectLst>
+            <a:glow rad="63500">
+              <a:schemeClr val="accent1">
+                <a:satMod val="175000"/>
+                <a:alpha val="40000"/>
+              </a:schemeClr>
+            </a:glow>
+          </a:effectLst>
+        </p:spPr>
+      </p:pic>
+      <p:pic>
+        <p:nvPicPr>
+          <p:cNvPr id="8" name="Image 7"/>
+          <p:cNvPicPr>
+            <a:picLocks noChangeAspect="1"/>
+          </p:cNvPicPr>
+          <p:nvPr/>
+        </p:nvPicPr>
+        <p:blipFill>
+          <a:blip r:embed="rId5"/>
+          <a:stretch>
+            <a:fillRect/>
+          </a:stretch>
+        </p:blipFill>
+        <p:spPr>
+          <a:xfrm>
+            <a:off x="9286401" y="2206925"/>
+            <a:ext cx="2781774" cy="4215932"/>
+          </a:xfrm>
+          <a:prstGeom prst="rect">
+            <a:avLst/>
+          </a:prstGeom>
+          <a:ln w="28575">
+            <a:solidFill>
+              <a:srgbClr val="0070C0"/>
+            </a:solidFill>
+          </a:ln>
+          <a:effectLst>
+            <a:glow rad="63500">
+              <a:schemeClr val="accent1">
+                <a:satMod val="175000"/>
+                <a:alpha val="40000"/>
+              </a:schemeClr>
+            </a:glow>
+          </a:effectLst>
+        </p:spPr>
+      </p:pic>
+    </p:spTree>
+    <p:extLst>
+      <p:ext uri="{BB962C8B-B14F-4D97-AF65-F5344CB8AC3E}">
+        <p14:creationId xmlns:p14="http://schemas.microsoft.com/office/powerpoint/2010/main" val="731175831"/>
+      </p:ext>
+    </p:extLst>
+  </p:cSld>
+  <p:clrMapOvr>
+    <a:masterClrMapping/>
+  </p:clrMapOvr>
+  <p:transition spd="slow">
+    <p:push dir="u"/>
+  </p:transition>
+  <p:timing>
+    <p:tnLst>
+      <p:par>
+        <p:cTn id="1" dur="indefinite" restart="never" nodeType="tmRoot"/>
+      </p:par>
+    </p:tnLst>
+  </p:timing>
+</p:sld>
+</file>
+
+<file path=ppt/slides/slide11.xml><?xml version="1.0" encoding="utf-8"?>
+<p:sld xmlns:a="http://schemas.openxmlformats.org/drawingml/2006/main" xmlns:r="http://schemas.openxmlformats.org/officeDocument/2006/relationships" xmlns:p="http://schemas.openxmlformats.org/presentationml/2006/main">
+  <p:cSld>
+    <p:spTree>
+      <p:nvGrpSpPr>
+        <p:cNvPr id="1" name=""/>
+        <p:cNvGrpSpPr/>
+        <p:nvPr/>
+      </p:nvGrpSpPr>
+      <p:grpSpPr>
+        <a:xfrm>
+          <a:off x="0" y="0"/>
+          <a:ext cx="0" cy="0"/>
+          <a:chOff x="0" y="0"/>
+          <a:chExt cx="0" cy="0"/>
+        </a:xfrm>
+      </p:grpSpPr>
+      <p:sp>
+        <p:nvSpPr>
+          <p:cNvPr id="2" name="Titre 1"/>
+          <p:cNvSpPr>
+            <a:spLocks noGrp="1"/>
+          </p:cNvSpPr>
+          <p:nvPr>
+            <p:ph type="title"/>
+          </p:nvPr>
+        </p:nvSpPr>
+        <p:spPr>
+          <a:xfrm>
             <a:off x="1371599" y="372291"/>
             <a:ext cx="9601200" cy="672738"/>
           </a:xfrm>
@@ -4055,7 +4378,7 @@
 </p:sld>
 </file>
 
-<file path=ppt/slides/slide11.xml><?xml version="1.0" encoding="utf-8"?>
+<file path=ppt/slides/slide12.xml><?xml version="1.0" encoding="utf-8"?>
 <p:sld xmlns:a="http://schemas.openxmlformats.org/drawingml/2006/main" xmlns:r="http://schemas.openxmlformats.org/officeDocument/2006/relationships" xmlns:p="http://schemas.openxmlformats.org/presentationml/2006/main">
   <p:cSld>
     <p:spTree>
@@ -4242,11 +4565,7 @@
             </a:r>
             <a:r>
               <a:rPr lang="fr-FR" dirty="0"/>
-              <a:t>et </a:t>
-            </a:r>
-            <a:r>
-              <a:rPr lang="fr-FR" dirty="0"/>
-              <a:t>M</a:t>
+              <a:t>et M</a:t>
             </a:r>
             <a:r>
               <a:rPr lang="fr-FR" dirty="0" smtClean="0"/>
@@ -4277,7 +4596,6 @@
               <a:rPr lang="fr-FR" i="1" dirty="0" smtClean="0"/>
               <a:t>Systèmes</a:t>
             </a:r>
-            <a:endParaRPr lang="fr-FR" i="1" dirty="0" smtClean="0"/>
           </a:p>
           <a:p>
             <a:r>
@@ -4301,13 +4619,13 @@
   <p:clrMapOvr>
     <a:masterClrMapping/>
   </p:clrMapOvr>
-  <mc:AlternateContent xmlns:mc="http://schemas.openxmlformats.org/markup-compatibility/2006">
-    <mc:Choice xmlns:p14="http://schemas.microsoft.com/office/powerpoint/2010/main" Requires="p14">
+  <mc:AlternateContent xmlns:mc="http://schemas.openxmlformats.org/markup-compatibility/2006" xmlns:p14="http://schemas.microsoft.com/office/powerpoint/2010/main">
+    <mc:Choice Requires="p14">
       <p:transition spd="slow">
         <p14:reveal/>
       </p:transition>
     </mc:Choice>
-    <mc:Fallback>
+    <mc:Fallback xmlns="">
       <p:transition spd="slow">
         <p:fade/>
       </p:transition>
@@ -5281,57 +5599,126 @@
             <p:ph type="title"/>
           </p:nvPr>
         </p:nvSpPr>
-        <p:spPr/>
+        <p:spPr>
+          <a:xfrm>
+            <a:off x="1119051" y="381000"/>
+            <a:ext cx="10959738" cy="646611"/>
+          </a:xfrm>
+        </p:spPr>
+        <p:txBody>
+          <a:bodyPr>
+            <a:normAutofit fontScale="90000"/>
+          </a:bodyPr>
+          <a:lstStyle/>
+          <a:p>
+            <a:r>
+              <a:rPr lang="fr-FR" dirty="0" smtClean="0"/>
+              <a:t>Choix, Solution, logicielle et </a:t>
+            </a:r>
+            <a:r>
+              <a:rPr lang="fr-FR" dirty="0" smtClean="0"/>
+              <a:t>matérielle 1 : </a:t>
+            </a:r>
+            <a:r>
+              <a:rPr lang="fr-FR" dirty="0" smtClean="0">
+                <a:effectLst>
+                  <a:outerShdw blurRad="38100" dist="38100" dir="2700000" algn="tl">
+                    <a:srgbClr val="000000">
+                      <a:alpha val="43137"/>
+                    </a:srgbClr>
+                  </a:outerShdw>
+                </a:effectLst>
+              </a:rPr>
+              <a:t>Rejeter</a:t>
+            </a:r>
+            <a:endParaRPr lang="fr-FR" dirty="0">
+              <a:effectLst>
+                <a:outerShdw blurRad="38100" dist="38100" dir="2700000" algn="tl">
+                  <a:srgbClr val="000000">
+                    <a:alpha val="43137"/>
+                  </a:srgbClr>
+                </a:outerShdw>
+              </a:effectLst>
+            </a:endParaRPr>
+          </a:p>
+        </p:txBody>
+      </p:sp>
+      <p:sp>
+        <p:nvSpPr>
+          <p:cNvPr id="3" name="Espace réservé du contenu 2"/>
+          <p:cNvSpPr>
+            <a:spLocks noGrp="1"/>
+          </p:cNvSpPr>
+          <p:nvPr>
+            <p:ph idx="1"/>
+          </p:nvPr>
+        </p:nvSpPr>
+        <p:spPr>
+          <a:xfrm>
+            <a:off x="1275805" y="1449977"/>
+            <a:ext cx="9601200" cy="3581400"/>
+          </a:xfrm>
+        </p:spPr>
         <p:txBody>
           <a:bodyPr/>
           <a:lstStyle/>
           <a:p>
             <a:r>
               <a:rPr lang="fr-FR" dirty="0" smtClean="0"/>
-              <a:t>Choix, Solution, logicielle et matérielle</a:t>
-            </a:r>
-            <a:endParaRPr lang="fr-FR" dirty="0"/>
-          </a:p>
-        </p:txBody>
-      </p:sp>
-      <p:sp>
-        <p:nvSpPr>
-          <p:cNvPr id="3" name="Espace réservé du contenu 2"/>
-          <p:cNvSpPr>
-            <a:spLocks noGrp="1"/>
-          </p:cNvSpPr>
-          <p:nvPr>
-            <p:ph idx="1"/>
-          </p:nvPr>
-        </p:nvSpPr>
-        <p:spPr>
-          <a:xfrm>
-            <a:off x="1301931" y="1798320"/>
-            <a:ext cx="9601200" cy="3581400"/>
-          </a:xfrm>
-        </p:spPr>
-        <p:txBody>
-          <a:bodyPr/>
-          <a:lstStyle/>
-          <a:p>
+              <a:t>Logicielle prévu </a:t>
+            </a:r>
             <a:r>
               <a:rPr lang="fr-FR" dirty="0" smtClean="0"/>
-              <a:t>Logicielle : </a:t>
-            </a:r>
-            <a:r>
-              <a:rPr lang="fr-FR" dirty="0" err="1" smtClean="0"/>
-              <a:t>arduino</a:t>
-            </a:r>
+              <a:t>: </a:t>
+            </a:r>
+            <a:r>
+              <a:rPr lang="fr-FR" dirty="0" err="1" smtClean="0">
+                <a:hlinkClick r:id="rId2"/>
+              </a:rPr>
+              <a:t>Microbit</a:t>
+            </a:r>
+            <a:r>
+              <a:rPr lang="fr-FR" dirty="0" smtClean="0">
+                <a:hlinkClick r:id="rId2"/>
+              </a:rPr>
+              <a:t> Python Editor</a:t>
+            </a:r>
+            <a:endParaRPr lang="fr-FR" dirty="0" smtClean="0"/>
+          </a:p>
+          <a:p>
             <a:r>
               <a:rPr lang="fr-FR" dirty="0" smtClean="0"/>
-              <a:t> (code)</a:t>
-            </a:r>
+              <a:t>Matériel prévu : Carte </a:t>
+            </a:r>
+            <a:r>
+              <a:rPr lang="fr-FR" smtClean="0"/>
+              <a:t>Microbit</a:t>
+            </a:r>
+            <a:endParaRPr lang="fr-FR" dirty="0" smtClean="0"/>
+          </a:p>
+          <a:p>
+            <a:endParaRPr lang="fr-FR" dirty="0" smtClean="0"/>
           </a:p>
           <a:p>
             <a:r>
               <a:rPr lang="fr-FR" dirty="0" smtClean="0"/>
-              <a:t>Matérielles : </a:t>
-            </a:r>
+              <a:t>Problème rencontrer :</a:t>
+            </a:r>
+          </a:p>
+          <a:p>
+            <a:pPr lvl="1"/>
+            <a:r>
+              <a:rPr lang="fr-FR" dirty="0" smtClean="0"/>
+              <a:t>Incompatibilités des matériaux (capteur)</a:t>
+            </a:r>
+          </a:p>
+          <a:p>
+            <a:pPr lvl="1"/>
+            <a:r>
+              <a:rPr lang="fr-FR" dirty="0" smtClean="0"/>
+              <a:t>Cahier des charges non respecter (écran)</a:t>
+            </a:r>
+            <a:endParaRPr lang="fr-FR" dirty="0" smtClean="0"/>
           </a:p>
           <a:p>
             <a:pPr marL="530352" lvl="1" indent="0">
@@ -5341,316 +5728,10 @@
               <a:rPr lang="fr-FR" dirty="0"/>
               <a:t>	</a:t>
             </a:r>
-            <a:r>
-              <a:rPr lang="fr-FR" sz="1400" dirty="0" smtClean="0"/>
-              <a:t>-Carte </a:t>
-            </a:r>
-            <a:r>
-              <a:rPr lang="fr-FR" sz="1400" dirty="0" err="1" smtClean="0"/>
-              <a:t>Arduino</a:t>
-            </a:r>
             <a:endParaRPr lang="fr-FR" sz="1400" dirty="0" smtClean="0"/>
           </a:p>
-          <a:p>
-            <a:pPr marL="530352" lvl="1" indent="0">
-              <a:buNone/>
-            </a:pPr>
-            <a:r>
-              <a:rPr lang="fr-FR" sz="1400" dirty="0"/>
-              <a:t>	-Grove Base </a:t>
-            </a:r>
-            <a:r>
-              <a:rPr lang="fr-FR" sz="1400" dirty="0" err="1" smtClean="0"/>
-              <a:t>Shield</a:t>
-            </a:r>
-            <a:endParaRPr lang="fr-FR" sz="1400" dirty="0" smtClean="0"/>
-          </a:p>
-          <a:p>
-            <a:pPr marL="530352" lvl="1" indent="0">
-              <a:buNone/>
-            </a:pPr>
-            <a:r>
-              <a:rPr lang="fr-FR" sz="1400" dirty="0"/>
-              <a:t>	</a:t>
-            </a:r>
-            <a:r>
-              <a:rPr lang="fr-FR" sz="1400" dirty="0" smtClean="0"/>
-              <a:t>-Câble Grove</a:t>
-            </a:r>
-            <a:endParaRPr lang="fr-FR" sz="1400" dirty="0" smtClean="0"/>
-          </a:p>
-          <a:p>
-            <a:pPr marL="0" indent="0">
-              <a:buNone/>
-            </a:pPr>
-            <a:r>
-              <a:rPr lang="fr-FR" sz="1400" dirty="0"/>
-              <a:t>	</a:t>
-            </a:r>
-            <a:r>
-              <a:rPr lang="fr-FR" sz="1400" dirty="0" smtClean="0"/>
-              <a:t>-Ecran</a:t>
-            </a:r>
-            <a:endParaRPr lang="fr-FR" sz="1400" dirty="0" smtClean="0"/>
-          </a:p>
-          <a:p>
-            <a:pPr marL="0" indent="0">
-              <a:buNone/>
-            </a:pPr>
-            <a:r>
-              <a:rPr lang="fr-FR" sz="1400" dirty="0"/>
-              <a:t>	-Capteur de force Grove </a:t>
-            </a:r>
-            <a:r>
-              <a:rPr lang="fr-FR" sz="1400" dirty="0" smtClean="0"/>
-              <a:t>FSR402 </a:t>
-            </a:r>
-            <a:endParaRPr lang="fr-FR" sz="1400" dirty="0" smtClean="0"/>
-          </a:p>
-        </p:txBody>
-      </p:sp>
-      <p:pic>
-        <p:nvPicPr>
-          <p:cNvPr id="4" name="Image 3"/>
-          <p:cNvPicPr>
-            <a:picLocks noChangeAspect="1"/>
-          </p:cNvPicPr>
-          <p:nvPr/>
-        </p:nvPicPr>
-        <p:blipFill>
-          <a:blip r:embed="rId2" cstate="print">
-            <a:extLst>
-              <a:ext uri="{28A0092B-C50C-407E-A947-70E740481C1C}">
-                <a14:useLocalDpi xmlns:a14="http://schemas.microsoft.com/office/drawing/2010/main" val="0"/>
-              </a:ext>
-            </a:extLst>
-          </a:blip>
-          <a:stretch>
-            <a:fillRect/>
-          </a:stretch>
-        </p:blipFill>
-        <p:spPr>
-          <a:xfrm>
-            <a:off x="4637859" y="1798320"/>
-            <a:ext cx="406581" cy="406581"/>
-          </a:xfrm>
-          <a:prstGeom prst="rect">
-            <a:avLst/>
-          </a:prstGeom>
-        </p:spPr>
-      </p:pic>
-      <p:pic>
-        <p:nvPicPr>
-          <p:cNvPr id="1026" name="Picture 2" descr="https://media-cdn.seeedstudio.com/media/catalog/product/cache/bb49d3ec4ee05b6f018e93f896b8a25d/h/t/httpsstatics3.seeedstudio.comseeedfile2017-11bazaar622825_img_4759a.jpg"/>
-          <p:cNvPicPr>
-            <a:picLocks noChangeAspect="1" noChangeArrowheads="1"/>
-          </p:cNvPicPr>
-          <p:nvPr/>
-        </p:nvPicPr>
-        <p:blipFill rotWithShape="1">
-          <a:blip r:embed="rId3" cstate="print">
-            <a:extLst>
-              <a:ext uri="{28A0092B-C50C-407E-A947-70E740481C1C}">
-                <a14:useLocalDpi xmlns:a14="http://schemas.microsoft.com/office/drawing/2010/main" val="0"/>
-              </a:ext>
-            </a:extLst>
-          </a:blip>
-          <a:srcRect l="4446" t="4446" r="4446" b="4446"/>
-          <a:stretch/>
-        </p:blipFill>
-        <p:spPr bwMode="auto">
-          <a:xfrm>
-            <a:off x="6537373" y="1742395"/>
-            <a:ext cx="2197324" cy="1647994"/>
-          </a:xfrm>
-          <a:prstGeom prst="rect">
-            <a:avLst/>
-          </a:prstGeom>
-          <a:noFill/>
-          <a:ln w="38100">
-            <a:solidFill>
-              <a:srgbClr val="0070C0"/>
-            </a:solidFill>
-          </a:ln>
-          <a:effectLst>
-            <a:glow rad="63500">
-              <a:schemeClr val="accent1">
-                <a:satMod val="175000"/>
-                <a:alpha val="40000"/>
-              </a:schemeClr>
-            </a:glow>
-          </a:effectLst>
-          <a:extLst>
-            <a:ext uri="{909E8E84-426E-40DD-AFC4-6F175D3DCCD1}">
-              <a14:hiddenFill xmlns:a14="http://schemas.microsoft.com/office/drawing/2010/main">
-                <a:solidFill>
-                  <a:srgbClr val="FFFFFF"/>
-                </a:solidFill>
-              </a14:hiddenFill>
-            </a:ext>
-          </a:extLst>
-        </p:spPr>
-      </p:pic>
-      <p:pic>
-        <p:nvPicPr>
-          <p:cNvPr id="1028" name="Picture 4" descr="https://media-cdn.seeedstudio.com/media/catalog/product/cache/bb49d3ec4ee05b6f018e93f896b8a25d/h/t/httpsstatics3.seeedstudio.comseeedimg2016-09ojyc6a5jtrgslqwc5j7gw9ti.jpg"/>
-          <p:cNvPicPr>
-            <a:picLocks noChangeAspect="1" noChangeArrowheads="1"/>
-          </p:cNvPicPr>
-          <p:nvPr/>
-        </p:nvPicPr>
-        <p:blipFill rotWithShape="1">
-          <a:blip r:embed="rId4" cstate="print">
-            <a:extLst>
-              <a:ext uri="{28A0092B-C50C-407E-A947-70E740481C1C}">
-                <a14:useLocalDpi xmlns:a14="http://schemas.microsoft.com/office/drawing/2010/main" val="0"/>
-              </a:ext>
-            </a:extLst>
-          </a:blip>
-          <a:srcRect l="10283" t="6571" r="10283" b="6571"/>
-          <a:stretch/>
-        </p:blipFill>
-        <p:spPr bwMode="auto">
-          <a:xfrm>
-            <a:off x="8999038" y="1628503"/>
-            <a:ext cx="2287270" cy="1875778"/>
-          </a:xfrm>
-          <a:prstGeom prst="rect">
-            <a:avLst/>
-          </a:prstGeom>
-          <a:noFill/>
-          <a:ln w="38100">
-            <a:solidFill>
-              <a:srgbClr val="0070C0"/>
-            </a:solidFill>
-          </a:ln>
-          <a:effectLst>
-            <a:glow rad="63500">
-              <a:schemeClr val="accent1">
-                <a:satMod val="175000"/>
-                <a:alpha val="40000"/>
-              </a:schemeClr>
-            </a:glow>
-          </a:effectLst>
-          <a:extLst>
-            <a:ext uri="{909E8E84-426E-40DD-AFC4-6F175D3DCCD1}">
-              <a14:hiddenFill xmlns:a14="http://schemas.microsoft.com/office/drawing/2010/main">
-                <a:solidFill>
-                  <a:srgbClr val="FFFFFF"/>
-                </a:solidFill>
-              </a14:hiddenFill>
-            </a:ext>
-          </a:extLst>
-        </p:spPr>
-      </p:pic>
-      <p:pic>
-        <p:nvPicPr>
-          <p:cNvPr id="1030" name="Picture 6" descr="pir"/>
-          <p:cNvPicPr>
-            <a:picLocks noChangeAspect="1" noChangeArrowheads="1"/>
-          </p:cNvPicPr>
-          <p:nvPr/>
-        </p:nvPicPr>
-        <p:blipFill>
-          <a:blip r:embed="rId5" cstate="print">
-            <a:extLst>
-              <a:ext uri="{28A0092B-C50C-407E-A947-70E740481C1C}">
-                <a14:useLocalDpi xmlns:a14="http://schemas.microsoft.com/office/drawing/2010/main" val="0"/>
-              </a:ext>
-            </a:extLst>
-          </a:blip>
-          <a:srcRect/>
-          <a:stretch>
-            <a:fillRect/>
-          </a:stretch>
-        </p:blipFill>
-        <p:spPr bwMode="auto">
-          <a:xfrm>
-            <a:off x="6537374" y="3636755"/>
-            <a:ext cx="2197324" cy="1647994"/>
-          </a:xfrm>
-          <a:prstGeom prst="rect">
-            <a:avLst/>
-          </a:prstGeom>
-          <a:noFill/>
-          <a:ln w="38100">
-            <a:solidFill>
-              <a:srgbClr val="0070C0"/>
-            </a:solidFill>
-          </a:ln>
-          <a:effectLst>
-            <a:glow rad="63500">
-              <a:schemeClr val="accent1">
-                <a:satMod val="175000"/>
-                <a:alpha val="40000"/>
-              </a:schemeClr>
-            </a:glow>
-          </a:effectLst>
-          <a:extLst>
-            <a:ext uri="{909E8E84-426E-40DD-AFC4-6F175D3DCCD1}">
-              <a14:hiddenFill xmlns:a14="http://schemas.microsoft.com/office/drawing/2010/main">
-                <a:solidFill>
-                  <a:srgbClr val="FFFFFF"/>
-                </a:solidFill>
-              </a14:hiddenFill>
-            </a:ext>
-          </a:extLst>
-        </p:spPr>
-      </p:pic>
-      <p:pic>
-        <p:nvPicPr>
-          <p:cNvPr id="1032" name="Picture 8" descr="https://media-cdn.seeedstudio.com/media/catalog/product/cache/bb49d3ec4ee05b6f018e93f896b8a25d/h/t/httpsstatics3.seeedstudio.comseeedfile2018-08bazaar896643_3.jpg"/>
-          <p:cNvPicPr>
-            <a:picLocks noChangeAspect="1" noChangeArrowheads="1"/>
-          </p:cNvPicPr>
-          <p:nvPr/>
-        </p:nvPicPr>
-        <p:blipFill>
-          <a:blip r:embed="rId6" cstate="print">
-            <a:extLst>
-              <a:ext uri="{28A0092B-C50C-407E-A947-70E740481C1C}">
-                <a14:useLocalDpi xmlns:a14="http://schemas.microsoft.com/office/drawing/2010/main" val="0"/>
-              </a:ext>
-            </a:extLst>
-          </a:blip>
-          <a:srcRect/>
-          <a:stretch>
-            <a:fillRect/>
-          </a:stretch>
-        </p:blipFill>
-        <p:spPr bwMode="auto">
-          <a:xfrm>
-            <a:off x="8999038" y="3674098"/>
-            <a:ext cx="2287270" cy="1715453"/>
-          </a:xfrm>
-          <a:prstGeom prst="rect">
-            <a:avLst/>
-          </a:prstGeom>
-          <a:noFill/>
-          <a:ln w="38100">
-            <a:solidFill>
-              <a:srgbClr val="0070C0"/>
-            </a:solidFill>
-          </a:ln>
-          <a:effectLst>
-            <a:glow rad="63500">
-              <a:schemeClr val="accent1">
-                <a:satMod val="175000"/>
-                <a:alpha val="40000"/>
-              </a:schemeClr>
-            </a:glow>
-          </a:effectLst>
-          <a:extLst>
-            <a:ext uri="{909E8E84-426E-40DD-AFC4-6F175D3DCCD1}">
-              <a14:hiddenFill xmlns:a14="http://schemas.microsoft.com/office/drawing/2010/main">
-                <a:solidFill>
-                  <a:srgbClr val="FFFFFF"/>
-                </a:solidFill>
-              </a14:hiddenFill>
-            </a:ext>
-          </a:extLst>
-        </p:spPr>
-      </p:pic>
+        </p:txBody>
+      </p:sp>
     </p:spTree>
     <p:extLst>
       <p:ext uri="{BB962C8B-B14F-4D97-AF65-F5344CB8AC3E}">
@@ -5701,54 +5782,101 @@
             <p:ph type="title"/>
           </p:nvPr>
         </p:nvSpPr>
-        <p:spPr>
-          <a:xfrm>
-            <a:off x="1295400" y="373692"/>
-            <a:ext cx="9601200" cy="733425"/>
-          </a:xfrm>
-        </p:spPr>
-        <p:txBody>
-          <a:bodyPr>
-            <a:normAutofit fontScale="90000"/>
-          </a:bodyPr>
+        <p:spPr/>
+        <p:txBody>
+          <a:bodyPr/>
           <a:lstStyle/>
           <a:p>
             <a:r>
+              <a:rPr lang="fr-FR" dirty="0" smtClean="0"/>
+              <a:t>Choix, Solution, logicielle et matérielle</a:t>
+            </a:r>
+            <a:endParaRPr lang="fr-FR" dirty="0"/>
+          </a:p>
+        </p:txBody>
+      </p:sp>
+      <p:sp>
+        <p:nvSpPr>
+          <p:cNvPr id="3" name="Espace réservé du contenu 2"/>
+          <p:cNvSpPr>
+            <a:spLocks noGrp="1"/>
+          </p:cNvSpPr>
+          <p:nvPr>
+            <p:ph idx="1"/>
+          </p:nvPr>
+        </p:nvSpPr>
+        <p:spPr>
+          <a:xfrm>
+            <a:off x="1301931" y="1798320"/>
+            <a:ext cx="9601200" cy="3581400"/>
+          </a:xfrm>
+        </p:spPr>
+        <p:txBody>
+          <a:bodyPr/>
+          <a:lstStyle/>
+          <a:p>
+            <a:r>
+              <a:rPr lang="fr-FR" dirty="0" smtClean="0"/>
+              <a:t>Logicielle : </a:t>
+            </a:r>
+            <a:r>
+              <a:rPr lang="fr-FR" dirty="0" err="1" smtClean="0"/>
+              <a:t>arduino</a:t>
+            </a:r>
+            <a:r>
+              <a:rPr lang="fr-FR" dirty="0" smtClean="0"/>
+              <a:t> (code)</a:t>
+            </a:r>
+          </a:p>
+          <a:p>
+            <a:r>
+              <a:rPr lang="fr-FR" dirty="0" smtClean="0"/>
+              <a:t>Matérielles : </a:t>
+            </a:r>
+          </a:p>
+          <a:p>
+            <a:pPr marL="530352" lvl="1" indent="0">
+              <a:buNone/>
+            </a:pPr>
+            <a:r>
               <a:rPr lang="fr-FR" dirty="0"/>
-              <a:t>Validation des Choix</a:t>
-            </a:r>
-            <a:br>
-              <a:rPr lang="fr-FR" dirty="0"/>
-            </a:br>
-            <a:endParaRPr lang="fr-FR" dirty="0"/>
-          </a:p>
-        </p:txBody>
-      </p:sp>
-      <p:sp>
-        <p:nvSpPr>
-          <p:cNvPr id="3" name="Espace réservé du contenu 2"/>
-          <p:cNvSpPr>
-            <a:spLocks noGrp="1"/>
-          </p:cNvSpPr>
-          <p:nvPr>
-            <p:ph idx="1"/>
-          </p:nvPr>
-        </p:nvSpPr>
-        <p:spPr>
-          <a:xfrm>
-            <a:off x="742547" y="1133146"/>
-            <a:ext cx="11553826" cy="923925"/>
-          </a:xfrm>
-        </p:spPr>
-        <p:txBody>
-          <a:bodyPr>
-            <a:normAutofit/>
-          </a:bodyPr>
-          <a:lstStyle/>
-          <a:p>
-            <a:r>
-              <a:rPr lang="fr-FR" dirty="0" smtClean="0"/>
-              <a:t>Compactibilité (donnés fiable de wiki.seeedstudio.com)</a:t>
+              <a:t>	</a:t>
+            </a:r>
+            <a:r>
+              <a:rPr lang="fr-FR" sz="1400" dirty="0" smtClean="0"/>
+              <a:t>-Carte </a:t>
+            </a:r>
+            <a:r>
+              <a:rPr lang="fr-FR" sz="1400" dirty="0" err="1" smtClean="0"/>
+              <a:t>Arduino</a:t>
+            </a:r>
+            <a:endParaRPr lang="fr-FR" sz="1400" dirty="0" smtClean="0"/>
+          </a:p>
+          <a:p>
+            <a:pPr marL="530352" lvl="1" indent="0">
+              <a:buNone/>
+            </a:pPr>
+            <a:r>
+              <a:rPr lang="fr-FR" sz="1400" dirty="0"/>
+              <a:t>	-Grove Base </a:t>
+            </a:r>
+            <a:r>
+              <a:rPr lang="fr-FR" sz="1400" dirty="0" err="1" smtClean="0"/>
+              <a:t>Shield</a:t>
+            </a:r>
+            <a:endParaRPr lang="fr-FR" sz="1400" dirty="0" smtClean="0"/>
+          </a:p>
+          <a:p>
+            <a:pPr marL="530352" lvl="1" indent="0">
+              <a:buNone/>
+            </a:pPr>
+            <a:r>
+              <a:rPr lang="fr-FR" sz="1400" dirty="0"/>
+              <a:t>	</a:t>
+            </a:r>
+            <a:r>
+              <a:rPr lang="fr-FR" sz="1400" dirty="0" smtClean="0"/>
+              <a:t>-Câble Grove</a:t>
             </a:r>
           </a:p>
           <a:p>
@@ -5756,30 +5884,26 @@
               <a:buNone/>
             </a:pPr>
             <a:r>
-              <a:rPr lang="fr-FR" dirty="0" smtClean="0"/>
-              <a:t>Carte </a:t>
-            </a:r>
-            <a:r>
-              <a:rPr lang="fr-FR" dirty="0" err="1" smtClean="0"/>
-              <a:t>Arduino</a:t>
-            </a:r>
-            <a:r>
-              <a:rPr lang="fr-FR" dirty="0" smtClean="0"/>
-              <a:t> 			Grove Base </a:t>
-            </a:r>
-            <a:r>
-              <a:rPr lang="fr-FR" dirty="0" err="1" smtClean="0"/>
-              <a:t>Shield</a:t>
-            </a:r>
-            <a:r>
-              <a:rPr lang="fr-FR" dirty="0" smtClean="0"/>
-              <a:t>	Ecran LCD RGB	         Round Force </a:t>
-            </a:r>
-            <a:r>
-              <a:rPr lang="fr-FR" dirty="0" err="1" smtClean="0"/>
-              <a:t>Sensor</a:t>
-            </a:r>
-            <a:endParaRPr lang="fr-FR" dirty="0"/>
+              <a:rPr lang="fr-FR" sz="1400" dirty="0"/>
+              <a:t>	</a:t>
+            </a:r>
+            <a:r>
+              <a:rPr lang="fr-FR" sz="1400" dirty="0" smtClean="0"/>
+              <a:t>-Ecran</a:t>
+            </a:r>
+          </a:p>
+          <a:p>
+            <a:pPr marL="0" indent="0">
+              <a:buNone/>
+            </a:pPr>
+            <a:r>
+              <a:rPr lang="fr-FR" sz="1400" dirty="0"/>
+              <a:t>	-Capteur de force Grove </a:t>
+            </a:r>
+            <a:r>
+              <a:rPr lang="fr-FR" sz="1400" dirty="0" smtClean="0"/>
+              <a:t>FSR402 </a:t>
+            </a:r>
           </a:p>
         </p:txBody>
       </p:sp>
@@ -5792,20 +5916,56 @@
           <p:nvPr/>
         </p:nvPicPr>
         <p:blipFill>
-          <a:blip r:embed="rId2"/>
+          <a:blip r:embed="rId2" cstate="print">
+            <a:extLst>
+              <a:ext uri="{28A0092B-C50C-407E-A947-70E740481C1C}">
+                <a14:useLocalDpi xmlns:a14="http://schemas.microsoft.com/office/drawing/2010/main" val="0"/>
+              </a:ext>
+            </a:extLst>
+          </a:blip>
           <a:stretch>
             <a:fillRect/>
           </a:stretch>
         </p:blipFill>
         <p:spPr>
           <a:xfrm>
-            <a:off x="4566591" y="2781341"/>
-            <a:ext cx="1952869" cy="3004002"/>
+            <a:off x="4637859" y="1798320"/>
+            <a:ext cx="406581" cy="406581"/>
           </a:xfrm>
           <a:prstGeom prst="rect">
             <a:avLst/>
           </a:prstGeom>
-          <a:ln w="28575">
+        </p:spPr>
+      </p:pic>
+      <p:pic>
+        <p:nvPicPr>
+          <p:cNvPr id="1026" name="Picture 2" descr="https://media-cdn.seeedstudio.com/media/catalog/product/cache/bb49d3ec4ee05b6f018e93f896b8a25d/h/t/httpsstatics3.seeedstudio.comseeedfile2017-11bazaar622825_img_4759a.jpg"/>
+          <p:cNvPicPr>
+            <a:picLocks noChangeAspect="1" noChangeArrowheads="1"/>
+          </p:cNvPicPr>
+          <p:nvPr/>
+        </p:nvPicPr>
+        <p:blipFill rotWithShape="1">
+          <a:blip r:embed="rId3" cstate="print">
+            <a:extLst>
+              <a:ext uri="{28A0092B-C50C-407E-A947-70E740481C1C}">
+                <a14:useLocalDpi xmlns:a14="http://schemas.microsoft.com/office/drawing/2010/main" val="0"/>
+              </a:ext>
+            </a:extLst>
+          </a:blip>
+          <a:srcRect l="4446" t="4446" r="4446" b="4446"/>
+          <a:stretch/>
+        </p:blipFill>
+        <p:spPr bwMode="auto">
+          <a:xfrm>
+            <a:off x="6537373" y="1742395"/>
+            <a:ext cx="2197324" cy="1647994"/>
+          </a:xfrm>
+          <a:prstGeom prst="rect">
+            <a:avLst/>
+          </a:prstGeom>
+          <a:noFill/>
+          <a:ln w="38100">
             <a:solidFill>
               <a:srgbClr val="0070C0"/>
             </a:solidFill>
@@ -5818,73 +5978,46 @@
               </a:schemeClr>
             </a:glow>
           </a:effectLst>
+          <a:extLst>
+            <a:ext uri="{909E8E84-426E-40DD-AFC4-6F175D3DCCD1}">
+              <a14:hiddenFill xmlns:a14="http://schemas.microsoft.com/office/drawing/2010/main">
+                <a:solidFill>
+                  <a:srgbClr val="FFFFFF"/>
+                </a:solidFill>
+              </a14:hiddenFill>
+            </a:ext>
+          </a:extLst>
         </p:spPr>
       </p:pic>
-      <p:sp>
-        <p:nvSpPr>
-          <p:cNvPr id="5" name="ZoneTexte 4"/>
-          <p:cNvSpPr txBox="1"/>
+      <p:pic>
+        <p:nvPicPr>
+          <p:cNvPr id="1028" name="Picture 4" descr="https://media-cdn.seeedstudio.com/media/catalog/product/cache/bb49d3ec4ee05b6f018e93f896b8a25d/h/t/httpsstatics3.seeedstudio.comseeedimg2016-09ojyc6a5jtrgslqwc5j7gw9ti.jpg"/>
+          <p:cNvPicPr>
+            <a:picLocks noChangeAspect="1" noChangeArrowheads="1"/>
+          </p:cNvPicPr>
           <p:nvPr/>
-        </p:nvSpPr>
-        <p:spPr>
-          <a:xfrm>
-            <a:off x="4304775" y="2043603"/>
-            <a:ext cx="2476500" cy="523220"/>
+        </p:nvPicPr>
+        <p:blipFill rotWithShape="1">
+          <a:blip r:embed="rId4" cstate="print">
+            <a:extLst>
+              <a:ext uri="{28A0092B-C50C-407E-A947-70E740481C1C}">
+                <a14:useLocalDpi xmlns:a14="http://schemas.microsoft.com/office/drawing/2010/main" val="0"/>
+              </a:ext>
+            </a:extLst>
+          </a:blip>
+          <a:srcRect l="10283" t="6571" r="10283" b="6571"/>
+          <a:stretch/>
+        </p:blipFill>
+        <p:spPr bwMode="auto">
+          <a:xfrm>
+            <a:off x="8999038" y="1628503"/>
+            <a:ext cx="2287270" cy="1875778"/>
           </a:xfrm>
           <a:prstGeom prst="rect">
             <a:avLst/>
           </a:prstGeom>
           <a:noFill/>
-        </p:spPr>
-        <p:txBody>
-          <a:bodyPr wrap="square" rtlCol="0">
-            <a:spAutoFit/>
-          </a:bodyPr>
-          <a:lstStyle/>
-          <a:p>
-            <a:r>
-              <a:rPr lang="fr-FR" sz="1400" dirty="0" smtClean="0"/>
-              <a:t>Tester et est compatibles avec tout les Carte </a:t>
-            </a:r>
-            <a:r>
-              <a:rPr lang="fr-FR" sz="1400" dirty="0" err="1" smtClean="0"/>
-              <a:t>Arduino</a:t>
-            </a:r>
-            <a:r>
-              <a:rPr lang="fr-FR" sz="1400" dirty="0" smtClean="0"/>
-              <a:t> </a:t>
-            </a:r>
-            <a:r>
-              <a:rPr lang="fr-FR" sz="1400" dirty="0" err="1" smtClean="0"/>
-              <a:t>Uno</a:t>
-            </a:r>
-            <a:endParaRPr lang="fr-FR" sz="1400" dirty="0"/>
-          </a:p>
-        </p:txBody>
-      </p:sp>
-      <p:pic>
-        <p:nvPicPr>
-          <p:cNvPr id="6" name="Image 5"/>
-          <p:cNvPicPr>
-            <a:picLocks noChangeAspect="1"/>
-          </p:cNvPicPr>
-          <p:nvPr/>
-        </p:nvPicPr>
-        <p:blipFill>
-          <a:blip r:embed="rId3"/>
-          <a:stretch>
-            <a:fillRect/>
-          </a:stretch>
-        </p:blipFill>
-        <p:spPr>
-          <a:xfrm>
-            <a:off x="767320" y="2206925"/>
-            <a:ext cx="3409777" cy="3933060"/>
-          </a:xfrm>
-          <a:prstGeom prst="rect">
-            <a:avLst/>
-          </a:prstGeom>
-          <a:ln w="19050">
+          <a:ln w="38100">
             <a:solidFill>
               <a:srgbClr val="0070C0"/>
             </a:solidFill>
@@ -5897,31 +6030,48 @@
               </a:schemeClr>
             </a:glow>
           </a:effectLst>
+          <a:extLst>
+            <a:ext uri="{909E8E84-426E-40DD-AFC4-6F175D3DCCD1}">
+              <a14:hiddenFill xmlns:a14="http://schemas.microsoft.com/office/drawing/2010/main">
+                <a:solidFill>
+                  <a:srgbClr val="FFFFFF"/>
+                </a:solidFill>
+              </a14:hiddenFill>
+            </a:ext>
+          </a:extLst>
         </p:spPr>
       </p:pic>
       <p:pic>
         <p:nvPicPr>
-          <p:cNvPr id="7" name="Image 6"/>
+          <p:cNvPr id="1030" name="Picture 6" descr="pir"/>
           <p:cNvPicPr>
-            <a:picLocks noChangeAspect="1"/>
+            <a:picLocks noChangeAspect="1" noChangeArrowheads="1"/>
           </p:cNvPicPr>
           <p:nvPr/>
         </p:nvPicPr>
         <p:blipFill>
-          <a:blip r:embed="rId4"/>
+          <a:blip r:embed="rId5" cstate="print">
+            <a:extLst>
+              <a:ext uri="{28A0092B-C50C-407E-A947-70E740481C1C}">
+                <a14:useLocalDpi xmlns:a14="http://schemas.microsoft.com/office/drawing/2010/main" val="0"/>
+              </a:ext>
+            </a:extLst>
+          </a:blip>
+          <a:srcRect/>
           <a:stretch>
             <a:fillRect/>
           </a:stretch>
         </p:blipFill>
-        <p:spPr>
-          <a:xfrm>
-            <a:off x="7112856" y="2206925"/>
-            <a:ext cx="1940305" cy="3223775"/>
+        <p:spPr bwMode="auto">
+          <a:xfrm>
+            <a:off x="6537374" y="3636755"/>
+            <a:ext cx="2197324" cy="1647994"/>
           </a:xfrm>
           <a:prstGeom prst="rect">
             <a:avLst/>
           </a:prstGeom>
-          <a:ln w="28575">
+          <a:noFill/>
+          <a:ln w="38100">
             <a:solidFill>
               <a:srgbClr val="0070C0"/>
             </a:solidFill>
@@ -5934,31 +6084,48 @@
               </a:schemeClr>
             </a:glow>
           </a:effectLst>
+          <a:extLst>
+            <a:ext uri="{909E8E84-426E-40DD-AFC4-6F175D3DCCD1}">
+              <a14:hiddenFill xmlns:a14="http://schemas.microsoft.com/office/drawing/2010/main">
+                <a:solidFill>
+                  <a:srgbClr val="FFFFFF"/>
+                </a:solidFill>
+              </a14:hiddenFill>
+            </a:ext>
+          </a:extLst>
         </p:spPr>
       </p:pic>
       <p:pic>
         <p:nvPicPr>
-          <p:cNvPr id="8" name="Image 7"/>
+          <p:cNvPr id="1032" name="Picture 8" descr="https://media-cdn.seeedstudio.com/media/catalog/product/cache/bb49d3ec4ee05b6f018e93f896b8a25d/h/t/httpsstatics3.seeedstudio.comseeedfile2018-08bazaar896643_3.jpg"/>
           <p:cNvPicPr>
-            <a:picLocks noChangeAspect="1"/>
+            <a:picLocks noChangeAspect="1" noChangeArrowheads="1"/>
           </p:cNvPicPr>
           <p:nvPr/>
         </p:nvPicPr>
         <p:blipFill>
-          <a:blip r:embed="rId5"/>
+          <a:blip r:embed="rId6" cstate="print">
+            <a:extLst>
+              <a:ext uri="{28A0092B-C50C-407E-A947-70E740481C1C}">
+                <a14:useLocalDpi xmlns:a14="http://schemas.microsoft.com/office/drawing/2010/main" val="0"/>
+              </a:ext>
+            </a:extLst>
+          </a:blip>
+          <a:srcRect/>
           <a:stretch>
             <a:fillRect/>
           </a:stretch>
         </p:blipFill>
-        <p:spPr>
-          <a:xfrm>
-            <a:off x="9286401" y="2206925"/>
-            <a:ext cx="2781774" cy="4215932"/>
+        <p:spPr bwMode="auto">
+          <a:xfrm>
+            <a:off x="8999038" y="3674098"/>
+            <a:ext cx="2287270" cy="1715453"/>
           </a:xfrm>
           <a:prstGeom prst="rect">
             <a:avLst/>
           </a:prstGeom>
-          <a:ln w="28575">
+          <a:noFill/>
+          <a:ln w="38100">
             <a:solidFill>
               <a:srgbClr val="0070C0"/>
             </a:solidFill>
@@ -5971,12 +6138,21 @@
               </a:schemeClr>
             </a:glow>
           </a:effectLst>
+          <a:extLst>
+            <a:ext uri="{909E8E84-426E-40DD-AFC4-6F175D3DCCD1}">
+              <a14:hiddenFill xmlns:a14="http://schemas.microsoft.com/office/drawing/2010/main">
+                <a:solidFill>
+                  <a:srgbClr val="FFFFFF"/>
+                </a:solidFill>
+              </a14:hiddenFill>
+            </a:ext>
+          </a:extLst>
         </p:spPr>
       </p:pic>
     </p:spTree>
     <p:extLst>
       <p:ext uri="{BB962C8B-B14F-4D97-AF65-F5344CB8AC3E}">
-        <p14:creationId xmlns:p14="http://schemas.microsoft.com/office/powerpoint/2010/main" val="731175831"/>
+        <p14:creationId xmlns:p14="http://schemas.microsoft.com/office/powerpoint/2010/main" val="1440389475"/>
       </p:ext>
     </p:extLst>
   </p:cSld>

--- a/Notes/Presentation-Borui.pptx
+++ b/Notes/Presentation-Borui.pptx
@@ -4501,7 +4501,13 @@
           <a:lstStyle/>
           <a:p>
             <a:r>
-              <a:rPr lang="fr-FR" dirty="0"/>
+              <a:rPr lang="fr-FR" dirty="0" smtClean="0"/>
+              <a:t>Présentation</a:t>
+            </a:r>
+          </a:p>
+          <a:p>
+            <a:r>
+              <a:rPr lang="fr-FR" dirty="0" smtClean="0"/>
               <a:t>Les </a:t>
             </a:r>
             <a:r>
@@ -5691,7 +5697,7 @@
               <a:t>Matériel prévu : Carte </a:t>
             </a:r>
             <a:r>
-              <a:rPr lang="fr-FR" smtClean="0"/>
+              <a:rPr lang="fr-FR" dirty="0" err="1" smtClean="0"/>
               <a:t>Microbit</a:t>
             </a:r>
             <a:endParaRPr lang="fr-FR" dirty="0" smtClean="0"/>
@@ -5782,16 +5788,47 @@
             <p:ph type="title"/>
           </p:nvPr>
         </p:nvSpPr>
-        <p:spPr/>
-        <p:txBody>
-          <a:bodyPr/>
+        <p:spPr>
+          <a:xfrm>
+            <a:off x="1301931" y="556035"/>
+            <a:ext cx="10524309" cy="696337"/>
+          </a:xfrm>
+        </p:spPr>
+        <p:txBody>
+          <a:bodyPr>
+            <a:normAutofit fontScale="90000"/>
+          </a:bodyPr>
           <a:lstStyle/>
           <a:p>
             <a:r>
               <a:rPr lang="fr-FR" dirty="0" smtClean="0"/>
-              <a:t>Choix, Solution, logicielle et matérielle</a:t>
-            </a:r>
-            <a:endParaRPr lang="fr-FR" dirty="0"/>
+              <a:t>Choix, Solution, logicielle et </a:t>
+            </a:r>
+            <a:r>
+              <a:rPr lang="fr-FR" dirty="0" smtClean="0"/>
+              <a:t>matérielle 2 : </a:t>
+            </a:r>
+            <a:r>
+              <a:rPr lang="fr-FR" dirty="0" smtClean="0">
+                <a:effectLst>
+                  <a:outerShdw blurRad="38100" dist="38100" dir="2700000" algn="tl">
+                    <a:srgbClr val="000000">
+                      <a:alpha val="43137"/>
+                    </a:srgbClr>
+                  </a:outerShdw>
+                </a:effectLst>
+              </a:rPr>
+              <a:t>Choisi</a:t>
+            </a:r>
+            <a:endParaRPr lang="fr-FR" dirty="0">
+              <a:effectLst>
+                <a:outerShdw blurRad="38100" dist="38100" dir="2700000" algn="tl">
+                  <a:srgbClr val="000000">
+                    <a:alpha val="43137"/>
+                  </a:srgbClr>
+                </a:outerShdw>
+              </a:effectLst>
+            </a:endParaRPr>
           </a:p>
         </p:txBody>
       </p:sp>

--- a/Notes/Presentation-Borui.pptx
+++ b/Notes/Presentation-Borui.pptx
@@ -4501,13 +4501,7 @@
           <a:lstStyle/>
           <a:p>
             <a:r>
-              <a:rPr lang="fr-FR" dirty="0" smtClean="0"/>
-              <a:t>Présentation</a:t>
-            </a:r>
-          </a:p>
-          <a:p>
-            <a:r>
-              <a:rPr lang="fr-FR" dirty="0" smtClean="0"/>
+              <a:rPr lang="fr-FR" smtClean="0"/>
               <a:t>Les </a:t>
             </a:r>
             <a:r>
